--- a/scientific_computing_skills_and_trainings.pptx
+++ b/scientific_computing_skills_and_trainings.pptx
@@ -8,15 +8,16 @@
     <p:sldId id="270" r:id="rId2"/>
     <p:sldId id="256" r:id="rId3"/>
     <p:sldId id="266" r:id="rId4"/>
-    <p:sldId id="265" r:id="rId5"/>
-    <p:sldId id="269" r:id="rId6"/>
-    <p:sldId id="257" r:id="rId7"/>
-    <p:sldId id="258" r:id="rId8"/>
-    <p:sldId id="261" r:id="rId9"/>
-    <p:sldId id="262" r:id="rId10"/>
-    <p:sldId id="264" r:id="rId11"/>
-    <p:sldId id="263" r:id="rId12"/>
-    <p:sldId id="268" r:id="rId13"/>
+    <p:sldId id="271" r:id="rId5"/>
+    <p:sldId id="265" r:id="rId6"/>
+    <p:sldId id="269" r:id="rId7"/>
+    <p:sldId id="257" r:id="rId8"/>
+    <p:sldId id="258" r:id="rId9"/>
+    <p:sldId id="261" r:id="rId10"/>
+    <p:sldId id="262" r:id="rId11"/>
+    <p:sldId id="264" r:id="rId12"/>
+    <p:sldId id="263" r:id="rId13"/>
+    <p:sldId id="268" r:id="rId14"/>
   </p:sldIdLst>
   <p:sldSz cx="12192000" cy="6858000"/>
   <p:notesSz cx="6858000" cy="9144000"/>
@@ -272,7 +273,7 @@
           <a:p>
             <a:fld id="{DC01C8A5-665F-4D3F-9A12-53413470C026}" type="datetimeFigureOut">
               <a:rPr lang="LID4096" smtClean="0"/>
-              <a:t>09/06/2024</a:t>
+              <a:t>08/14/2025</a:t>
             </a:fld>
             <a:endParaRPr lang="LID4096"/>
           </a:p>
@@ -472,7 +473,7 @@
           <a:p>
             <a:fld id="{DC01C8A5-665F-4D3F-9A12-53413470C026}" type="datetimeFigureOut">
               <a:rPr lang="LID4096" smtClean="0"/>
-              <a:t>09/06/2024</a:t>
+              <a:t>08/14/2025</a:t>
             </a:fld>
             <a:endParaRPr lang="LID4096"/>
           </a:p>
@@ -682,7 +683,7 @@
           <a:p>
             <a:fld id="{DC01C8A5-665F-4D3F-9A12-53413470C026}" type="datetimeFigureOut">
               <a:rPr lang="LID4096" smtClean="0"/>
-              <a:t>09/06/2024</a:t>
+              <a:t>08/14/2025</a:t>
             </a:fld>
             <a:endParaRPr lang="LID4096"/>
           </a:p>
@@ -882,7 +883,7 @@
           <a:p>
             <a:fld id="{DC01C8A5-665F-4D3F-9A12-53413470C026}" type="datetimeFigureOut">
               <a:rPr lang="LID4096" smtClean="0"/>
-              <a:t>09/06/2024</a:t>
+              <a:t>08/14/2025</a:t>
             </a:fld>
             <a:endParaRPr lang="LID4096"/>
           </a:p>
@@ -1158,7 +1159,7 @@
           <a:p>
             <a:fld id="{DC01C8A5-665F-4D3F-9A12-53413470C026}" type="datetimeFigureOut">
               <a:rPr lang="LID4096" smtClean="0"/>
-              <a:t>09/06/2024</a:t>
+              <a:t>08/14/2025</a:t>
             </a:fld>
             <a:endParaRPr lang="LID4096"/>
           </a:p>
@@ -1426,7 +1427,7 @@
           <a:p>
             <a:fld id="{DC01C8A5-665F-4D3F-9A12-53413470C026}" type="datetimeFigureOut">
               <a:rPr lang="LID4096" smtClean="0"/>
-              <a:t>09/06/2024</a:t>
+              <a:t>08/14/2025</a:t>
             </a:fld>
             <a:endParaRPr lang="LID4096"/>
           </a:p>
@@ -1841,7 +1842,7 @@
           <a:p>
             <a:fld id="{DC01C8A5-665F-4D3F-9A12-53413470C026}" type="datetimeFigureOut">
               <a:rPr lang="LID4096" smtClean="0"/>
-              <a:t>09/06/2024</a:t>
+              <a:t>08/14/2025</a:t>
             </a:fld>
             <a:endParaRPr lang="LID4096"/>
           </a:p>
@@ -1983,7 +1984,7 @@
           <a:p>
             <a:fld id="{DC01C8A5-665F-4D3F-9A12-53413470C026}" type="datetimeFigureOut">
               <a:rPr lang="LID4096" smtClean="0"/>
-              <a:t>09/06/2024</a:t>
+              <a:t>08/14/2025</a:t>
             </a:fld>
             <a:endParaRPr lang="LID4096"/>
           </a:p>
@@ -2096,7 +2097,7 @@
           <a:p>
             <a:fld id="{DC01C8A5-665F-4D3F-9A12-53413470C026}" type="datetimeFigureOut">
               <a:rPr lang="LID4096" smtClean="0"/>
-              <a:t>09/06/2024</a:t>
+              <a:t>08/14/2025</a:t>
             </a:fld>
             <a:endParaRPr lang="LID4096"/>
           </a:p>
@@ -2409,7 +2410,7 @@
           <a:p>
             <a:fld id="{DC01C8A5-665F-4D3F-9A12-53413470C026}" type="datetimeFigureOut">
               <a:rPr lang="LID4096" smtClean="0"/>
-              <a:t>09/06/2024</a:t>
+              <a:t>08/14/2025</a:t>
             </a:fld>
             <a:endParaRPr lang="LID4096"/>
           </a:p>
@@ -2698,7 +2699,7 @@
           <a:p>
             <a:fld id="{DC01C8A5-665F-4D3F-9A12-53413470C026}" type="datetimeFigureOut">
               <a:rPr lang="LID4096" smtClean="0"/>
-              <a:t>09/06/2024</a:t>
+              <a:t>08/14/2025</a:t>
             </a:fld>
             <a:endParaRPr lang="LID4096"/>
           </a:p>
@@ -2941,7 +2942,7 @@
           <a:p>
             <a:fld id="{DC01C8A5-665F-4D3F-9A12-53413470C026}" type="datetimeFigureOut">
               <a:rPr lang="LID4096" smtClean="0"/>
-              <a:t>09/06/2024</a:t>
+              <a:t>08/14/2025</a:t>
             </a:fld>
             <a:endParaRPr lang="LID4096"/>
           </a:p>
@@ -3510,7 +3511,7 @@
           <a:p>
             <a:r>
               <a:rPr lang="en-US" dirty="0"/>
-              <a:t>Programming: Julia</a:t>
+              <a:t>Programming: Fortran</a:t>
             </a:r>
             <a:endParaRPr lang="LID4096" dirty="0"/>
           </a:p>
@@ -3531,7 +3532,7 @@
         <p:spPr>
           <a:xfrm>
             <a:off x="2977505" y="1912374"/>
-            <a:ext cx="3716017" cy="369332"/>
+            <a:ext cx="2604239" cy="369332"/>
           </a:xfrm>
           <a:prstGeom prst="rect">
             <a:avLst/>
@@ -3551,16 +3552,671 @@
           <a:p>
             <a:r>
               <a:rPr lang="en-US" dirty="0"/>
-              <a:t>Julia: the good, the bad and the ugly</a:t>
+              <a:t>Fortran for programmers</a:t>
             </a:r>
             <a:endParaRPr lang="LID4096" dirty="0"/>
           </a:p>
         </p:txBody>
       </p:sp>
+      <p:sp>
+        <p:nvSpPr>
+          <p:cNvPr id="5" name="TextBox 4">
+            <a:extLst>
+              <a:ext uri="{FF2B5EF4-FFF2-40B4-BE49-F238E27FC236}">
+                <a16:creationId xmlns:a16="http://schemas.microsoft.com/office/drawing/2014/main" id="{2C6E1007-3BA4-C64A-DA35-7AFAF5BCB083}"/>
+              </a:ext>
+            </a:extLst>
+          </p:cNvPr>
+          <p:cNvSpPr txBox="1"/>
+          <p:nvPr/>
+        </p:nvSpPr>
+        <p:spPr>
+          <a:xfrm>
+            <a:off x="7230767" y="3490156"/>
+            <a:ext cx="2012089" cy="369332"/>
+          </a:xfrm>
+          <a:prstGeom prst="rect">
+            <a:avLst/>
+          </a:prstGeom>
+          <a:noFill/>
+          <a:ln>
+            <a:solidFill>
+              <a:schemeClr val="tx1"/>
+            </a:solidFill>
+          </a:ln>
+        </p:spPr>
+        <p:txBody>
+          <a:bodyPr wrap="none" rtlCol="0">
+            <a:spAutoFit/>
+          </a:bodyPr>
+          <a:lstStyle/>
+          <a:p>
+            <a:r>
+              <a:rPr lang="en-US" dirty="0"/>
+              <a:t>Code optimization</a:t>
+            </a:r>
+            <a:endParaRPr lang="LID4096" dirty="0"/>
+          </a:p>
+        </p:txBody>
+      </p:sp>
+      <p:sp>
+        <p:nvSpPr>
+          <p:cNvPr id="6" name="TextBox 5">
+            <a:extLst>
+              <a:ext uri="{FF2B5EF4-FFF2-40B4-BE49-F238E27FC236}">
+                <a16:creationId xmlns:a16="http://schemas.microsoft.com/office/drawing/2014/main" id="{81F6E4A0-BE23-C19C-9994-D5AE0163F906}"/>
+              </a:ext>
+            </a:extLst>
+          </p:cNvPr>
+          <p:cNvSpPr txBox="1"/>
+          <p:nvPr/>
+        </p:nvSpPr>
+        <p:spPr>
+          <a:xfrm>
+            <a:off x="1347553" y="3490156"/>
+            <a:ext cx="3809889" cy="369332"/>
+          </a:xfrm>
+          <a:prstGeom prst="rect">
+            <a:avLst/>
+          </a:prstGeom>
+          <a:noFill/>
+          <a:ln>
+            <a:solidFill>
+              <a:schemeClr val="tx1"/>
+            </a:solidFill>
+          </a:ln>
+        </p:spPr>
+        <p:txBody>
+          <a:bodyPr wrap="none" rtlCol="0">
+            <a:spAutoFit/>
+          </a:bodyPr>
+          <a:lstStyle/>
+          <a:p>
+            <a:r>
+              <a:rPr lang="en-US" dirty="0"/>
+              <a:t>Defensive programming &amp; debugging</a:t>
+            </a:r>
+            <a:endParaRPr lang="LID4096" dirty="0"/>
+          </a:p>
+        </p:txBody>
+      </p:sp>
+      <p:sp>
+        <p:nvSpPr>
+          <p:cNvPr id="7" name="TextBox 6">
+            <a:extLst>
+              <a:ext uri="{FF2B5EF4-FFF2-40B4-BE49-F238E27FC236}">
+                <a16:creationId xmlns:a16="http://schemas.microsoft.com/office/drawing/2014/main" id="{1710158B-A69A-B0E1-2D98-6B607E7513D3}"/>
+              </a:ext>
+            </a:extLst>
+          </p:cNvPr>
+          <p:cNvSpPr txBox="1"/>
+          <p:nvPr/>
+        </p:nvSpPr>
+        <p:spPr>
+          <a:xfrm>
+            <a:off x="5046718" y="4745606"/>
+            <a:ext cx="3188117" cy="369332"/>
+          </a:xfrm>
+          <a:prstGeom prst="rect">
+            <a:avLst/>
+          </a:prstGeom>
+          <a:noFill/>
+          <a:ln>
+            <a:solidFill>
+              <a:schemeClr val="tx1"/>
+            </a:solidFill>
+          </a:ln>
+        </p:spPr>
+        <p:txBody>
+          <a:bodyPr wrap="none" rtlCol="0">
+            <a:spAutoFit/>
+          </a:bodyPr>
+          <a:lstStyle/>
+          <a:p>
+            <a:r>
+              <a:rPr lang="en-US" dirty="0"/>
+              <a:t>Parallel programming with MPI</a:t>
+            </a:r>
+            <a:endParaRPr lang="LID4096" dirty="0"/>
+          </a:p>
+        </p:txBody>
+      </p:sp>
+      <p:sp>
+        <p:nvSpPr>
+          <p:cNvPr id="8" name="TextBox 7">
+            <a:extLst>
+              <a:ext uri="{FF2B5EF4-FFF2-40B4-BE49-F238E27FC236}">
+                <a16:creationId xmlns:a16="http://schemas.microsoft.com/office/drawing/2014/main" id="{13A1CC24-74CA-03B1-CB8D-7E2954779B7B}"/>
+              </a:ext>
+            </a:extLst>
+          </p:cNvPr>
+          <p:cNvSpPr txBox="1"/>
+          <p:nvPr/>
+        </p:nvSpPr>
+        <p:spPr>
+          <a:xfrm>
+            <a:off x="784158" y="5117102"/>
+            <a:ext cx="3675430" cy="369332"/>
+          </a:xfrm>
+          <a:prstGeom prst="rect">
+            <a:avLst/>
+          </a:prstGeom>
+          <a:noFill/>
+          <a:ln>
+            <a:solidFill>
+              <a:schemeClr val="tx1"/>
+            </a:solidFill>
+          </a:ln>
+        </p:spPr>
+        <p:txBody>
+          <a:bodyPr wrap="none" rtlCol="0">
+            <a:spAutoFit/>
+          </a:bodyPr>
+          <a:lstStyle/>
+          <a:p>
+            <a:r>
+              <a:rPr lang="en-US" dirty="0"/>
+              <a:t>Parallel programming with OpenMP</a:t>
+            </a:r>
+            <a:endParaRPr lang="LID4096" dirty="0"/>
+          </a:p>
+        </p:txBody>
+      </p:sp>
+      <p:sp>
+        <p:nvSpPr>
+          <p:cNvPr id="9" name="TextBox 8">
+            <a:extLst>
+              <a:ext uri="{FF2B5EF4-FFF2-40B4-BE49-F238E27FC236}">
+                <a16:creationId xmlns:a16="http://schemas.microsoft.com/office/drawing/2014/main" id="{271086E7-C268-B2E7-53C7-E44A9FE384F3}"/>
+              </a:ext>
+            </a:extLst>
+          </p:cNvPr>
+          <p:cNvSpPr txBox="1"/>
+          <p:nvPr/>
+        </p:nvSpPr>
+        <p:spPr>
+          <a:xfrm>
+            <a:off x="7732414" y="5486434"/>
+            <a:ext cx="2590774" cy="369332"/>
+          </a:xfrm>
+          <a:prstGeom prst="rect">
+            <a:avLst/>
+          </a:prstGeom>
+          <a:noFill/>
+          <a:ln>
+            <a:solidFill>
+              <a:schemeClr val="tx1"/>
+            </a:solidFill>
+          </a:ln>
+        </p:spPr>
+        <p:txBody>
+          <a:bodyPr wrap="none" rtlCol="0">
+            <a:spAutoFit/>
+          </a:bodyPr>
+          <a:lstStyle/>
+          <a:p>
+            <a:r>
+              <a:rPr lang="en-US" dirty="0"/>
+              <a:t>OpenMP GPU offloading</a:t>
+            </a:r>
+            <a:endParaRPr lang="LID4096" dirty="0"/>
+          </a:p>
+        </p:txBody>
+      </p:sp>
+      <p:cxnSp>
+        <p:nvCxnSpPr>
+          <p:cNvPr id="11" name="Straight Arrow Connector 10">
+            <a:extLst>
+              <a:ext uri="{FF2B5EF4-FFF2-40B4-BE49-F238E27FC236}">
+                <a16:creationId xmlns:a16="http://schemas.microsoft.com/office/drawing/2014/main" id="{9D5669AB-E293-6E49-E6B1-B2CCD8DAF479}"/>
+              </a:ext>
+            </a:extLst>
+          </p:cNvPr>
+          <p:cNvCxnSpPr>
+            <a:stCxn id="3" idx="2"/>
+            <a:endCxn id="6" idx="0"/>
+          </p:cNvCxnSpPr>
+          <p:nvPr/>
+        </p:nvCxnSpPr>
+        <p:spPr>
+          <a:xfrm flipH="1">
+            <a:off x="3252498" y="2281706"/>
+            <a:ext cx="1027127" cy="1208450"/>
+          </a:xfrm>
+          <a:prstGeom prst="straightConnector1">
+            <a:avLst/>
+          </a:prstGeom>
+          <a:ln>
+            <a:solidFill>
+              <a:schemeClr val="tx1"/>
+            </a:solidFill>
+            <a:tailEnd type="triangle"/>
+          </a:ln>
+        </p:spPr>
+        <p:style>
+          <a:lnRef idx="2">
+            <a:schemeClr val="accent1"/>
+          </a:lnRef>
+          <a:fillRef idx="0">
+            <a:schemeClr val="accent1"/>
+          </a:fillRef>
+          <a:effectRef idx="1">
+            <a:schemeClr val="accent1"/>
+          </a:effectRef>
+          <a:fontRef idx="minor">
+            <a:schemeClr val="tx1"/>
+          </a:fontRef>
+        </p:style>
+      </p:cxnSp>
+      <p:cxnSp>
+        <p:nvCxnSpPr>
+          <p:cNvPr id="13" name="Straight Arrow Connector 12">
+            <a:extLst>
+              <a:ext uri="{FF2B5EF4-FFF2-40B4-BE49-F238E27FC236}">
+                <a16:creationId xmlns:a16="http://schemas.microsoft.com/office/drawing/2014/main" id="{314F1627-A9E6-4271-EFEC-B3629CA683EA}"/>
+              </a:ext>
+            </a:extLst>
+          </p:cNvPr>
+          <p:cNvCxnSpPr>
+            <a:stCxn id="3" idx="2"/>
+            <a:endCxn id="5" idx="0"/>
+          </p:cNvCxnSpPr>
+          <p:nvPr/>
+        </p:nvCxnSpPr>
+        <p:spPr>
+          <a:xfrm>
+            <a:off x="4279625" y="2281706"/>
+            <a:ext cx="3957187" cy="1208450"/>
+          </a:xfrm>
+          <a:prstGeom prst="straightConnector1">
+            <a:avLst/>
+          </a:prstGeom>
+          <a:ln>
+            <a:solidFill>
+              <a:schemeClr val="tx1"/>
+            </a:solidFill>
+            <a:tailEnd type="triangle"/>
+          </a:ln>
+        </p:spPr>
+        <p:style>
+          <a:lnRef idx="2">
+            <a:schemeClr val="accent1"/>
+          </a:lnRef>
+          <a:fillRef idx="0">
+            <a:schemeClr val="accent1"/>
+          </a:fillRef>
+          <a:effectRef idx="1">
+            <a:schemeClr val="accent1"/>
+          </a:effectRef>
+          <a:fontRef idx="minor">
+            <a:schemeClr val="tx1"/>
+          </a:fontRef>
+        </p:style>
+      </p:cxnSp>
+      <p:cxnSp>
+        <p:nvCxnSpPr>
+          <p:cNvPr id="17" name="Straight Arrow Connector 16">
+            <a:extLst>
+              <a:ext uri="{FF2B5EF4-FFF2-40B4-BE49-F238E27FC236}">
+                <a16:creationId xmlns:a16="http://schemas.microsoft.com/office/drawing/2014/main" id="{C8F4FDE1-D4AB-AEE8-CCD3-C2AA54109089}"/>
+              </a:ext>
+            </a:extLst>
+          </p:cNvPr>
+          <p:cNvCxnSpPr>
+            <a:stCxn id="6" idx="3"/>
+            <a:endCxn id="5" idx="1"/>
+          </p:cNvCxnSpPr>
+          <p:nvPr/>
+        </p:nvCxnSpPr>
+        <p:spPr>
+          <a:xfrm>
+            <a:off x="5157442" y="3674822"/>
+            <a:ext cx="2073325" cy="0"/>
+          </a:xfrm>
+          <a:prstGeom prst="straightConnector1">
+            <a:avLst/>
+          </a:prstGeom>
+          <a:ln>
+            <a:solidFill>
+              <a:schemeClr val="tx1"/>
+            </a:solidFill>
+            <a:tailEnd type="triangle"/>
+          </a:ln>
+        </p:spPr>
+        <p:style>
+          <a:lnRef idx="2">
+            <a:schemeClr val="accent1"/>
+          </a:lnRef>
+          <a:fillRef idx="0">
+            <a:schemeClr val="accent1"/>
+          </a:fillRef>
+          <a:effectRef idx="1">
+            <a:schemeClr val="accent1"/>
+          </a:effectRef>
+          <a:fontRef idx="minor">
+            <a:schemeClr val="tx1"/>
+          </a:fontRef>
+        </p:style>
+      </p:cxnSp>
+      <p:cxnSp>
+        <p:nvCxnSpPr>
+          <p:cNvPr id="19" name="Straight Arrow Connector 18">
+            <a:extLst>
+              <a:ext uri="{FF2B5EF4-FFF2-40B4-BE49-F238E27FC236}">
+                <a16:creationId xmlns:a16="http://schemas.microsoft.com/office/drawing/2014/main" id="{8814EA6F-F173-187D-676B-D744D18676C3}"/>
+              </a:ext>
+            </a:extLst>
+          </p:cNvPr>
+          <p:cNvCxnSpPr>
+            <a:stCxn id="6" idx="2"/>
+            <a:endCxn id="7" idx="0"/>
+          </p:cNvCxnSpPr>
+          <p:nvPr/>
+        </p:nvCxnSpPr>
+        <p:spPr>
+          <a:xfrm>
+            <a:off x="3252498" y="3859488"/>
+            <a:ext cx="3388279" cy="886118"/>
+          </a:xfrm>
+          <a:prstGeom prst="straightConnector1">
+            <a:avLst/>
+          </a:prstGeom>
+          <a:ln>
+            <a:solidFill>
+              <a:schemeClr val="tx1"/>
+            </a:solidFill>
+            <a:tailEnd type="triangle"/>
+          </a:ln>
+        </p:spPr>
+        <p:style>
+          <a:lnRef idx="2">
+            <a:schemeClr val="accent1"/>
+          </a:lnRef>
+          <a:fillRef idx="0">
+            <a:schemeClr val="accent1"/>
+          </a:fillRef>
+          <a:effectRef idx="1">
+            <a:schemeClr val="accent1"/>
+          </a:effectRef>
+          <a:fontRef idx="minor">
+            <a:schemeClr val="tx1"/>
+          </a:fontRef>
+        </p:style>
+      </p:cxnSp>
+      <p:cxnSp>
+        <p:nvCxnSpPr>
+          <p:cNvPr id="21" name="Straight Arrow Connector 20">
+            <a:extLst>
+              <a:ext uri="{FF2B5EF4-FFF2-40B4-BE49-F238E27FC236}">
+                <a16:creationId xmlns:a16="http://schemas.microsoft.com/office/drawing/2014/main" id="{6F3263CC-6E77-CC45-0F99-4D2CA8AEDFBC}"/>
+              </a:ext>
+            </a:extLst>
+          </p:cNvPr>
+          <p:cNvCxnSpPr>
+            <a:stCxn id="5" idx="2"/>
+            <a:endCxn id="7" idx="0"/>
+          </p:cNvCxnSpPr>
+          <p:nvPr/>
+        </p:nvCxnSpPr>
+        <p:spPr>
+          <a:xfrm flipH="1">
+            <a:off x="6640777" y="3859488"/>
+            <a:ext cx="1596035" cy="886118"/>
+          </a:xfrm>
+          <a:prstGeom prst="straightConnector1">
+            <a:avLst/>
+          </a:prstGeom>
+          <a:ln>
+            <a:solidFill>
+              <a:schemeClr val="tx1"/>
+            </a:solidFill>
+            <a:tailEnd type="triangle"/>
+          </a:ln>
+        </p:spPr>
+        <p:style>
+          <a:lnRef idx="2">
+            <a:schemeClr val="accent1"/>
+          </a:lnRef>
+          <a:fillRef idx="0">
+            <a:schemeClr val="accent1"/>
+          </a:fillRef>
+          <a:effectRef idx="1">
+            <a:schemeClr val="accent1"/>
+          </a:effectRef>
+          <a:fontRef idx="minor">
+            <a:schemeClr val="tx1"/>
+          </a:fontRef>
+        </p:style>
+      </p:cxnSp>
+      <p:cxnSp>
+        <p:nvCxnSpPr>
+          <p:cNvPr id="29" name="Straight Arrow Connector 28">
+            <a:extLst>
+              <a:ext uri="{FF2B5EF4-FFF2-40B4-BE49-F238E27FC236}">
+                <a16:creationId xmlns:a16="http://schemas.microsoft.com/office/drawing/2014/main" id="{1A87395B-5003-BECC-D73C-3EBB76F22C3B}"/>
+              </a:ext>
+            </a:extLst>
+          </p:cNvPr>
+          <p:cNvCxnSpPr>
+            <a:stCxn id="6" idx="2"/>
+            <a:endCxn id="8" idx="0"/>
+          </p:cNvCxnSpPr>
+          <p:nvPr/>
+        </p:nvCxnSpPr>
+        <p:spPr>
+          <a:xfrm flipH="1">
+            <a:off x="2621873" y="3859488"/>
+            <a:ext cx="630625" cy="1257614"/>
+          </a:xfrm>
+          <a:prstGeom prst="straightConnector1">
+            <a:avLst/>
+          </a:prstGeom>
+          <a:ln>
+            <a:solidFill>
+              <a:schemeClr val="tx1"/>
+            </a:solidFill>
+            <a:tailEnd type="triangle"/>
+          </a:ln>
+        </p:spPr>
+        <p:style>
+          <a:lnRef idx="2">
+            <a:schemeClr val="accent1"/>
+          </a:lnRef>
+          <a:fillRef idx="0">
+            <a:schemeClr val="accent1"/>
+          </a:fillRef>
+          <a:effectRef idx="1">
+            <a:schemeClr val="accent1"/>
+          </a:effectRef>
+          <a:fontRef idx="minor">
+            <a:schemeClr val="tx1"/>
+          </a:fontRef>
+        </p:style>
+      </p:cxnSp>
+      <p:cxnSp>
+        <p:nvCxnSpPr>
+          <p:cNvPr id="31" name="Straight Arrow Connector 30">
+            <a:extLst>
+              <a:ext uri="{FF2B5EF4-FFF2-40B4-BE49-F238E27FC236}">
+                <a16:creationId xmlns:a16="http://schemas.microsoft.com/office/drawing/2014/main" id="{F9B33659-6119-0EEB-891D-08E1A8EA2DEA}"/>
+              </a:ext>
+            </a:extLst>
+          </p:cNvPr>
+          <p:cNvCxnSpPr>
+            <a:stCxn id="5" idx="2"/>
+            <a:endCxn id="8" idx="0"/>
+          </p:cNvCxnSpPr>
+          <p:nvPr/>
+        </p:nvCxnSpPr>
+        <p:spPr>
+          <a:xfrm flipH="1">
+            <a:off x="2621873" y="3859488"/>
+            <a:ext cx="5614939" cy="1257614"/>
+          </a:xfrm>
+          <a:prstGeom prst="straightConnector1">
+            <a:avLst/>
+          </a:prstGeom>
+          <a:ln>
+            <a:solidFill>
+              <a:schemeClr val="tx1"/>
+            </a:solidFill>
+            <a:tailEnd type="triangle"/>
+          </a:ln>
+        </p:spPr>
+        <p:style>
+          <a:lnRef idx="2">
+            <a:schemeClr val="accent1"/>
+          </a:lnRef>
+          <a:fillRef idx="0">
+            <a:schemeClr val="accent1"/>
+          </a:fillRef>
+          <a:effectRef idx="1">
+            <a:schemeClr val="accent1"/>
+          </a:effectRef>
+          <a:fontRef idx="minor">
+            <a:schemeClr val="tx1"/>
+          </a:fontRef>
+        </p:style>
+      </p:cxnSp>
+      <p:cxnSp>
+        <p:nvCxnSpPr>
+          <p:cNvPr id="33" name="Straight Arrow Connector 32">
+            <a:extLst>
+              <a:ext uri="{FF2B5EF4-FFF2-40B4-BE49-F238E27FC236}">
+                <a16:creationId xmlns:a16="http://schemas.microsoft.com/office/drawing/2014/main" id="{AB8D73FF-B681-7FED-59DF-CA16589BBA1A}"/>
+              </a:ext>
+            </a:extLst>
+          </p:cNvPr>
+          <p:cNvCxnSpPr>
+            <a:stCxn id="8" idx="3"/>
+            <a:endCxn id="7" idx="1"/>
+          </p:cNvCxnSpPr>
+          <p:nvPr/>
+        </p:nvCxnSpPr>
+        <p:spPr>
+          <a:xfrm flipV="1">
+            <a:off x="4459588" y="4930272"/>
+            <a:ext cx="587130" cy="371496"/>
+          </a:xfrm>
+          <a:prstGeom prst="straightConnector1">
+            <a:avLst/>
+          </a:prstGeom>
+          <a:ln>
+            <a:solidFill>
+              <a:schemeClr val="tx1"/>
+            </a:solidFill>
+            <a:tailEnd type="triangle"/>
+          </a:ln>
+        </p:spPr>
+        <p:style>
+          <a:lnRef idx="2">
+            <a:schemeClr val="accent1"/>
+          </a:lnRef>
+          <a:fillRef idx="0">
+            <a:schemeClr val="accent1"/>
+          </a:fillRef>
+          <a:effectRef idx="1">
+            <a:schemeClr val="accent1"/>
+          </a:effectRef>
+          <a:fontRef idx="minor">
+            <a:schemeClr val="tx1"/>
+          </a:fontRef>
+        </p:style>
+      </p:cxnSp>
+      <p:cxnSp>
+        <p:nvCxnSpPr>
+          <p:cNvPr id="35" name="Straight Arrow Connector 34">
+            <a:extLst>
+              <a:ext uri="{FF2B5EF4-FFF2-40B4-BE49-F238E27FC236}">
+                <a16:creationId xmlns:a16="http://schemas.microsoft.com/office/drawing/2014/main" id="{C2542DA2-2763-3BD1-D202-2E04AD34D314}"/>
+              </a:ext>
+            </a:extLst>
+          </p:cNvPr>
+          <p:cNvCxnSpPr>
+            <a:stCxn id="8" idx="3"/>
+            <a:endCxn id="9" idx="1"/>
+          </p:cNvCxnSpPr>
+          <p:nvPr/>
+        </p:nvCxnSpPr>
+        <p:spPr>
+          <a:xfrm>
+            <a:off x="4459588" y="5301768"/>
+            <a:ext cx="3272826" cy="369332"/>
+          </a:xfrm>
+          <a:prstGeom prst="straightConnector1">
+            <a:avLst/>
+          </a:prstGeom>
+          <a:ln>
+            <a:solidFill>
+              <a:schemeClr val="tx1"/>
+            </a:solidFill>
+            <a:tailEnd type="triangle"/>
+          </a:ln>
+        </p:spPr>
+        <p:style>
+          <a:lnRef idx="2">
+            <a:schemeClr val="accent1"/>
+          </a:lnRef>
+          <a:fillRef idx="0">
+            <a:schemeClr val="accent1"/>
+          </a:fillRef>
+          <a:effectRef idx="1">
+            <a:schemeClr val="accent1"/>
+          </a:effectRef>
+          <a:fontRef idx="minor">
+            <a:schemeClr val="tx1"/>
+          </a:fontRef>
+        </p:style>
+      </p:cxnSp>
+      <p:cxnSp>
+        <p:nvCxnSpPr>
+          <p:cNvPr id="37" name="Straight Arrow Connector 36">
+            <a:extLst>
+              <a:ext uri="{FF2B5EF4-FFF2-40B4-BE49-F238E27FC236}">
+                <a16:creationId xmlns:a16="http://schemas.microsoft.com/office/drawing/2014/main" id="{A056DE7D-CD22-F4CF-84B9-038D634B2D28}"/>
+              </a:ext>
+            </a:extLst>
+          </p:cNvPr>
+          <p:cNvCxnSpPr>
+            <a:stCxn id="5" idx="2"/>
+            <a:endCxn id="9" idx="0"/>
+          </p:cNvCxnSpPr>
+          <p:nvPr/>
+        </p:nvCxnSpPr>
+        <p:spPr>
+          <a:xfrm>
+            <a:off x="8236812" y="3859488"/>
+            <a:ext cx="790989" cy="1626946"/>
+          </a:xfrm>
+          <a:prstGeom prst="straightConnector1">
+            <a:avLst/>
+          </a:prstGeom>
+          <a:ln>
+            <a:solidFill>
+              <a:schemeClr val="tx1"/>
+            </a:solidFill>
+            <a:tailEnd type="triangle"/>
+          </a:ln>
+        </p:spPr>
+        <p:style>
+          <a:lnRef idx="2">
+            <a:schemeClr val="accent1"/>
+          </a:lnRef>
+          <a:fillRef idx="0">
+            <a:schemeClr val="accent1"/>
+          </a:fillRef>
+          <a:effectRef idx="1">
+            <a:schemeClr val="accent1"/>
+          </a:effectRef>
+          <a:fontRef idx="minor">
+            <a:schemeClr val="tx1"/>
+          </a:fontRef>
+        </p:style>
+      </p:cxnSp>
     </p:spTree>
     <p:extLst>
       <p:ext uri="{BB962C8B-B14F-4D97-AF65-F5344CB8AC3E}">
-        <p14:creationId xmlns:p14="http://schemas.microsoft.com/office/powerpoint/2010/main" val="2705773014"/>
+        <p14:creationId xmlns:p14="http://schemas.microsoft.com/office/powerpoint/2010/main" val="2036772656"/>
       </p:ext>
     </p:extLst>
   </p:cSld>
@@ -3592,7 +4248,7 @@
           <p:cNvPr id="2" name="Title 1">
             <a:extLst>
               <a:ext uri="{FF2B5EF4-FFF2-40B4-BE49-F238E27FC236}">
-                <a16:creationId xmlns:a16="http://schemas.microsoft.com/office/drawing/2014/main" id="{0A676670-6B24-8450-C712-82DF58A867F9}"/>
+                <a16:creationId xmlns:a16="http://schemas.microsoft.com/office/drawing/2014/main" id="{A5DAA1BB-341A-A290-29B8-A7B3F4AB4CA8}"/>
               </a:ext>
             </a:extLst>
           </p:cNvPr>
@@ -3610,7 +4266,7 @@
           <a:p>
             <a:r>
               <a:rPr lang="en-US" dirty="0"/>
-              <a:t>Software engineering</a:t>
+              <a:t>Programming: Julia</a:t>
             </a:r>
             <a:endParaRPr lang="LID4096" dirty="0"/>
           </a:p>
@@ -3618,10 +4274,10 @@
       </p:sp>
       <p:sp>
         <p:nvSpPr>
-          <p:cNvPr id="11" name="TextBox 10">
-            <a:extLst>
-              <a:ext uri="{FF2B5EF4-FFF2-40B4-BE49-F238E27FC236}">
-                <a16:creationId xmlns:a16="http://schemas.microsoft.com/office/drawing/2014/main" id="{D2321793-C003-4779-F1DD-4400D82CA8A6}"/>
+          <p:cNvPr id="3" name="TextBox 2">
+            <a:extLst>
+              <a:ext uri="{FF2B5EF4-FFF2-40B4-BE49-F238E27FC236}">
+                <a16:creationId xmlns:a16="http://schemas.microsoft.com/office/drawing/2014/main" id="{10DFE626-3894-0F4A-B1C3-95A7751AE222}"/>
               </a:ext>
             </a:extLst>
           </p:cNvPr>
@@ -3630,8 +4286,8 @@
         </p:nvSpPr>
         <p:spPr>
           <a:xfrm>
-            <a:off x="645149" y="1626449"/>
-            <a:ext cx="4003084" cy="369332"/>
+            <a:off x="2977505" y="1912374"/>
+            <a:ext cx="3716017" cy="369332"/>
           </a:xfrm>
           <a:prstGeom prst="rect">
             <a:avLst/>
@@ -3651,756 +4307,16 @@
           <a:p>
             <a:r>
               <a:rPr lang="en-US" dirty="0"/>
-              <a:t>Best practices for scientific computing</a:t>
+              <a:t>Julia: the good, the bad and the ugly</a:t>
             </a:r>
             <a:endParaRPr lang="LID4096" dirty="0"/>
           </a:p>
         </p:txBody>
       </p:sp>
-      <p:sp>
-        <p:nvSpPr>
-          <p:cNvPr id="12" name="TextBox 11">
-            <a:extLst>
-              <a:ext uri="{FF2B5EF4-FFF2-40B4-BE49-F238E27FC236}">
-                <a16:creationId xmlns:a16="http://schemas.microsoft.com/office/drawing/2014/main" id="{DF7B854E-098E-BD41-DD2D-150392D2383C}"/>
-              </a:ext>
-            </a:extLst>
-          </p:cNvPr>
-          <p:cNvSpPr txBox="1"/>
-          <p:nvPr/>
-        </p:nvSpPr>
-        <p:spPr>
-          <a:xfrm>
-            <a:off x="5564725" y="1631530"/>
-            <a:ext cx="2440925" cy="369332"/>
-          </a:xfrm>
-          <a:prstGeom prst="rect">
-            <a:avLst/>
-          </a:prstGeom>
-          <a:noFill/>
-          <a:ln>
-            <a:solidFill>
-              <a:schemeClr val="tx1"/>
-            </a:solidFill>
-          </a:ln>
-        </p:spPr>
-        <p:txBody>
-          <a:bodyPr wrap="none" rtlCol="0">
-            <a:spAutoFit/>
-          </a:bodyPr>
-          <a:lstStyle/>
-          <a:p>
-            <a:r>
-              <a:rPr lang="en-US" dirty="0"/>
-              <a:t>Version control with git</a:t>
-            </a:r>
-            <a:endParaRPr lang="LID4096" dirty="0"/>
-          </a:p>
-        </p:txBody>
-      </p:sp>
-      <p:sp>
-        <p:nvSpPr>
-          <p:cNvPr id="3" name="TextBox 2">
-            <a:extLst>
-              <a:ext uri="{FF2B5EF4-FFF2-40B4-BE49-F238E27FC236}">
-                <a16:creationId xmlns:a16="http://schemas.microsoft.com/office/drawing/2014/main" id="{F401DEE2-034F-FAD9-452D-987C4D5CA193}"/>
-              </a:ext>
-            </a:extLst>
-          </p:cNvPr>
-          <p:cNvSpPr txBox="1"/>
-          <p:nvPr/>
-        </p:nvSpPr>
-        <p:spPr>
-          <a:xfrm>
-            <a:off x="6096000" y="4488280"/>
-            <a:ext cx="2012089" cy="369332"/>
-          </a:xfrm>
-          <a:prstGeom prst="rect">
-            <a:avLst/>
-          </a:prstGeom>
-          <a:noFill/>
-          <a:ln>
-            <a:solidFill>
-              <a:schemeClr val="tx1"/>
-            </a:solidFill>
-          </a:ln>
-        </p:spPr>
-        <p:txBody>
-          <a:bodyPr wrap="none" rtlCol="0">
-            <a:spAutoFit/>
-          </a:bodyPr>
-          <a:lstStyle/>
-          <a:p>
-            <a:r>
-              <a:rPr lang="en-US" dirty="0"/>
-              <a:t>Code optimization</a:t>
-            </a:r>
-            <a:endParaRPr lang="LID4096" dirty="0"/>
-          </a:p>
-        </p:txBody>
-      </p:sp>
-      <p:sp>
-        <p:nvSpPr>
-          <p:cNvPr id="4" name="TextBox 3">
-            <a:extLst>
-              <a:ext uri="{FF2B5EF4-FFF2-40B4-BE49-F238E27FC236}">
-                <a16:creationId xmlns:a16="http://schemas.microsoft.com/office/drawing/2014/main" id="{D4EC9AA3-58A9-F995-2FBB-8A6E653BE81E}"/>
-              </a:ext>
-            </a:extLst>
-          </p:cNvPr>
-          <p:cNvSpPr txBox="1"/>
-          <p:nvPr/>
-        </p:nvSpPr>
-        <p:spPr>
-          <a:xfrm>
-            <a:off x="838200" y="4488280"/>
-            <a:ext cx="3809889" cy="369332"/>
-          </a:xfrm>
-          <a:prstGeom prst="rect">
-            <a:avLst/>
-          </a:prstGeom>
-          <a:noFill/>
-          <a:ln>
-            <a:solidFill>
-              <a:schemeClr val="tx1"/>
-            </a:solidFill>
-          </a:ln>
-        </p:spPr>
-        <p:txBody>
-          <a:bodyPr wrap="none" rtlCol="0">
-            <a:spAutoFit/>
-          </a:bodyPr>
-          <a:lstStyle/>
-          <a:p>
-            <a:r>
-              <a:rPr lang="en-US" dirty="0"/>
-              <a:t>Defensive programming &amp; debugging</a:t>
-            </a:r>
-            <a:endParaRPr lang="LID4096" dirty="0"/>
-          </a:p>
-        </p:txBody>
-      </p:sp>
-      <p:cxnSp>
-        <p:nvCxnSpPr>
-          <p:cNvPr id="5" name="Straight Arrow Connector 4">
-            <a:extLst>
-              <a:ext uri="{FF2B5EF4-FFF2-40B4-BE49-F238E27FC236}">
-                <a16:creationId xmlns:a16="http://schemas.microsoft.com/office/drawing/2014/main" id="{CFEDE714-CE2E-E899-2291-77750FA58044}"/>
-              </a:ext>
-            </a:extLst>
-          </p:cNvPr>
-          <p:cNvCxnSpPr>
-            <a:cxnSpLocks/>
-          </p:cNvCxnSpPr>
-          <p:nvPr/>
-        </p:nvCxnSpPr>
-        <p:spPr>
-          <a:xfrm>
-            <a:off x="4648089" y="4672946"/>
-            <a:ext cx="1447911" cy="0"/>
-          </a:xfrm>
-          <a:prstGeom prst="straightConnector1">
-            <a:avLst/>
-          </a:prstGeom>
-          <a:ln>
-            <a:solidFill>
-              <a:schemeClr val="tx1"/>
-            </a:solidFill>
-            <a:tailEnd type="triangle"/>
-          </a:ln>
-        </p:spPr>
-        <p:style>
-          <a:lnRef idx="2">
-            <a:schemeClr val="accent1"/>
-          </a:lnRef>
-          <a:fillRef idx="0">
-            <a:schemeClr val="accent1"/>
-          </a:fillRef>
-          <a:effectRef idx="1">
-            <a:schemeClr val="accent1"/>
-          </a:effectRef>
-          <a:fontRef idx="minor">
-            <a:schemeClr val="tx1"/>
-          </a:fontRef>
-        </p:style>
-      </p:cxnSp>
-      <p:sp>
-        <p:nvSpPr>
-          <p:cNvPr id="6" name="TextBox 5">
-            <a:extLst>
-              <a:ext uri="{FF2B5EF4-FFF2-40B4-BE49-F238E27FC236}">
-                <a16:creationId xmlns:a16="http://schemas.microsoft.com/office/drawing/2014/main" id="{74CB7A22-73DC-5DD5-2C91-B40A0CF15094}"/>
-              </a:ext>
-            </a:extLst>
-          </p:cNvPr>
-          <p:cNvSpPr txBox="1"/>
-          <p:nvPr/>
-        </p:nvSpPr>
-        <p:spPr>
-          <a:xfrm>
-            <a:off x="1507398" y="3429991"/>
-            <a:ext cx="1509324" cy="369332"/>
-          </a:xfrm>
-          <a:prstGeom prst="rect">
-            <a:avLst/>
-          </a:prstGeom>
-          <a:noFill/>
-          <a:ln>
-            <a:solidFill>
-              <a:schemeClr val="tx1"/>
-            </a:solidFill>
-          </a:ln>
-        </p:spPr>
-        <p:txBody>
-          <a:bodyPr wrap="none" rtlCol="0">
-            <a:spAutoFit/>
-          </a:bodyPr>
-          <a:lstStyle/>
-          <a:p>
-            <a:r>
-              <a:rPr lang="en-US" dirty="0"/>
-              <a:t>Programming</a:t>
-            </a:r>
-            <a:endParaRPr lang="LID4096" dirty="0"/>
-          </a:p>
-        </p:txBody>
-      </p:sp>
-      <p:cxnSp>
-        <p:nvCxnSpPr>
-          <p:cNvPr id="9" name="Straight Arrow Connector 8">
-            <a:extLst>
-              <a:ext uri="{FF2B5EF4-FFF2-40B4-BE49-F238E27FC236}">
-                <a16:creationId xmlns:a16="http://schemas.microsoft.com/office/drawing/2014/main" id="{12278C8A-970B-FE0A-D686-E9037CF3501E}"/>
-              </a:ext>
-            </a:extLst>
-          </p:cNvPr>
-          <p:cNvCxnSpPr>
-            <a:cxnSpLocks/>
-            <a:stCxn id="11" idx="3"/>
-            <a:endCxn id="12" idx="1"/>
-          </p:cNvCxnSpPr>
-          <p:nvPr/>
-        </p:nvCxnSpPr>
-        <p:spPr>
-          <a:xfrm>
-            <a:off x="4648233" y="1811115"/>
-            <a:ext cx="916492" cy="5081"/>
-          </a:xfrm>
-          <a:prstGeom prst="straightConnector1">
-            <a:avLst/>
-          </a:prstGeom>
-          <a:ln>
-            <a:solidFill>
-              <a:schemeClr val="tx1"/>
-            </a:solidFill>
-            <a:tailEnd type="triangle"/>
-          </a:ln>
-        </p:spPr>
-        <p:style>
-          <a:lnRef idx="2">
-            <a:schemeClr val="accent1"/>
-          </a:lnRef>
-          <a:fillRef idx="0">
-            <a:schemeClr val="accent1"/>
-          </a:fillRef>
-          <a:effectRef idx="1">
-            <a:schemeClr val="accent1"/>
-          </a:effectRef>
-          <a:fontRef idx="minor">
-            <a:schemeClr val="tx1"/>
-          </a:fontRef>
-        </p:style>
-      </p:cxnSp>
-      <p:cxnSp>
-        <p:nvCxnSpPr>
-          <p:cNvPr id="14" name="Straight Arrow Connector 13">
-            <a:extLst>
-              <a:ext uri="{FF2B5EF4-FFF2-40B4-BE49-F238E27FC236}">
-                <a16:creationId xmlns:a16="http://schemas.microsoft.com/office/drawing/2014/main" id="{FBFE0EAE-EB7F-A7AB-ED76-4F66B86B5AFA}"/>
-              </a:ext>
-            </a:extLst>
-          </p:cNvPr>
-          <p:cNvCxnSpPr>
-            <a:cxnSpLocks/>
-            <a:stCxn id="11" idx="2"/>
-            <a:endCxn id="6" idx="0"/>
-          </p:cNvCxnSpPr>
-          <p:nvPr/>
-        </p:nvCxnSpPr>
-        <p:spPr>
-          <a:xfrm flipH="1">
-            <a:off x="2262060" y="1995781"/>
-            <a:ext cx="384631" cy="1434210"/>
-          </a:xfrm>
-          <a:prstGeom prst="straightConnector1">
-            <a:avLst/>
-          </a:prstGeom>
-          <a:ln>
-            <a:solidFill>
-              <a:schemeClr val="tx1"/>
-            </a:solidFill>
-            <a:tailEnd type="triangle"/>
-          </a:ln>
-        </p:spPr>
-        <p:style>
-          <a:lnRef idx="2">
-            <a:schemeClr val="accent1"/>
-          </a:lnRef>
-          <a:fillRef idx="0">
-            <a:schemeClr val="accent1"/>
-          </a:fillRef>
-          <a:effectRef idx="1">
-            <a:schemeClr val="accent1"/>
-          </a:effectRef>
-          <a:fontRef idx="minor">
-            <a:schemeClr val="tx1"/>
-          </a:fontRef>
-        </p:style>
-      </p:cxnSp>
-      <p:cxnSp>
-        <p:nvCxnSpPr>
-          <p:cNvPr id="19" name="Straight Arrow Connector 18">
-            <a:extLst>
-              <a:ext uri="{FF2B5EF4-FFF2-40B4-BE49-F238E27FC236}">
-                <a16:creationId xmlns:a16="http://schemas.microsoft.com/office/drawing/2014/main" id="{3B242C09-0AE7-B8A4-A448-1A5B132335EC}"/>
-              </a:ext>
-            </a:extLst>
-          </p:cNvPr>
-          <p:cNvCxnSpPr>
-            <a:cxnSpLocks/>
-            <a:stCxn id="6" idx="2"/>
-            <a:endCxn id="4" idx="0"/>
-          </p:cNvCxnSpPr>
-          <p:nvPr/>
-        </p:nvCxnSpPr>
-        <p:spPr>
-          <a:xfrm>
-            <a:off x="2262060" y="3799323"/>
-            <a:ext cx="481085" cy="688957"/>
-          </a:xfrm>
-          <a:prstGeom prst="straightConnector1">
-            <a:avLst/>
-          </a:prstGeom>
-          <a:ln>
-            <a:solidFill>
-              <a:schemeClr val="tx1"/>
-            </a:solidFill>
-            <a:tailEnd type="triangle"/>
-          </a:ln>
-        </p:spPr>
-        <p:style>
-          <a:lnRef idx="2">
-            <a:schemeClr val="accent1"/>
-          </a:lnRef>
-          <a:fillRef idx="0">
-            <a:schemeClr val="accent1"/>
-          </a:fillRef>
-          <a:effectRef idx="1">
-            <a:schemeClr val="accent1"/>
-          </a:effectRef>
-          <a:fontRef idx="minor">
-            <a:schemeClr val="tx1"/>
-          </a:fontRef>
-        </p:style>
-      </p:cxnSp>
-      <p:cxnSp>
-        <p:nvCxnSpPr>
-          <p:cNvPr id="22" name="Straight Arrow Connector 21">
-            <a:extLst>
-              <a:ext uri="{FF2B5EF4-FFF2-40B4-BE49-F238E27FC236}">
-                <a16:creationId xmlns:a16="http://schemas.microsoft.com/office/drawing/2014/main" id="{F272BCFD-FFD4-59E4-18AB-1793A38EE709}"/>
-              </a:ext>
-            </a:extLst>
-          </p:cNvPr>
-          <p:cNvCxnSpPr>
-            <a:cxnSpLocks/>
-            <a:stCxn id="6" idx="2"/>
-            <a:endCxn id="3" idx="0"/>
-          </p:cNvCxnSpPr>
-          <p:nvPr/>
-        </p:nvCxnSpPr>
-        <p:spPr>
-          <a:xfrm>
-            <a:off x="2262060" y="3799323"/>
-            <a:ext cx="4839985" cy="688957"/>
-          </a:xfrm>
-          <a:prstGeom prst="straightConnector1">
-            <a:avLst/>
-          </a:prstGeom>
-          <a:ln>
-            <a:solidFill>
-              <a:schemeClr val="tx1"/>
-            </a:solidFill>
-            <a:tailEnd type="triangle"/>
-          </a:ln>
-        </p:spPr>
-        <p:style>
-          <a:lnRef idx="2">
-            <a:schemeClr val="accent1"/>
-          </a:lnRef>
-          <a:fillRef idx="0">
-            <a:schemeClr val="accent1"/>
-          </a:fillRef>
-          <a:effectRef idx="1">
-            <a:schemeClr val="accent1"/>
-          </a:effectRef>
-          <a:fontRef idx="minor">
-            <a:schemeClr val="tx1"/>
-          </a:fontRef>
-        </p:style>
-      </p:cxnSp>
-      <p:sp>
-        <p:nvSpPr>
-          <p:cNvPr id="25" name="TextBox 24">
-            <a:extLst>
-              <a:ext uri="{FF2B5EF4-FFF2-40B4-BE49-F238E27FC236}">
-                <a16:creationId xmlns:a16="http://schemas.microsoft.com/office/drawing/2014/main" id="{FAA6C46F-C456-6FE3-4535-661FCFADD94C}"/>
-              </a:ext>
-            </a:extLst>
-          </p:cNvPr>
-          <p:cNvSpPr txBox="1"/>
-          <p:nvPr/>
-        </p:nvSpPr>
-        <p:spPr>
-          <a:xfrm>
-            <a:off x="5150657" y="2266237"/>
-            <a:ext cx="2089098" cy="369332"/>
-          </a:xfrm>
-          <a:prstGeom prst="rect">
-            <a:avLst/>
-          </a:prstGeom>
-          <a:noFill/>
-          <a:ln>
-            <a:solidFill>
-              <a:schemeClr val="tx1"/>
-            </a:solidFill>
-          </a:ln>
-        </p:spPr>
-        <p:txBody>
-          <a:bodyPr wrap="none" rtlCol="0">
-            <a:spAutoFit/>
-          </a:bodyPr>
-          <a:lstStyle/>
-          <a:p>
-            <a:r>
-              <a:rPr lang="en-US" dirty="0"/>
-              <a:t>Containers on HPC</a:t>
-            </a:r>
-            <a:endParaRPr lang="LID4096" dirty="0"/>
-          </a:p>
-        </p:txBody>
-      </p:sp>
-      <p:sp>
-        <p:nvSpPr>
-          <p:cNvPr id="26" name="TextBox 25">
-            <a:extLst>
-              <a:ext uri="{FF2B5EF4-FFF2-40B4-BE49-F238E27FC236}">
-                <a16:creationId xmlns:a16="http://schemas.microsoft.com/office/drawing/2014/main" id="{D95F7FA4-AA56-5F2B-794D-0240E17E9178}"/>
-              </a:ext>
-            </a:extLst>
-          </p:cNvPr>
-          <p:cNvSpPr txBox="1"/>
-          <p:nvPr/>
-        </p:nvSpPr>
-        <p:spPr>
-          <a:xfrm>
-            <a:off x="4422058" y="5681528"/>
-            <a:ext cx="2296847" cy="369332"/>
-          </a:xfrm>
-          <a:prstGeom prst="rect">
-            <a:avLst/>
-          </a:prstGeom>
-          <a:noFill/>
-          <a:ln>
-            <a:solidFill>
-              <a:schemeClr val="tx1"/>
-            </a:solidFill>
-          </a:ln>
-        </p:spPr>
-        <p:txBody>
-          <a:bodyPr wrap="none" rtlCol="0">
-            <a:spAutoFit/>
-          </a:bodyPr>
-          <a:lstStyle/>
-          <a:p>
-            <a:r>
-              <a:rPr lang="en-US" dirty="0"/>
-              <a:t>Parallel programming</a:t>
-            </a:r>
-            <a:endParaRPr lang="LID4096" dirty="0"/>
-          </a:p>
-        </p:txBody>
-      </p:sp>
-      <p:sp>
-        <p:nvSpPr>
-          <p:cNvPr id="27" name="TextBox 26">
-            <a:extLst>
-              <a:ext uri="{FF2B5EF4-FFF2-40B4-BE49-F238E27FC236}">
-                <a16:creationId xmlns:a16="http://schemas.microsoft.com/office/drawing/2014/main" id="{34B30EA6-6DCF-5794-F7C9-7B11F6F00D4C}"/>
-              </a:ext>
-            </a:extLst>
-          </p:cNvPr>
-          <p:cNvSpPr txBox="1"/>
-          <p:nvPr/>
-        </p:nvSpPr>
-        <p:spPr>
-          <a:xfrm>
-            <a:off x="8005650" y="5676447"/>
-            <a:ext cx="2008499" cy="369332"/>
-          </a:xfrm>
-          <a:prstGeom prst="rect">
-            <a:avLst/>
-          </a:prstGeom>
-          <a:noFill/>
-          <a:ln>
-            <a:solidFill>
-              <a:schemeClr val="tx1"/>
-            </a:solidFill>
-          </a:ln>
-        </p:spPr>
-        <p:txBody>
-          <a:bodyPr wrap="none" rtlCol="0">
-            <a:spAutoFit/>
-          </a:bodyPr>
-          <a:lstStyle/>
-          <a:p>
-            <a:r>
-              <a:rPr lang="en-US" dirty="0"/>
-              <a:t>GPU programming</a:t>
-            </a:r>
-            <a:endParaRPr lang="LID4096" dirty="0"/>
-          </a:p>
-        </p:txBody>
-      </p:sp>
-      <p:cxnSp>
-        <p:nvCxnSpPr>
-          <p:cNvPr id="28" name="Straight Arrow Connector 27">
-            <a:extLst>
-              <a:ext uri="{FF2B5EF4-FFF2-40B4-BE49-F238E27FC236}">
-                <a16:creationId xmlns:a16="http://schemas.microsoft.com/office/drawing/2014/main" id="{245CD48B-204F-B49F-C764-CC9BC864AB69}"/>
-              </a:ext>
-            </a:extLst>
-          </p:cNvPr>
-          <p:cNvCxnSpPr>
-            <a:cxnSpLocks/>
-            <a:stCxn id="3" idx="2"/>
-            <a:endCxn id="26" idx="0"/>
-          </p:cNvCxnSpPr>
-          <p:nvPr/>
-        </p:nvCxnSpPr>
-        <p:spPr>
-          <a:xfrm flipH="1">
-            <a:off x="5570482" y="4857612"/>
-            <a:ext cx="1531563" cy="823916"/>
-          </a:xfrm>
-          <a:prstGeom prst="straightConnector1">
-            <a:avLst/>
-          </a:prstGeom>
-          <a:ln>
-            <a:solidFill>
-              <a:schemeClr val="tx1"/>
-            </a:solidFill>
-            <a:tailEnd type="triangle"/>
-          </a:ln>
-        </p:spPr>
-        <p:style>
-          <a:lnRef idx="2">
-            <a:schemeClr val="accent1"/>
-          </a:lnRef>
-          <a:fillRef idx="0">
-            <a:schemeClr val="accent1"/>
-          </a:fillRef>
-          <a:effectRef idx="1">
-            <a:schemeClr val="accent1"/>
-          </a:effectRef>
-          <a:fontRef idx="minor">
-            <a:schemeClr val="tx1"/>
-          </a:fontRef>
-        </p:style>
-      </p:cxnSp>
-      <p:cxnSp>
-        <p:nvCxnSpPr>
-          <p:cNvPr id="31" name="Straight Arrow Connector 30">
-            <a:extLst>
-              <a:ext uri="{FF2B5EF4-FFF2-40B4-BE49-F238E27FC236}">
-                <a16:creationId xmlns:a16="http://schemas.microsoft.com/office/drawing/2014/main" id="{4F0666AB-6663-DB06-DD82-53CD33547C4B}"/>
-              </a:ext>
-            </a:extLst>
-          </p:cNvPr>
-          <p:cNvCxnSpPr>
-            <a:cxnSpLocks/>
-            <a:stCxn id="3" idx="2"/>
-            <a:endCxn id="27" idx="0"/>
-          </p:cNvCxnSpPr>
-          <p:nvPr/>
-        </p:nvCxnSpPr>
-        <p:spPr>
-          <a:xfrm>
-            <a:off x="7102045" y="4857612"/>
-            <a:ext cx="1907855" cy="818835"/>
-          </a:xfrm>
-          <a:prstGeom prst="straightConnector1">
-            <a:avLst/>
-          </a:prstGeom>
-          <a:ln>
-            <a:solidFill>
-              <a:schemeClr val="tx1"/>
-            </a:solidFill>
-            <a:tailEnd type="triangle"/>
-          </a:ln>
-        </p:spPr>
-        <p:style>
-          <a:lnRef idx="2">
-            <a:schemeClr val="accent1"/>
-          </a:lnRef>
-          <a:fillRef idx="0">
-            <a:schemeClr val="accent1"/>
-          </a:fillRef>
-          <a:effectRef idx="1">
-            <a:schemeClr val="accent1"/>
-          </a:effectRef>
-          <a:fontRef idx="minor">
-            <a:schemeClr val="tx1"/>
-          </a:fontRef>
-        </p:style>
-      </p:cxnSp>
-      <p:cxnSp>
-        <p:nvCxnSpPr>
-          <p:cNvPr id="36" name="Straight Arrow Connector 35">
-            <a:extLst>
-              <a:ext uri="{FF2B5EF4-FFF2-40B4-BE49-F238E27FC236}">
-                <a16:creationId xmlns:a16="http://schemas.microsoft.com/office/drawing/2014/main" id="{480435A9-26E4-ABA7-F67A-2834CAB646C3}"/>
-              </a:ext>
-            </a:extLst>
-          </p:cNvPr>
-          <p:cNvCxnSpPr>
-            <a:cxnSpLocks/>
-            <a:stCxn id="11" idx="3"/>
-            <a:endCxn id="25" idx="1"/>
-          </p:cNvCxnSpPr>
-          <p:nvPr/>
-        </p:nvCxnSpPr>
-        <p:spPr>
-          <a:xfrm>
-            <a:off x="4648233" y="1811115"/>
-            <a:ext cx="502424" cy="639788"/>
-          </a:xfrm>
-          <a:prstGeom prst="straightConnector1">
-            <a:avLst/>
-          </a:prstGeom>
-          <a:ln>
-            <a:solidFill>
-              <a:schemeClr val="tx1"/>
-            </a:solidFill>
-            <a:tailEnd type="triangle"/>
-          </a:ln>
-        </p:spPr>
-        <p:style>
-          <a:lnRef idx="2">
-            <a:schemeClr val="accent1"/>
-          </a:lnRef>
-          <a:fillRef idx="0">
-            <a:schemeClr val="accent1"/>
-          </a:fillRef>
-          <a:effectRef idx="1">
-            <a:schemeClr val="accent1"/>
-          </a:effectRef>
-          <a:fontRef idx="minor">
-            <a:schemeClr val="tx1"/>
-          </a:fontRef>
-        </p:style>
-      </p:cxnSp>
-      <p:sp>
-        <p:nvSpPr>
-          <p:cNvPr id="51" name="TextBox 50">
-            <a:extLst>
-              <a:ext uri="{FF2B5EF4-FFF2-40B4-BE49-F238E27FC236}">
-                <a16:creationId xmlns:a16="http://schemas.microsoft.com/office/drawing/2014/main" id="{EA1EB793-7E6D-FA53-6168-36FA5C87AB60}"/>
-              </a:ext>
-            </a:extLst>
-          </p:cNvPr>
-          <p:cNvSpPr txBox="1"/>
-          <p:nvPr/>
-        </p:nvSpPr>
-        <p:spPr>
-          <a:xfrm>
-            <a:off x="5106479" y="3702833"/>
-            <a:ext cx="5851640" cy="369332"/>
-          </a:xfrm>
-          <a:prstGeom prst="rect">
-            <a:avLst/>
-          </a:prstGeom>
-          <a:noFill/>
-          <a:ln>
-            <a:solidFill>
-              <a:schemeClr val="tx1"/>
-            </a:solidFill>
-          </a:ln>
-        </p:spPr>
-        <p:txBody>
-          <a:bodyPr wrap="square" rtlCol="0">
-            <a:spAutoFit/>
-          </a:bodyPr>
-          <a:lstStyle/>
-          <a:p>
-            <a:r>
-              <a:rPr lang="en-US" dirty="0"/>
-              <a:t>Generative AI in software engineering and data analysis</a:t>
-            </a:r>
-            <a:endParaRPr lang="LID4096" dirty="0"/>
-          </a:p>
-        </p:txBody>
-      </p:sp>
-      <p:cxnSp>
-        <p:nvCxnSpPr>
-          <p:cNvPr id="52" name="Straight Arrow Connector 51">
-            <a:extLst>
-              <a:ext uri="{FF2B5EF4-FFF2-40B4-BE49-F238E27FC236}">
-                <a16:creationId xmlns:a16="http://schemas.microsoft.com/office/drawing/2014/main" id="{98EA54DB-2FF2-A2A8-931D-704B3DB17E05}"/>
-              </a:ext>
-            </a:extLst>
-          </p:cNvPr>
-          <p:cNvCxnSpPr>
-            <a:cxnSpLocks/>
-            <a:stCxn id="6" idx="3"/>
-            <a:endCxn id="51" idx="1"/>
-          </p:cNvCxnSpPr>
-          <p:nvPr/>
-        </p:nvCxnSpPr>
-        <p:spPr>
-          <a:xfrm>
-            <a:off x="3016722" y="3614657"/>
-            <a:ext cx="2089757" cy="272842"/>
-          </a:xfrm>
-          <a:prstGeom prst="straightConnector1">
-            <a:avLst/>
-          </a:prstGeom>
-          <a:ln>
-            <a:solidFill>
-              <a:schemeClr val="tx1"/>
-            </a:solidFill>
-            <a:tailEnd type="triangle"/>
-          </a:ln>
-        </p:spPr>
-        <p:style>
-          <a:lnRef idx="2">
-            <a:schemeClr val="accent1"/>
-          </a:lnRef>
-          <a:fillRef idx="0">
-            <a:schemeClr val="accent1"/>
-          </a:fillRef>
-          <a:effectRef idx="1">
-            <a:schemeClr val="accent1"/>
-          </a:effectRef>
-          <a:fontRef idx="minor">
-            <a:schemeClr val="tx1"/>
-          </a:fontRef>
-        </p:style>
-      </p:cxnSp>
     </p:spTree>
     <p:extLst>
       <p:ext uri="{BB962C8B-B14F-4D97-AF65-F5344CB8AC3E}">
-        <p14:creationId xmlns:p14="http://schemas.microsoft.com/office/powerpoint/2010/main" val="880924520"/>
+        <p14:creationId xmlns:p14="http://schemas.microsoft.com/office/powerpoint/2010/main" val="2705773014"/>
       </p:ext>
     </p:extLst>
   </p:cSld>
@@ -4432,6 +4348,846 @@
           <p:cNvPr id="2" name="Title 1">
             <a:extLst>
               <a:ext uri="{FF2B5EF4-FFF2-40B4-BE49-F238E27FC236}">
+                <a16:creationId xmlns:a16="http://schemas.microsoft.com/office/drawing/2014/main" id="{0A676670-6B24-8450-C712-82DF58A867F9}"/>
+              </a:ext>
+            </a:extLst>
+          </p:cNvPr>
+          <p:cNvSpPr>
+            <a:spLocks noGrp="1"/>
+          </p:cNvSpPr>
+          <p:nvPr>
+            <p:ph type="title"/>
+          </p:nvPr>
+        </p:nvSpPr>
+        <p:spPr/>
+        <p:txBody>
+          <a:bodyPr/>
+          <a:lstStyle/>
+          <a:p>
+            <a:r>
+              <a:rPr lang="en-US" dirty="0"/>
+              <a:t>Software engineering</a:t>
+            </a:r>
+            <a:endParaRPr lang="LID4096" dirty="0"/>
+          </a:p>
+        </p:txBody>
+      </p:sp>
+      <p:sp>
+        <p:nvSpPr>
+          <p:cNvPr id="11" name="TextBox 10">
+            <a:extLst>
+              <a:ext uri="{FF2B5EF4-FFF2-40B4-BE49-F238E27FC236}">
+                <a16:creationId xmlns:a16="http://schemas.microsoft.com/office/drawing/2014/main" id="{D2321793-C003-4779-F1DD-4400D82CA8A6}"/>
+              </a:ext>
+            </a:extLst>
+          </p:cNvPr>
+          <p:cNvSpPr txBox="1"/>
+          <p:nvPr/>
+        </p:nvSpPr>
+        <p:spPr>
+          <a:xfrm>
+            <a:off x="645149" y="1626449"/>
+            <a:ext cx="4003084" cy="369332"/>
+          </a:xfrm>
+          <a:prstGeom prst="rect">
+            <a:avLst/>
+          </a:prstGeom>
+          <a:noFill/>
+          <a:ln>
+            <a:solidFill>
+              <a:schemeClr val="tx1"/>
+            </a:solidFill>
+          </a:ln>
+        </p:spPr>
+        <p:txBody>
+          <a:bodyPr wrap="none" rtlCol="0">
+            <a:spAutoFit/>
+          </a:bodyPr>
+          <a:lstStyle/>
+          <a:p>
+            <a:r>
+              <a:rPr lang="en-US" dirty="0"/>
+              <a:t>Best practices for scientific computing</a:t>
+            </a:r>
+            <a:endParaRPr lang="LID4096" dirty="0"/>
+          </a:p>
+        </p:txBody>
+      </p:sp>
+      <p:sp>
+        <p:nvSpPr>
+          <p:cNvPr id="12" name="TextBox 11">
+            <a:extLst>
+              <a:ext uri="{FF2B5EF4-FFF2-40B4-BE49-F238E27FC236}">
+                <a16:creationId xmlns:a16="http://schemas.microsoft.com/office/drawing/2014/main" id="{DF7B854E-098E-BD41-DD2D-150392D2383C}"/>
+              </a:ext>
+            </a:extLst>
+          </p:cNvPr>
+          <p:cNvSpPr txBox="1"/>
+          <p:nvPr/>
+        </p:nvSpPr>
+        <p:spPr>
+          <a:xfrm>
+            <a:off x="5564725" y="1631530"/>
+            <a:ext cx="2440925" cy="369332"/>
+          </a:xfrm>
+          <a:prstGeom prst="rect">
+            <a:avLst/>
+          </a:prstGeom>
+          <a:noFill/>
+          <a:ln>
+            <a:solidFill>
+              <a:schemeClr val="tx1"/>
+            </a:solidFill>
+          </a:ln>
+        </p:spPr>
+        <p:txBody>
+          <a:bodyPr wrap="none" rtlCol="0">
+            <a:spAutoFit/>
+          </a:bodyPr>
+          <a:lstStyle/>
+          <a:p>
+            <a:r>
+              <a:rPr lang="en-US" dirty="0"/>
+              <a:t>Version control with git</a:t>
+            </a:r>
+            <a:endParaRPr lang="LID4096" dirty="0"/>
+          </a:p>
+        </p:txBody>
+      </p:sp>
+      <p:sp>
+        <p:nvSpPr>
+          <p:cNvPr id="3" name="TextBox 2">
+            <a:extLst>
+              <a:ext uri="{FF2B5EF4-FFF2-40B4-BE49-F238E27FC236}">
+                <a16:creationId xmlns:a16="http://schemas.microsoft.com/office/drawing/2014/main" id="{F401DEE2-034F-FAD9-452D-987C4D5CA193}"/>
+              </a:ext>
+            </a:extLst>
+          </p:cNvPr>
+          <p:cNvSpPr txBox="1"/>
+          <p:nvPr/>
+        </p:nvSpPr>
+        <p:spPr>
+          <a:xfrm>
+            <a:off x="6096000" y="4488280"/>
+            <a:ext cx="2012089" cy="369332"/>
+          </a:xfrm>
+          <a:prstGeom prst="rect">
+            <a:avLst/>
+          </a:prstGeom>
+          <a:noFill/>
+          <a:ln>
+            <a:solidFill>
+              <a:schemeClr val="tx1"/>
+            </a:solidFill>
+          </a:ln>
+        </p:spPr>
+        <p:txBody>
+          <a:bodyPr wrap="none" rtlCol="0">
+            <a:spAutoFit/>
+          </a:bodyPr>
+          <a:lstStyle/>
+          <a:p>
+            <a:r>
+              <a:rPr lang="en-US" dirty="0"/>
+              <a:t>Code optimization</a:t>
+            </a:r>
+            <a:endParaRPr lang="LID4096" dirty="0"/>
+          </a:p>
+        </p:txBody>
+      </p:sp>
+      <p:sp>
+        <p:nvSpPr>
+          <p:cNvPr id="4" name="TextBox 3">
+            <a:extLst>
+              <a:ext uri="{FF2B5EF4-FFF2-40B4-BE49-F238E27FC236}">
+                <a16:creationId xmlns:a16="http://schemas.microsoft.com/office/drawing/2014/main" id="{D4EC9AA3-58A9-F995-2FBB-8A6E653BE81E}"/>
+              </a:ext>
+            </a:extLst>
+          </p:cNvPr>
+          <p:cNvSpPr txBox="1"/>
+          <p:nvPr/>
+        </p:nvSpPr>
+        <p:spPr>
+          <a:xfrm>
+            <a:off x="838200" y="4488280"/>
+            <a:ext cx="3809889" cy="369332"/>
+          </a:xfrm>
+          <a:prstGeom prst="rect">
+            <a:avLst/>
+          </a:prstGeom>
+          <a:noFill/>
+          <a:ln>
+            <a:solidFill>
+              <a:schemeClr val="tx1"/>
+            </a:solidFill>
+          </a:ln>
+        </p:spPr>
+        <p:txBody>
+          <a:bodyPr wrap="none" rtlCol="0">
+            <a:spAutoFit/>
+          </a:bodyPr>
+          <a:lstStyle/>
+          <a:p>
+            <a:r>
+              <a:rPr lang="en-US" dirty="0"/>
+              <a:t>Defensive programming &amp; debugging</a:t>
+            </a:r>
+            <a:endParaRPr lang="LID4096" dirty="0"/>
+          </a:p>
+        </p:txBody>
+      </p:sp>
+      <p:cxnSp>
+        <p:nvCxnSpPr>
+          <p:cNvPr id="5" name="Straight Arrow Connector 4">
+            <a:extLst>
+              <a:ext uri="{FF2B5EF4-FFF2-40B4-BE49-F238E27FC236}">
+                <a16:creationId xmlns:a16="http://schemas.microsoft.com/office/drawing/2014/main" id="{CFEDE714-CE2E-E899-2291-77750FA58044}"/>
+              </a:ext>
+            </a:extLst>
+          </p:cNvPr>
+          <p:cNvCxnSpPr>
+            <a:cxnSpLocks/>
+          </p:cNvCxnSpPr>
+          <p:nvPr/>
+        </p:nvCxnSpPr>
+        <p:spPr>
+          <a:xfrm>
+            <a:off x="4648089" y="4672946"/>
+            <a:ext cx="1447911" cy="0"/>
+          </a:xfrm>
+          <a:prstGeom prst="straightConnector1">
+            <a:avLst/>
+          </a:prstGeom>
+          <a:ln>
+            <a:solidFill>
+              <a:schemeClr val="tx1"/>
+            </a:solidFill>
+            <a:tailEnd type="triangle"/>
+          </a:ln>
+        </p:spPr>
+        <p:style>
+          <a:lnRef idx="2">
+            <a:schemeClr val="accent1"/>
+          </a:lnRef>
+          <a:fillRef idx="0">
+            <a:schemeClr val="accent1"/>
+          </a:fillRef>
+          <a:effectRef idx="1">
+            <a:schemeClr val="accent1"/>
+          </a:effectRef>
+          <a:fontRef idx="minor">
+            <a:schemeClr val="tx1"/>
+          </a:fontRef>
+        </p:style>
+      </p:cxnSp>
+      <p:sp>
+        <p:nvSpPr>
+          <p:cNvPr id="6" name="TextBox 5">
+            <a:extLst>
+              <a:ext uri="{FF2B5EF4-FFF2-40B4-BE49-F238E27FC236}">
+                <a16:creationId xmlns:a16="http://schemas.microsoft.com/office/drawing/2014/main" id="{74CB7A22-73DC-5DD5-2C91-B40A0CF15094}"/>
+              </a:ext>
+            </a:extLst>
+          </p:cNvPr>
+          <p:cNvSpPr txBox="1"/>
+          <p:nvPr/>
+        </p:nvSpPr>
+        <p:spPr>
+          <a:xfrm>
+            <a:off x="1507398" y="3429991"/>
+            <a:ext cx="1509324" cy="369332"/>
+          </a:xfrm>
+          <a:prstGeom prst="rect">
+            <a:avLst/>
+          </a:prstGeom>
+          <a:noFill/>
+          <a:ln>
+            <a:solidFill>
+              <a:schemeClr val="tx1"/>
+            </a:solidFill>
+          </a:ln>
+        </p:spPr>
+        <p:txBody>
+          <a:bodyPr wrap="none" rtlCol="0">
+            <a:spAutoFit/>
+          </a:bodyPr>
+          <a:lstStyle/>
+          <a:p>
+            <a:r>
+              <a:rPr lang="en-US" dirty="0"/>
+              <a:t>Programming</a:t>
+            </a:r>
+            <a:endParaRPr lang="LID4096" dirty="0"/>
+          </a:p>
+        </p:txBody>
+      </p:sp>
+      <p:cxnSp>
+        <p:nvCxnSpPr>
+          <p:cNvPr id="9" name="Straight Arrow Connector 8">
+            <a:extLst>
+              <a:ext uri="{FF2B5EF4-FFF2-40B4-BE49-F238E27FC236}">
+                <a16:creationId xmlns:a16="http://schemas.microsoft.com/office/drawing/2014/main" id="{12278C8A-970B-FE0A-D686-E9037CF3501E}"/>
+              </a:ext>
+            </a:extLst>
+          </p:cNvPr>
+          <p:cNvCxnSpPr>
+            <a:cxnSpLocks/>
+            <a:stCxn id="11" idx="3"/>
+            <a:endCxn id="12" idx="1"/>
+          </p:cNvCxnSpPr>
+          <p:nvPr/>
+        </p:nvCxnSpPr>
+        <p:spPr>
+          <a:xfrm>
+            <a:off x="4648233" y="1811115"/>
+            <a:ext cx="916492" cy="5081"/>
+          </a:xfrm>
+          <a:prstGeom prst="straightConnector1">
+            <a:avLst/>
+          </a:prstGeom>
+          <a:ln>
+            <a:solidFill>
+              <a:schemeClr val="tx1"/>
+            </a:solidFill>
+            <a:tailEnd type="triangle"/>
+          </a:ln>
+        </p:spPr>
+        <p:style>
+          <a:lnRef idx="2">
+            <a:schemeClr val="accent1"/>
+          </a:lnRef>
+          <a:fillRef idx="0">
+            <a:schemeClr val="accent1"/>
+          </a:fillRef>
+          <a:effectRef idx="1">
+            <a:schemeClr val="accent1"/>
+          </a:effectRef>
+          <a:fontRef idx="minor">
+            <a:schemeClr val="tx1"/>
+          </a:fontRef>
+        </p:style>
+      </p:cxnSp>
+      <p:cxnSp>
+        <p:nvCxnSpPr>
+          <p:cNvPr id="14" name="Straight Arrow Connector 13">
+            <a:extLst>
+              <a:ext uri="{FF2B5EF4-FFF2-40B4-BE49-F238E27FC236}">
+                <a16:creationId xmlns:a16="http://schemas.microsoft.com/office/drawing/2014/main" id="{FBFE0EAE-EB7F-A7AB-ED76-4F66B86B5AFA}"/>
+              </a:ext>
+            </a:extLst>
+          </p:cNvPr>
+          <p:cNvCxnSpPr>
+            <a:cxnSpLocks/>
+            <a:stCxn id="11" idx="2"/>
+            <a:endCxn id="6" idx="0"/>
+          </p:cNvCxnSpPr>
+          <p:nvPr/>
+        </p:nvCxnSpPr>
+        <p:spPr>
+          <a:xfrm flipH="1">
+            <a:off x="2262060" y="1995781"/>
+            <a:ext cx="384631" cy="1434210"/>
+          </a:xfrm>
+          <a:prstGeom prst="straightConnector1">
+            <a:avLst/>
+          </a:prstGeom>
+          <a:ln>
+            <a:solidFill>
+              <a:schemeClr val="tx1"/>
+            </a:solidFill>
+            <a:tailEnd type="triangle"/>
+          </a:ln>
+        </p:spPr>
+        <p:style>
+          <a:lnRef idx="2">
+            <a:schemeClr val="accent1"/>
+          </a:lnRef>
+          <a:fillRef idx="0">
+            <a:schemeClr val="accent1"/>
+          </a:fillRef>
+          <a:effectRef idx="1">
+            <a:schemeClr val="accent1"/>
+          </a:effectRef>
+          <a:fontRef idx="minor">
+            <a:schemeClr val="tx1"/>
+          </a:fontRef>
+        </p:style>
+      </p:cxnSp>
+      <p:cxnSp>
+        <p:nvCxnSpPr>
+          <p:cNvPr id="19" name="Straight Arrow Connector 18">
+            <a:extLst>
+              <a:ext uri="{FF2B5EF4-FFF2-40B4-BE49-F238E27FC236}">
+                <a16:creationId xmlns:a16="http://schemas.microsoft.com/office/drawing/2014/main" id="{3B242C09-0AE7-B8A4-A448-1A5B132335EC}"/>
+              </a:ext>
+            </a:extLst>
+          </p:cNvPr>
+          <p:cNvCxnSpPr>
+            <a:cxnSpLocks/>
+            <a:stCxn id="6" idx="2"/>
+            <a:endCxn id="4" idx="0"/>
+          </p:cNvCxnSpPr>
+          <p:nvPr/>
+        </p:nvCxnSpPr>
+        <p:spPr>
+          <a:xfrm>
+            <a:off x="2262060" y="3799323"/>
+            <a:ext cx="481085" cy="688957"/>
+          </a:xfrm>
+          <a:prstGeom prst="straightConnector1">
+            <a:avLst/>
+          </a:prstGeom>
+          <a:ln>
+            <a:solidFill>
+              <a:schemeClr val="tx1"/>
+            </a:solidFill>
+            <a:tailEnd type="triangle"/>
+          </a:ln>
+        </p:spPr>
+        <p:style>
+          <a:lnRef idx="2">
+            <a:schemeClr val="accent1"/>
+          </a:lnRef>
+          <a:fillRef idx="0">
+            <a:schemeClr val="accent1"/>
+          </a:fillRef>
+          <a:effectRef idx="1">
+            <a:schemeClr val="accent1"/>
+          </a:effectRef>
+          <a:fontRef idx="minor">
+            <a:schemeClr val="tx1"/>
+          </a:fontRef>
+        </p:style>
+      </p:cxnSp>
+      <p:cxnSp>
+        <p:nvCxnSpPr>
+          <p:cNvPr id="22" name="Straight Arrow Connector 21">
+            <a:extLst>
+              <a:ext uri="{FF2B5EF4-FFF2-40B4-BE49-F238E27FC236}">
+                <a16:creationId xmlns:a16="http://schemas.microsoft.com/office/drawing/2014/main" id="{F272BCFD-FFD4-59E4-18AB-1793A38EE709}"/>
+              </a:ext>
+            </a:extLst>
+          </p:cNvPr>
+          <p:cNvCxnSpPr>
+            <a:cxnSpLocks/>
+            <a:stCxn id="6" idx="2"/>
+            <a:endCxn id="3" idx="0"/>
+          </p:cNvCxnSpPr>
+          <p:nvPr/>
+        </p:nvCxnSpPr>
+        <p:spPr>
+          <a:xfrm>
+            <a:off x="2262060" y="3799323"/>
+            <a:ext cx="4839985" cy="688957"/>
+          </a:xfrm>
+          <a:prstGeom prst="straightConnector1">
+            <a:avLst/>
+          </a:prstGeom>
+          <a:ln>
+            <a:solidFill>
+              <a:schemeClr val="tx1"/>
+            </a:solidFill>
+            <a:tailEnd type="triangle"/>
+          </a:ln>
+        </p:spPr>
+        <p:style>
+          <a:lnRef idx="2">
+            <a:schemeClr val="accent1"/>
+          </a:lnRef>
+          <a:fillRef idx="0">
+            <a:schemeClr val="accent1"/>
+          </a:fillRef>
+          <a:effectRef idx="1">
+            <a:schemeClr val="accent1"/>
+          </a:effectRef>
+          <a:fontRef idx="minor">
+            <a:schemeClr val="tx1"/>
+          </a:fontRef>
+        </p:style>
+      </p:cxnSp>
+      <p:sp>
+        <p:nvSpPr>
+          <p:cNvPr id="25" name="TextBox 24">
+            <a:extLst>
+              <a:ext uri="{FF2B5EF4-FFF2-40B4-BE49-F238E27FC236}">
+                <a16:creationId xmlns:a16="http://schemas.microsoft.com/office/drawing/2014/main" id="{FAA6C46F-C456-6FE3-4535-661FCFADD94C}"/>
+              </a:ext>
+            </a:extLst>
+          </p:cNvPr>
+          <p:cNvSpPr txBox="1"/>
+          <p:nvPr/>
+        </p:nvSpPr>
+        <p:spPr>
+          <a:xfrm>
+            <a:off x="5150657" y="2266237"/>
+            <a:ext cx="2089098" cy="369332"/>
+          </a:xfrm>
+          <a:prstGeom prst="rect">
+            <a:avLst/>
+          </a:prstGeom>
+          <a:noFill/>
+          <a:ln>
+            <a:solidFill>
+              <a:schemeClr val="tx1"/>
+            </a:solidFill>
+          </a:ln>
+        </p:spPr>
+        <p:txBody>
+          <a:bodyPr wrap="none" rtlCol="0">
+            <a:spAutoFit/>
+          </a:bodyPr>
+          <a:lstStyle/>
+          <a:p>
+            <a:r>
+              <a:rPr lang="en-US" dirty="0"/>
+              <a:t>Containers on HPC</a:t>
+            </a:r>
+            <a:endParaRPr lang="LID4096" dirty="0"/>
+          </a:p>
+        </p:txBody>
+      </p:sp>
+      <p:sp>
+        <p:nvSpPr>
+          <p:cNvPr id="26" name="TextBox 25">
+            <a:extLst>
+              <a:ext uri="{FF2B5EF4-FFF2-40B4-BE49-F238E27FC236}">
+                <a16:creationId xmlns:a16="http://schemas.microsoft.com/office/drawing/2014/main" id="{D95F7FA4-AA56-5F2B-794D-0240E17E9178}"/>
+              </a:ext>
+            </a:extLst>
+          </p:cNvPr>
+          <p:cNvSpPr txBox="1"/>
+          <p:nvPr/>
+        </p:nvSpPr>
+        <p:spPr>
+          <a:xfrm>
+            <a:off x="4422058" y="5681528"/>
+            <a:ext cx="2296847" cy="369332"/>
+          </a:xfrm>
+          <a:prstGeom prst="rect">
+            <a:avLst/>
+          </a:prstGeom>
+          <a:noFill/>
+          <a:ln>
+            <a:solidFill>
+              <a:schemeClr val="tx1"/>
+            </a:solidFill>
+          </a:ln>
+        </p:spPr>
+        <p:txBody>
+          <a:bodyPr wrap="none" rtlCol="0">
+            <a:spAutoFit/>
+          </a:bodyPr>
+          <a:lstStyle/>
+          <a:p>
+            <a:r>
+              <a:rPr lang="en-US" dirty="0"/>
+              <a:t>Parallel programming</a:t>
+            </a:r>
+            <a:endParaRPr lang="LID4096" dirty="0"/>
+          </a:p>
+        </p:txBody>
+      </p:sp>
+      <p:sp>
+        <p:nvSpPr>
+          <p:cNvPr id="27" name="TextBox 26">
+            <a:extLst>
+              <a:ext uri="{FF2B5EF4-FFF2-40B4-BE49-F238E27FC236}">
+                <a16:creationId xmlns:a16="http://schemas.microsoft.com/office/drawing/2014/main" id="{34B30EA6-6DCF-5794-F7C9-7B11F6F00D4C}"/>
+              </a:ext>
+            </a:extLst>
+          </p:cNvPr>
+          <p:cNvSpPr txBox="1"/>
+          <p:nvPr/>
+        </p:nvSpPr>
+        <p:spPr>
+          <a:xfrm>
+            <a:off x="8005650" y="5676447"/>
+            <a:ext cx="2008499" cy="369332"/>
+          </a:xfrm>
+          <a:prstGeom prst="rect">
+            <a:avLst/>
+          </a:prstGeom>
+          <a:noFill/>
+          <a:ln>
+            <a:solidFill>
+              <a:schemeClr val="tx1"/>
+            </a:solidFill>
+          </a:ln>
+        </p:spPr>
+        <p:txBody>
+          <a:bodyPr wrap="none" rtlCol="0">
+            <a:spAutoFit/>
+          </a:bodyPr>
+          <a:lstStyle/>
+          <a:p>
+            <a:r>
+              <a:rPr lang="en-US" dirty="0"/>
+              <a:t>GPU programming</a:t>
+            </a:r>
+            <a:endParaRPr lang="LID4096" dirty="0"/>
+          </a:p>
+        </p:txBody>
+      </p:sp>
+      <p:cxnSp>
+        <p:nvCxnSpPr>
+          <p:cNvPr id="28" name="Straight Arrow Connector 27">
+            <a:extLst>
+              <a:ext uri="{FF2B5EF4-FFF2-40B4-BE49-F238E27FC236}">
+                <a16:creationId xmlns:a16="http://schemas.microsoft.com/office/drawing/2014/main" id="{245CD48B-204F-B49F-C764-CC9BC864AB69}"/>
+              </a:ext>
+            </a:extLst>
+          </p:cNvPr>
+          <p:cNvCxnSpPr>
+            <a:cxnSpLocks/>
+            <a:stCxn id="3" idx="2"/>
+            <a:endCxn id="26" idx="0"/>
+          </p:cNvCxnSpPr>
+          <p:nvPr/>
+        </p:nvCxnSpPr>
+        <p:spPr>
+          <a:xfrm flipH="1">
+            <a:off x="5570482" y="4857612"/>
+            <a:ext cx="1531563" cy="823916"/>
+          </a:xfrm>
+          <a:prstGeom prst="straightConnector1">
+            <a:avLst/>
+          </a:prstGeom>
+          <a:ln>
+            <a:solidFill>
+              <a:schemeClr val="tx1"/>
+            </a:solidFill>
+            <a:tailEnd type="triangle"/>
+          </a:ln>
+        </p:spPr>
+        <p:style>
+          <a:lnRef idx="2">
+            <a:schemeClr val="accent1"/>
+          </a:lnRef>
+          <a:fillRef idx="0">
+            <a:schemeClr val="accent1"/>
+          </a:fillRef>
+          <a:effectRef idx="1">
+            <a:schemeClr val="accent1"/>
+          </a:effectRef>
+          <a:fontRef idx="minor">
+            <a:schemeClr val="tx1"/>
+          </a:fontRef>
+        </p:style>
+      </p:cxnSp>
+      <p:cxnSp>
+        <p:nvCxnSpPr>
+          <p:cNvPr id="31" name="Straight Arrow Connector 30">
+            <a:extLst>
+              <a:ext uri="{FF2B5EF4-FFF2-40B4-BE49-F238E27FC236}">
+                <a16:creationId xmlns:a16="http://schemas.microsoft.com/office/drawing/2014/main" id="{4F0666AB-6663-DB06-DD82-53CD33547C4B}"/>
+              </a:ext>
+            </a:extLst>
+          </p:cNvPr>
+          <p:cNvCxnSpPr>
+            <a:cxnSpLocks/>
+            <a:stCxn id="3" idx="2"/>
+            <a:endCxn id="27" idx="0"/>
+          </p:cNvCxnSpPr>
+          <p:nvPr/>
+        </p:nvCxnSpPr>
+        <p:spPr>
+          <a:xfrm>
+            <a:off x="7102045" y="4857612"/>
+            <a:ext cx="1907855" cy="818835"/>
+          </a:xfrm>
+          <a:prstGeom prst="straightConnector1">
+            <a:avLst/>
+          </a:prstGeom>
+          <a:ln>
+            <a:solidFill>
+              <a:schemeClr val="tx1"/>
+            </a:solidFill>
+            <a:tailEnd type="triangle"/>
+          </a:ln>
+        </p:spPr>
+        <p:style>
+          <a:lnRef idx="2">
+            <a:schemeClr val="accent1"/>
+          </a:lnRef>
+          <a:fillRef idx="0">
+            <a:schemeClr val="accent1"/>
+          </a:fillRef>
+          <a:effectRef idx="1">
+            <a:schemeClr val="accent1"/>
+          </a:effectRef>
+          <a:fontRef idx="minor">
+            <a:schemeClr val="tx1"/>
+          </a:fontRef>
+        </p:style>
+      </p:cxnSp>
+      <p:cxnSp>
+        <p:nvCxnSpPr>
+          <p:cNvPr id="36" name="Straight Arrow Connector 35">
+            <a:extLst>
+              <a:ext uri="{FF2B5EF4-FFF2-40B4-BE49-F238E27FC236}">
+                <a16:creationId xmlns:a16="http://schemas.microsoft.com/office/drawing/2014/main" id="{480435A9-26E4-ABA7-F67A-2834CAB646C3}"/>
+              </a:ext>
+            </a:extLst>
+          </p:cNvPr>
+          <p:cNvCxnSpPr>
+            <a:cxnSpLocks/>
+            <a:stCxn id="11" idx="3"/>
+            <a:endCxn id="25" idx="1"/>
+          </p:cNvCxnSpPr>
+          <p:nvPr/>
+        </p:nvCxnSpPr>
+        <p:spPr>
+          <a:xfrm>
+            <a:off x="4648233" y="1811115"/>
+            <a:ext cx="502424" cy="639788"/>
+          </a:xfrm>
+          <a:prstGeom prst="straightConnector1">
+            <a:avLst/>
+          </a:prstGeom>
+          <a:ln>
+            <a:solidFill>
+              <a:schemeClr val="tx1"/>
+            </a:solidFill>
+            <a:tailEnd type="triangle"/>
+          </a:ln>
+        </p:spPr>
+        <p:style>
+          <a:lnRef idx="2">
+            <a:schemeClr val="accent1"/>
+          </a:lnRef>
+          <a:fillRef idx="0">
+            <a:schemeClr val="accent1"/>
+          </a:fillRef>
+          <a:effectRef idx="1">
+            <a:schemeClr val="accent1"/>
+          </a:effectRef>
+          <a:fontRef idx="minor">
+            <a:schemeClr val="tx1"/>
+          </a:fontRef>
+        </p:style>
+      </p:cxnSp>
+      <p:sp>
+        <p:nvSpPr>
+          <p:cNvPr id="51" name="TextBox 50">
+            <a:extLst>
+              <a:ext uri="{FF2B5EF4-FFF2-40B4-BE49-F238E27FC236}">
+                <a16:creationId xmlns:a16="http://schemas.microsoft.com/office/drawing/2014/main" id="{EA1EB793-7E6D-FA53-6168-36FA5C87AB60}"/>
+              </a:ext>
+            </a:extLst>
+          </p:cNvPr>
+          <p:cNvSpPr txBox="1"/>
+          <p:nvPr/>
+        </p:nvSpPr>
+        <p:spPr>
+          <a:xfrm>
+            <a:off x="5106479" y="3702833"/>
+            <a:ext cx="5851640" cy="369332"/>
+          </a:xfrm>
+          <a:prstGeom prst="rect">
+            <a:avLst/>
+          </a:prstGeom>
+          <a:noFill/>
+          <a:ln>
+            <a:solidFill>
+              <a:schemeClr val="tx1"/>
+            </a:solidFill>
+          </a:ln>
+        </p:spPr>
+        <p:txBody>
+          <a:bodyPr wrap="square" rtlCol="0">
+            <a:spAutoFit/>
+          </a:bodyPr>
+          <a:lstStyle/>
+          <a:p>
+            <a:r>
+              <a:rPr lang="en-US" dirty="0"/>
+              <a:t>Generative AI in software engineering and data analysis</a:t>
+            </a:r>
+            <a:endParaRPr lang="LID4096" dirty="0"/>
+          </a:p>
+        </p:txBody>
+      </p:sp>
+      <p:cxnSp>
+        <p:nvCxnSpPr>
+          <p:cNvPr id="52" name="Straight Arrow Connector 51">
+            <a:extLst>
+              <a:ext uri="{FF2B5EF4-FFF2-40B4-BE49-F238E27FC236}">
+                <a16:creationId xmlns:a16="http://schemas.microsoft.com/office/drawing/2014/main" id="{98EA54DB-2FF2-A2A8-931D-704B3DB17E05}"/>
+              </a:ext>
+            </a:extLst>
+          </p:cNvPr>
+          <p:cNvCxnSpPr>
+            <a:cxnSpLocks/>
+            <a:stCxn id="6" idx="3"/>
+            <a:endCxn id="51" idx="1"/>
+          </p:cNvCxnSpPr>
+          <p:nvPr/>
+        </p:nvCxnSpPr>
+        <p:spPr>
+          <a:xfrm>
+            <a:off x="3016722" y="3614657"/>
+            <a:ext cx="2089757" cy="272842"/>
+          </a:xfrm>
+          <a:prstGeom prst="straightConnector1">
+            <a:avLst/>
+          </a:prstGeom>
+          <a:ln>
+            <a:solidFill>
+              <a:schemeClr val="tx1"/>
+            </a:solidFill>
+            <a:tailEnd type="triangle"/>
+          </a:ln>
+        </p:spPr>
+        <p:style>
+          <a:lnRef idx="2">
+            <a:schemeClr val="accent1"/>
+          </a:lnRef>
+          <a:fillRef idx="0">
+            <a:schemeClr val="accent1"/>
+          </a:fillRef>
+          <a:effectRef idx="1">
+            <a:schemeClr val="accent1"/>
+          </a:effectRef>
+          <a:fontRef idx="minor">
+            <a:schemeClr val="tx1"/>
+          </a:fontRef>
+        </p:style>
+      </p:cxnSp>
+    </p:spTree>
+    <p:extLst>
+      <p:ext uri="{BB962C8B-B14F-4D97-AF65-F5344CB8AC3E}">
+        <p14:creationId xmlns:p14="http://schemas.microsoft.com/office/powerpoint/2010/main" val="880924520"/>
+      </p:ext>
+    </p:extLst>
+  </p:cSld>
+  <p:clrMapOvr>
+    <a:masterClrMapping/>
+  </p:clrMapOvr>
+</p:sld>
+</file>
+
+<file path=ppt/slides/slide13.xml><?xml version="1.0" encoding="utf-8"?>
+<p:sld xmlns:a="http://schemas.openxmlformats.org/drawingml/2006/main" xmlns:r="http://schemas.openxmlformats.org/officeDocument/2006/relationships" xmlns:p="http://schemas.openxmlformats.org/presentationml/2006/main">
+  <p:cSld>
+    <p:spTree>
+      <p:nvGrpSpPr>
+        <p:cNvPr id="1" name=""/>
+        <p:cNvGrpSpPr/>
+        <p:nvPr/>
+      </p:nvGrpSpPr>
+      <p:grpSpPr>
+        <a:xfrm>
+          <a:off x="0" y="0"/>
+          <a:ext cx="0" cy="0"/>
+          <a:chOff x="0" y="0"/>
+          <a:chExt cx="0" cy="0"/>
+        </a:xfrm>
+      </p:grpSpPr>
+      <p:sp>
+        <p:nvSpPr>
+          <p:cNvPr id="2" name="Title 1">
+            <a:extLst>
+              <a:ext uri="{FF2B5EF4-FFF2-40B4-BE49-F238E27FC236}">
                 <a16:creationId xmlns:a16="http://schemas.microsoft.com/office/drawing/2014/main" id="{17687DD1-6989-DA08-67DE-A7AE71EB3609}"/>
               </a:ext>
             </a:extLst>
@@ -4974,6 +5730,403 @@
           <a:xfrm>
             <a:off x="5541566" y="2660302"/>
             <a:ext cx="2746370" cy="1936170"/>
+          </a:xfrm>
+          <a:prstGeom prst="straightConnector1">
+            <a:avLst/>
+          </a:prstGeom>
+          <a:ln>
+            <a:solidFill>
+              <a:schemeClr val="tx1"/>
+            </a:solidFill>
+            <a:tailEnd type="triangle"/>
+          </a:ln>
+        </p:spPr>
+        <p:style>
+          <a:lnRef idx="2">
+            <a:schemeClr val="accent1"/>
+          </a:lnRef>
+          <a:fillRef idx="0">
+            <a:schemeClr val="accent1"/>
+          </a:fillRef>
+          <a:effectRef idx="1">
+            <a:schemeClr val="accent1"/>
+          </a:effectRef>
+          <a:fontRef idx="minor">
+            <a:schemeClr val="tx1"/>
+          </a:fontRef>
+        </p:style>
+      </p:cxnSp>
+      <p:sp>
+        <p:nvSpPr>
+          <p:cNvPr id="8" name="TextBox 7">
+            <a:extLst>
+              <a:ext uri="{FF2B5EF4-FFF2-40B4-BE49-F238E27FC236}">
+                <a16:creationId xmlns:a16="http://schemas.microsoft.com/office/drawing/2014/main" id="{80F344C2-E499-3847-A29A-F94E74EF913A}"/>
+              </a:ext>
+            </a:extLst>
+          </p:cNvPr>
+          <p:cNvSpPr txBox="1"/>
+          <p:nvPr/>
+        </p:nvSpPr>
+        <p:spPr>
+          <a:xfrm>
+            <a:off x="7492216" y="1848586"/>
+            <a:ext cx="3099182" cy="369332"/>
+          </a:xfrm>
+          <a:prstGeom prst="rect">
+            <a:avLst/>
+          </a:prstGeom>
+          <a:noFill/>
+          <a:ln>
+            <a:solidFill>
+              <a:schemeClr val="tx1"/>
+            </a:solidFill>
+          </a:ln>
+        </p:spPr>
+        <p:txBody>
+          <a:bodyPr wrap="none" rtlCol="0">
+            <a:spAutoFit/>
+          </a:bodyPr>
+          <a:lstStyle/>
+          <a:p>
+            <a:r>
+              <a:rPr lang="en-US" dirty="0">
+                <a:ln>
+                  <a:solidFill>
+                    <a:sysClr val="windowText" lastClr="000000"/>
+                  </a:solidFill>
+                </a:ln>
+              </a:rPr>
+              <a:t>Machine learning with Python</a:t>
+            </a:r>
+            <a:endParaRPr lang="LID4096" dirty="0">
+              <a:ln>
+                <a:solidFill>
+                  <a:sysClr val="windowText" lastClr="000000"/>
+                </a:solidFill>
+              </a:ln>
+            </a:endParaRPr>
+          </a:p>
+        </p:txBody>
+      </p:sp>
+      <p:cxnSp>
+        <p:nvCxnSpPr>
+          <p:cNvPr id="9" name="Straight Arrow Connector 8">
+            <a:extLst>
+              <a:ext uri="{FF2B5EF4-FFF2-40B4-BE49-F238E27FC236}">
+                <a16:creationId xmlns:a16="http://schemas.microsoft.com/office/drawing/2014/main" id="{5E759F97-151C-7E44-12B0-AEE1F7B4D97F}"/>
+              </a:ext>
+            </a:extLst>
+          </p:cNvPr>
+          <p:cNvCxnSpPr>
+            <a:cxnSpLocks/>
+            <a:stCxn id="3" idx="3"/>
+            <a:endCxn id="8" idx="1"/>
+          </p:cNvCxnSpPr>
+          <p:nvPr/>
+        </p:nvCxnSpPr>
+        <p:spPr>
+          <a:xfrm flipV="1">
+            <a:off x="6799667" y="2033252"/>
+            <a:ext cx="692549" cy="442384"/>
+          </a:xfrm>
+          <a:prstGeom prst="straightConnector1">
+            <a:avLst/>
+          </a:prstGeom>
+          <a:ln>
+            <a:solidFill>
+              <a:schemeClr val="tx1"/>
+            </a:solidFill>
+            <a:tailEnd type="triangle"/>
+          </a:ln>
+        </p:spPr>
+        <p:style>
+          <a:lnRef idx="2">
+            <a:schemeClr val="accent1"/>
+          </a:lnRef>
+          <a:fillRef idx="0">
+            <a:schemeClr val="accent1"/>
+          </a:fillRef>
+          <a:effectRef idx="1">
+            <a:schemeClr val="accent1"/>
+          </a:effectRef>
+          <a:fontRef idx="minor">
+            <a:schemeClr val="tx1"/>
+          </a:fontRef>
+        </p:style>
+      </p:cxnSp>
+      <p:sp>
+        <p:nvSpPr>
+          <p:cNvPr id="12" name="TextBox 11">
+            <a:extLst>
+              <a:ext uri="{FF2B5EF4-FFF2-40B4-BE49-F238E27FC236}">
+                <a16:creationId xmlns:a16="http://schemas.microsoft.com/office/drawing/2014/main" id="{FEB931EE-D76E-263B-9A40-D61DF298173B}"/>
+              </a:ext>
+            </a:extLst>
+          </p:cNvPr>
+          <p:cNvSpPr txBox="1"/>
+          <p:nvPr/>
+        </p:nvSpPr>
+        <p:spPr>
+          <a:xfrm>
+            <a:off x="657608" y="3988667"/>
+            <a:ext cx="2447721" cy="369332"/>
+          </a:xfrm>
+          <a:prstGeom prst="rect">
+            <a:avLst/>
+          </a:prstGeom>
+          <a:noFill/>
+          <a:ln>
+            <a:solidFill>
+              <a:schemeClr val="tx1"/>
+            </a:solidFill>
+          </a:ln>
+        </p:spPr>
+        <p:txBody>
+          <a:bodyPr wrap="none" rtlCol="0">
+            <a:spAutoFit/>
+          </a:bodyPr>
+          <a:lstStyle/>
+          <a:p>
+            <a:r>
+              <a:rPr lang="en-US" dirty="0">
+                <a:ln>
+                  <a:solidFill>
+                    <a:sysClr val="windowText" lastClr="000000"/>
+                  </a:solidFill>
+                </a:ln>
+              </a:rPr>
+              <a:t>Deploying LLMs locally</a:t>
+            </a:r>
+            <a:endParaRPr lang="LID4096" dirty="0">
+              <a:ln>
+                <a:solidFill>
+                  <a:sysClr val="windowText" lastClr="000000"/>
+                </a:solidFill>
+              </a:ln>
+            </a:endParaRPr>
+          </a:p>
+        </p:txBody>
+      </p:sp>
+      <p:sp>
+        <p:nvSpPr>
+          <p:cNvPr id="16" name="TextBox 15">
+            <a:extLst>
+              <a:ext uri="{FF2B5EF4-FFF2-40B4-BE49-F238E27FC236}">
+                <a16:creationId xmlns:a16="http://schemas.microsoft.com/office/drawing/2014/main" id="{EF5B55A3-8E40-4C5C-C58F-B7773BEA614A}"/>
+              </a:ext>
+            </a:extLst>
+          </p:cNvPr>
+          <p:cNvSpPr txBox="1"/>
+          <p:nvPr/>
+        </p:nvSpPr>
+        <p:spPr>
+          <a:xfrm>
+            <a:off x="8940042" y="2566036"/>
+            <a:ext cx="1690014" cy="369332"/>
+          </a:xfrm>
+          <a:prstGeom prst="rect">
+            <a:avLst/>
+          </a:prstGeom>
+          <a:noFill/>
+          <a:ln>
+            <a:solidFill>
+              <a:schemeClr val="tx1"/>
+            </a:solidFill>
+          </a:ln>
+        </p:spPr>
+        <p:txBody>
+          <a:bodyPr wrap="none" rtlCol="0">
+            <a:spAutoFit/>
+          </a:bodyPr>
+          <a:lstStyle/>
+          <a:p>
+            <a:r>
+              <a:rPr lang="en-US" dirty="0" err="1">
+                <a:ln>
+                  <a:solidFill>
+                    <a:sysClr val="windowText" lastClr="000000"/>
+                  </a:solidFill>
+                </a:ln>
+              </a:rPr>
+              <a:t>MLOps</a:t>
+            </a:r>
+            <a:r>
+              <a:rPr lang="en-US" dirty="0">
+                <a:ln>
+                  <a:solidFill>
+                    <a:sysClr val="windowText" lastClr="000000"/>
+                  </a:solidFill>
+                </a:ln>
+              </a:rPr>
+              <a:t> on HPC</a:t>
+            </a:r>
+            <a:endParaRPr lang="LID4096" dirty="0">
+              <a:ln>
+                <a:solidFill>
+                  <a:sysClr val="windowText" lastClr="000000"/>
+                </a:solidFill>
+              </a:ln>
+            </a:endParaRPr>
+          </a:p>
+        </p:txBody>
+      </p:sp>
+      <p:cxnSp>
+        <p:nvCxnSpPr>
+          <p:cNvPr id="17" name="Straight Arrow Connector 16">
+            <a:extLst>
+              <a:ext uri="{FF2B5EF4-FFF2-40B4-BE49-F238E27FC236}">
+                <a16:creationId xmlns:a16="http://schemas.microsoft.com/office/drawing/2014/main" id="{C71C7CE6-A2FE-DD3B-7282-C13726D62F27}"/>
+              </a:ext>
+            </a:extLst>
+          </p:cNvPr>
+          <p:cNvCxnSpPr>
+            <a:cxnSpLocks/>
+            <a:stCxn id="3" idx="3"/>
+            <a:endCxn id="16" idx="1"/>
+          </p:cNvCxnSpPr>
+          <p:nvPr/>
+        </p:nvCxnSpPr>
+        <p:spPr>
+          <a:xfrm>
+            <a:off x="6799667" y="2475636"/>
+            <a:ext cx="2140375" cy="275066"/>
+          </a:xfrm>
+          <a:prstGeom prst="straightConnector1">
+            <a:avLst/>
+          </a:prstGeom>
+          <a:ln>
+            <a:solidFill>
+              <a:schemeClr val="tx1"/>
+            </a:solidFill>
+            <a:tailEnd type="triangle"/>
+          </a:ln>
+        </p:spPr>
+        <p:style>
+          <a:lnRef idx="2">
+            <a:schemeClr val="accent1"/>
+          </a:lnRef>
+          <a:fillRef idx="0">
+            <a:schemeClr val="accent1"/>
+          </a:fillRef>
+          <a:effectRef idx="1">
+            <a:schemeClr val="accent1"/>
+          </a:effectRef>
+          <a:fontRef idx="minor">
+            <a:schemeClr val="tx1"/>
+          </a:fontRef>
+        </p:style>
+      </p:cxnSp>
+      <p:cxnSp>
+        <p:nvCxnSpPr>
+          <p:cNvPr id="23" name="Straight Arrow Connector 22">
+            <a:extLst>
+              <a:ext uri="{FF2B5EF4-FFF2-40B4-BE49-F238E27FC236}">
+                <a16:creationId xmlns:a16="http://schemas.microsoft.com/office/drawing/2014/main" id="{FA5B92A0-A90A-B87F-3945-0463A9D9D8F1}"/>
+              </a:ext>
+            </a:extLst>
+          </p:cNvPr>
+          <p:cNvCxnSpPr>
+            <a:cxnSpLocks/>
+            <a:endCxn id="16" idx="0"/>
+          </p:cNvCxnSpPr>
+          <p:nvPr/>
+        </p:nvCxnSpPr>
+        <p:spPr>
+          <a:xfrm>
+            <a:off x="9092442" y="2217918"/>
+            <a:ext cx="692607" cy="348118"/>
+          </a:xfrm>
+          <a:prstGeom prst="straightConnector1">
+            <a:avLst/>
+          </a:prstGeom>
+          <a:ln>
+            <a:solidFill>
+              <a:schemeClr val="tx1"/>
+            </a:solidFill>
+            <a:tailEnd type="triangle"/>
+          </a:ln>
+        </p:spPr>
+        <p:style>
+          <a:lnRef idx="2">
+            <a:schemeClr val="accent1"/>
+          </a:lnRef>
+          <a:fillRef idx="0">
+            <a:schemeClr val="accent1"/>
+          </a:fillRef>
+          <a:effectRef idx="1">
+            <a:schemeClr val="accent1"/>
+          </a:effectRef>
+          <a:fontRef idx="minor">
+            <a:schemeClr val="tx1"/>
+          </a:fontRef>
+        </p:style>
+      </p:cxnSp>
+      <p:sp>
+        <p:nvSpPr>
+          <p:cNvPr id="26" name="TextBox 25">
+            <a:extLst>
+              <a:ext uri="{FF2B5EF4-FFF2-40B4-BE49-F238E27FC236}">
+                <a16:creationId xmlns:a16="http://schemas.microsoft.com/office/drawing/2014/main" id="{232B0700-77DA-2429-C9B9-476D732FF0AD}"/>
+              </a:ext>
+            </a:extLst>
+          </p:cNvPr>
+          <p:cNvSpPr txBox="1"/>
+          <p:nvPr/>
+        </p:nvSpPr>
+        <p:spPr>
+          <a:xfrm>
+            <a:off x="436986" y="1574364"/>
+            <a:ext cx="2183312" cy="369332"/>
+          </a:xfrm>
+          <a:prstGeom prst="rect">
+            <a:avLst/>
+          </a:prstGeom>
+          <a:noFill/>
+          <a:ln>
+            <a:solidFill>
+              <a:schemeClr val="tx1"/>
+            </a:solidFill>
+          </a:ln>
+        </p:spPr>
+        <p:txBody>
+          <a:bodyPr wrap="square" rtlCol="0">
+            <a:spAutoFit/>
+          </a:bodyPr>
+          <a:lstStyle/>
+          <a:p>
+            <a:r>
+              <a:rPr lang="en-US" dirty="0" err="1"/>
+              <a:t>Jupyter</a:t>
+            </a:r>
+            <a:r>
+              <a:rPr lang="en-US" dirty="0"/>
+              <a:t> notebooks</a:t>
+            </a:r>
+            <a:endParaRPr lang="LID4096" dirty="0"/>
+          </a:p>
+        </p:txBody>
+      </p:sp>
+      <p:cxnSp>
+        <p:nvCxnSpPr>
+          <p:cNvPr id="27" name="Straight Arrow Connector 26">
+            <a:extLst>
+              <a:ext uri="{FF2B5EF4-FFF2-40B4-BE49-F238E27FC236}">
+                <a16:creationId xmlns:a16="http://schemas.microsoft.com/office/drawing/2014/main" id="{B537CD1D-074A-8F4C-6A8C-EEBBFADA0B01}"/>
+              </a:ext>
+            </a:extLst>
+          </p:cNvPr>
+          <p:cNvCxnSpPr>
+            <a:cxnSpLocks/>
+            <a:stCxn id="26" idx="2"/>
+            <a:endCxn id="4" idx="0"/>
+          </p:cNvCxnSpPr>
+          <p:nvPr/>
+        </p:nvCxnSpPr>
+        <p:spPr>
+          <a:xfrm>
+            <a:off x="1528642" y="1943696"/>
+            <a:ext cx="1091657" cy="347274"/>
           </a:xfrm>
           <a:prstGeom prst="straightConnector1">
             <a:avLst/>
@@ -5652,7 +6805,7 @@
         <p:spPr>
           <a:xfrm>
             <a:off x="2577424" y="2632613"/>
-            <a:ext cx="3158998" cy="1218194"/>
+            <a:ext cx="3704838" cy="1543770"/>
           </a:xfrm>
           <a:prstGeom prst="straightConnector1">
             <a:avLst/>
@@ -5693,7 +6846,7 @@
         </p:nvSpPr>
         <p:spPr>
           <a:xfrm>
-            <a:off x="5736422" y="3666141"/>
+            <a:off x="6282262" y="3991717"/>
             <a:ext cx="2183312" cy="369332"/>
           </a:xfrm>
           <a:prstGeom prst="rect">
@@ -5898,6 +7051,93 @@
           </a:p>
         </p:txBody>
       </p:sp>
+      <p:sp>
+        <p:nvSpPr>
+          <p:cNvPr id="8" name="TextBox 7">
+            <a:extLst>
+              <a:ext uri="{FF2B5EF4-FFF2-40B4-BE49-F238E27FC236}">
+                <a16:creationId xmlns:a16="http://schemas.microsoft.com/office/drawing/2014/main" id="{3E8D1833-1556-4DDB-551C-F00464E052AE}"/>
+              </a:ext>
+            </a:extLst>
+          </p:cNvPr>
+          <p:cNvSpPr txBox="1"/>
+          <p:nvPr/>
+        </p:nvSpPr>
+        <p:spPr>
+          <a:xfrm>
+            <a:off x="5928728" y="3469705"/>
+            <a:ext cx="2087929" cy="369332"/>
+          </a:xfrm>
+          <a:prstGeom prst="rect">
+            <a:avLst/>
+          </a:prstGeom>
+          <a:noFill/>
+          <a:ln>
+            <a:solidFill>
+              <a:schemeClr val="tx1"/>
+            </a:solidFill>
+          </a:ln>
+        </p:spPr>
+        <p:txBody>
+          <a:bodyPr wrap="square" rtlCol="0">
+            <a:spAutoFit/>
+          </a:bodyPr>
+          <a:lstStyle/>
+          <a:p>
+            <a:r>
+              <a:rPr lang="en-US" dirty="0"/>
+              <a:t>Workflows on HPC</a:t>
+            </a:r>
+            <a:endParaRPr lang="LID4096" dirty="0"/>
+          </a:p>
+        </p:txBody>
+      </p:sp>
+      <p:cxnSp>
+        <p:nvCxnSpPr>
+          <p:cNvPr id="9" name="Straight Arrow Connector 8">
+            <a:extLst>
+              <a:ext uri="{FF2B5EF4-FFF2-40B4-BE49-F238E27FC236}">
+                <a16:creationId xmlns:a16="http://schemas.microsoft.com/office/drawing/2014/main" id="{5050EB26-00B0-DEA1-F512-8C20C7417CB0}"/>
+              </a:ext>
+            </a:extLst>
+          </p:cNvPr>
+          <p:cNvCxnSpPr>
+            <a:cxnSpLocks/>
+            <a:stCxn id="3" idx="3"/>
+            <a:endCxn id="8" idx="1"/>
+          </p:cNvCxnSpPr>
+          <p:nvPr/>
+        </p:nvCxnSpPr>
+        <p:spPr>
+          <a:xfrm>
+            <a:off x="4578966" y="2447947"/>
+            <a:ext cx="1349762" cy="1206424"/>
+          </a:xfrm>
+          <a:prstGeom prst="straightConnector1">
+            <a:avLst/>
+          </a:prstGeom>
+          <a:ln>
+            <a:solidFill>
+              <a:schemeClr val="tx1"/>
+            </a:solidFill>
+            <a:tailEnd type="triangle"/>
+          </a:ln>
+        </p:spPr>
+        <p:style>
+          <a:lnRef idx="2">
+            <a:schemeClr val="accent1"/>
+          </a:lnRef>
+          <a:fillRef idx="0">
+            <a:schemeClr val="accent1"/>
+          </a:fillRef>
+          <a:effectRef idx="1">
+            <a:schemeClr val="accent1"/>
+          </a:effectRef>
+          <a:fontRef idx="minor">
+            <a:schemeClr val="tx1"/>
+          </a:fontRef>
+        </p:style>
+      </p:cxnSp>
     </p:spTree>
     <p:extLst>
       <p:ext uri="{BB962C8B-B14F-4D97-AF65-F5344CB8AC3E}">
@@ -5933,7 +7173,7 @@
           <p:cNvPr id="2" name="Title 1">
             <a:extLst>
               <a:ext uri="{FF2B5EF4-FFF2-40B4-BE49-F238E27FC236}">
-                <a16:creationId xmlns:a16="http://schemas.microsoft.com/office/drawing/2014/main" id="{589ACBCD-2589-B4BB-1EDD-421FB5BC47EA}"/>
+                <a16:creationId xmlns:a16="http://schemas.microsoft.com/office/drawing/2014/main" id="{2C1020E9-C219-5A95-6CB1-D7AD63AE883E}"/>
               </a:ext>
             </a:extLst>
           </p:cNvPr>
@@ -5951,89 +7191,7 @@
           <a:p>
             <a:r>
               <a:rPr lang="en-US" dirty="0"/>
-              <a:t>Using HPC systems</a:t>
-            </a:r>
-            <a:endParaRPr lang="LID4096" dirty="0"/>
-          </a:p>
-        </p:txBody>
-      </p:sp>
-      <p:sp>
-        <p:nvSpPr>
-          <p:cNvPr id="3" name="TextBox 2">
-            <a:extLst>
-              <a:ext uri="{FF2B5EF4-FFF2-40B4-BE49-F238E27FC236}">
-                <a16:creationId xmlns:a16="http://schemas.microsoft.com/office/drawing/2014/main" id="{9FFE3FB8-BA22-8CB9-EFBA-87E681E2BF2E}"/>
-              </a:ext>
-            </a:extLst>
-          </p:cNvPr>
-          <p:cNvSpPr txBox="1"/>
-          <p:nvPr/>
-        </p:nvSpPr>
-        <p:spPr>
-          <a:xfrm>
-            <a:off x="1001221" y="2266335"/>
-            <a:ext cx="1215461" cy="369332"/>
-          </a:xfrm>
-          <a:prstGeom prst="rect">
-            <a:avLst/>
-          </a:prstGeom>
-          <a:noFill/>
-          <a:ln>
-            <a:solidFill>
-              <a:schemeClr val="tx1"/>
-            </a:solidFill>
-          </a:ln>
-        </p:spPr>
-        <p:txBody>
-          <a:bodyPr wrap="none" rtlCol="0">
-            <a:spAutoFit/>
-          </a:bodyPr>
-          <a:lstStyle/>
-          <a:p>
-            <a:r>
-              <a:rPr lang="en-US" dirty="0"/>
-              <a:t>Linux intro</a:t>
-            </a:r>
-            <a:endParaRPr lang="LID4096" dirty="0"/>
-          </a:p>
-        </p:txBody>
-      </p:sp>
-      <p:sp>
-        <p:nvSpPr>
-          <p:cNvPr id="4" name="TextBox 3">
-            <a:extLst>
-              <a:ext uri="{FF2B5EF4-FFF2-40B4-BE49-F238E27FC236}">
-                <a16:creationId xmlns:a16="http://schemas.microsoft.com/office/drawing/2014/main" id="{A4EB27F5-0093-0A7A-612B-FFF9F0CF34BE}"/>
-              </a:ext>
-            </a:extLst>
-          </p:cNvPr>
-          <p:cNvSpPr txBox="1"/>
-          <p:nvPr/>
-        </p:nvSpPr>
-        <p:spPr>
-          <a:xfrm>
-            <a:off x="3755780" y="2261418"/>
-            <a:ext cx="1144929" cy="369332"/>
-          </a:xfrm>
-          <a:prstGeom prst="rect">
-            <a:avLst/>
-          </a:prstGeom>
-          <a:noFill/>
-          <a:ln>
-            <a:solidFill>
-              <a:schemeClr val="tx1"/>
-            </a:solidFill>
-          </a:ln>
-        </p:spPr>
-        <p:txBody>
-          <a:bodyPr wrap="none" rtlCol="0">
-            <a:spAutoFit/>
-          </a:bodyPr>
-          <a:lstStyle/>
-          <a:p>
-            <a:r>
-              <a:rPr lang="en-US" dirty="0"/>
-              <a:t>HPC intro</a:t>
+              <a:t>Data science</a:t>
             </a:r>
             <a:endParaRPr lang="LID4096" dirty="0"/>
           </a:p>
@@ -6041,23 +7199,24 @@
       </p:sp>
       <p:cxnSp>
         <p:nvCxnSpPr>
-          <p:cNvPr id="5" name="Straight Arrow Connector 4">
-            <a:extLst>
-              <a:ext uri="{FF2B5EF4-FFF2-40B4-BE49-F238E27FC236}">
-                <a16:creationId xmlns:a16="http://schemas.microsoft.com/office/drawing/2014/main" id="{027B2D53-5924-76D0-5551-642A17FE0F03}"/>
+          <p:cNvPr id="3" name="Straight Arrow Connector 2">
+            <a:extLst>
+              <a:ext uri="{FF2B5EF4-FFF2-40B4-BE49-F238E27FC236}">
+                <a16:creationId xmlns:a16="http://schemas.microsoft.com/office/drawing/2014/main" id="{08BB847F-99C0-C514-EB6E-6BB826E0E373}"/>
               </a:ext>
             </a:extLst>
           </p:cNvPr>
           <p:cNvCxnSpPr>
-            <a:stCxn id="3" idx="3"/>
-            <a:endCxn id="4" idx="1"/>
+            <a:cxnSpLocks/>
+            <a:stCxn id="6" idx="2"/>
+            <a:endCxn id="4" idx="0"/>
           </p:cNvCxnSpPr>
           <p:nvPr/>
         </p:nvCxnSpPr>
         <p:spPr>
-          <a:xfrm flipV="1">
-            <a:off x="2216682" y="2446084"/>
-            <a:ext cx="1539098" cy="4917"/>
+          <a:xfrm flipH="1">
+            <a:off x="2078986" y="2955387"/>
+            <a:ext cx="662485" cy="1935074"/>
           </a:xfrm>
           <a:prstGeom prst="straightConnector1">
             <a:avLst/>
@@ -6086,10 +7245,10 @@
       </p:cxnSp>
       <p:sp>
         <p:nvSpPr>
-          <p:cNvPr id="6" name="TextBox 5">
-            <a:extLst>
-              <a:ext uri="{FF2B5EF4-FFF2-40B4-BE49-F238E27FC236}">
-                <a16:creationId xmlns:a16="http://schemas.microsoft.com/office/drawing/2014/main" id="{359D9F54-CCFE-D1F3-E49F-37B42777BAE4}"/>
+          <p:cNvPr id="4" name="TextBox 3">
+            <a:extLst>
+              <a:ext uri="{FF2B5EF4-FFF2-40B4-BE49-F238E27FC236}">
+                <a16:creationId xmlns:a16="http://schemas.microsoft.com/office/drawing/2014/main" id="{50130ADC-F900-2116-6C46-C764CA3AEEAA}"/>
               </a:ext>
             </a:extLst>
           </p:cNvPr>
@@ -6098,8 +7257,8 @@
         </p:nvSpPr>
         <p:spPr>
           <a:xfrm>
-            <a:off x="4641649" y="4222334"/>
-            <a:ext cx="2028312" cy="369332"/>
+            <a:off x="575882" y="4890461"/>
+            <a:ext cx="3006208" cy="369332"/>
           </a:xfrm>
           <a:prstGeom prst="rect">
             <a:avLst/>
@@ -6119,11 +7278,7 @@
           <a:p>
             <a:r>
               <a:rPr lang="en-US" dirty="0"/>
-              <a:t>worker-ng &amp; </a:t>
-            </a:r>
-            <a:r>
-              <a:rPr lang="en-US" dirty="0" err="1"/>
-              <a:t>atools</a:t>
+              <a:t>Data analysis &amp; visualization</a:t>
             </a:r>
             <a:endParaRPr lang="LID4096" dirty="0"/>
           </a:p>
@@ -6131,24 +7286,24 @@
       </p:sp>
       <p:cxnSp>
         <p:nvCxnSpPr>
-          <p:cNvPr id="7" name="Straight Arrow Connector 6">
-            <a:extLst>
-              <a:ext uri="{FF2B5EF4-FFF2-40B4-BE49-F238E27FC236}">
-                <a16:creationId xmlns:a16="http://schemas.microsoft.com/office/drawing/2014/main" id="{00331554-3711-B47E-8506-3546E7E72A29}"/>
+          <p:cNvPr id="5" name="Straight Arrow Connector 4">
+            <a:extLst>
+              <a:ext uri="{FF2B5EF4-FFF2-40B4-BE49-F238E27FC236}">
+                <a16:creationId xmlns:a16="http://schemas.microsoft.com/office/drawing/2014/main" id="{3D504F14-8990-82C7-7FDB-EDAF04FB4DD2}"/>
               </a:ext>
             </a:extLst>
           </p:cNvPr>
           <p:cNvCxnSpPr>
             <a:cxnSpLocks/>
-            <a:stCxn id="4" idx="2"/>
-            <a:endCxn id="6" idx="0"/>
+            <a:stCxn id="6" idx="3"/>
+            <a:endCxn id="22" idx="1"/>
           </p:cNvCxnSpPr>
           <p:nvPr/>
         </p:nvCxnSpPr>
         <p:spPr>
           <a:xfrm>
-            <a:off x="4328245" y="2630750"/>
-            <a:ext cx="1327560" cy="1591584"/>
+            <a:off x="4767186" y="2770721"/>
+            <a:ext cx="1557326" cy="1935074"/>
           </a:xfrm>
           <a:prstGeom prst="straightConnector1">
             <a:avLst/>
@@ -6177,10 +7332,10 @@
       </p:cxnSp>
       <p:sp>
         <p:nvSpPr>
-          <p:cNvPr id="8" name="TextBox 7">
-            <a:extLst>
-              <a:ext uri="{FF2B5EF4-FFF2-40B4-BE49-F238E27FC236}">
-                <a16:creationId xmlns:a16="http://schemas.microsoft.com/office/drawing/2014/main" id="{67DA0567-2529-6746-7555-46C6C285B366}"/>
+          <p:cNvPr id="6" name="TextBox 5">
+            <a:extLst>
+              <a:ext uri="{FF2B5EF4-FFF2-40B4-BE49-F238E27FC236}">
+                <a16:creationId xmlns:a16="http://schemas.microsoft.com/office/drawing/2014/main" id="{E94196E7-7240-6B06-2FDE-25E107EFA71B}"/>
               </a:ext>
             </a:extLst>
           </p:cNvPr>
@@ -6189,8 +7344,8 @@
         </p:nvSpPr>
         <p:spPr>
           <a:xfrm>
-            <a:off x="1503645" y="4222334"/>
-            <a:ext cx="2089098" cy="369332"/>
+            <a:off x="715756" y="2586055"/>
+            <a:ext cx="4051430" cy="369332"/>
           </a:xfrm>
           <a:prstGeom prst="rect">
             <a:avLst/>
@@ -6203,14 +7358,14 @@
           </a:ln>
         </p:spPr>
         <p:txBody>
-          <a:bodyPr wrap="square" rtlCol="0">
+          <a:bodyPr wrap="none" rtlCol="0">
             <a:spAutoFit/>
           </a:bodyPr>
           <a:lstStyle/>
           <a:p>
             <a:r>
               <a:rPr lang="en-US" dirty="0"/>
-              <a:t>Containers on HPC</a:t>
+              <a:t>Best practices for data science on HPC</a:t>
             </a:r>
             <a:endParaRPr lang="LID4096" dirty="0"/>
           </a:p>
@@ -6221,21 +7376,21 @@
           <p:cNvPr id="9" name="Straight Arrow Connector 8">
             <a:extLst>
               <a:ext uri="{FF2B5EF4-FFF2-40B4-BE49-F238E27FC236}">
-                <a16:creationId xmlns:a16="http://schemas.microsoft.com/office/drawing/2014/main" id="{78415717-70CD-D721-2E80-A149AEA27BA1}"/>
+                <a16:creationId xmlns:a16="http://schemas.microsoft.com/office/drawing/2014/main" id="{91710771-0AE1-3CDB-A31D-51B61521402C}"/>
               </a:ext>
             </a:extLst>
           </p:cNvPr>
           <p:cNvCxnSpPr>
             <a:cxnSpLocks/>
-            <a:stCxn id="4" idx="2"/>
-            <a:endCxn id="8" idx="0"/>
+            <a:stCxn id="6" idx="3"/>
+            <a:endCxn id="10" idx="1"/>
           </p:cNvCxnSpPr>
           <p:nvPr/>
         </p:nvCxnSpPr>
         <p:spPr>
-          <a:xfrm flipH="1">
-            <a:off x="2548194" y="2630750"/>
-            <a:ext cx="1780051" cy="1591584"/>
+          <a:xfrm flipV="1">
+            <a:off x="4767186" y="2401389"/>
+            <a:ext cx="2255804" cy="369332"/>
           </a:xfrm>
           <a:prstGeom prst="straightConnector1">
             <a:avLst/>
@@ -6262,10 +7417,270 @@
           </a:fontRef>
         </p:style>
       </p:cxnSp>
+      <p:sp>
+        <p:nvSpPr>
+          <p:cNvPr id="10" name="TextBox 9">
+            <a:extLst>
+              <a:ext uri="{FF2B5EF4-FFF2-40B4-BE49-F238E27FC236}">
+                <a16:creationId xmlns:a16="http://schemas.microsoft.com/office/drawing/2014/main" id="{0E5EF954-2A2F-D5D8-7E62-09C0C537C759}"/>
+              </a:ext>
+            </a:extLst>
+          </p:cNvPr>
+          <p:cNvSpPr txBox="1"/>
+          <p:nvPr/>
+        </p:nvSpPr>
+        <p:spPr>
+          <a:xfrm>
+            <a:off x="7022990" y="2216723"/>
+            <a:ext cx="2447250" cy="369332"/>
+          </a:xfrm>
+          <a:prstGeom prst="rect">
+            <a:avLst/>
+          </a:prstGeom>
+          <a:noFill/>
+          <a:ln>
+            <a:solidFill>
+              <a:schemeClr val="tx1"/>
+            </a:solidFill>
+          </a:ln>
+        </p:spPr>
+        <p:txBody>
+          <a:bodyPr wrap="square" rtlCol="0">
+            <a:spAutoFit/>
+          </a:bodyPr>
+          <a:lstStyle/>
+          <a:p>
+            <a:r>
+              <a:rPr lang="en-US" dirty="0"/>
+              <a:t>Version control with git</a:t>
+            </a:r>
+            <a:endParaRPr lang="LID4096" dirty="0"/>
+          </a:p>
+        </p:txBody>
+      </p:sp>
+      <p:cxnSp>
+        <p:nvCxnSpPr>
+          <p:cNvPr id="11" name="Straight Arrow Connector 10">
+            <a:extLst>
+              <a:ext uri="{FF2B5EF4-FFF2-40B4-BE49-F238E27FC236}">
+                <a16:creationId xmlns:a16="http://schemas.microsoft.com/office/drawing/2014/main" id="{ED9411DE-0093-61D7-7E6A-22F86D1B75DE}"/>
+              </a:ext>
+            </a:extLst>
+          </p:cNvPr>
+          <p:cNvCxnSpPr>
+            <a:cxnSpLocks/>
+            <a:stCxn id="6" idx="3"/>
+            <a:endCxn id="12" idx="1"/>
+          </p:cNvCxnSpPr>
+          <p:nvPr/>
+        </p:nvCxnSpPr>
+        <p:spPr>
+          <a:xfrm>
+            <a:off x="4767186" y="2770721"/>
+            <a:ext cx="1880915" cy="1297964"/>
+          </a:xfrm>
+          <a:prstGeom prst="straightConnector1">
+            <a:avLst/>
+          </a:prstGeom>
+          <a:ln>
+            <a:solidFill>
+              <a:schemeClr val="tx1"/>
+            </a:solidFill>
+            <a:tailEnd type="triangle"/>
+          </a:ln>
+        </p:spPr>
+        <p:style>
+          <a:lnRef idx="2">
+            <a:schemeClr val="accent1"/>
+          </a:lnRef>
+          <a:fillRef idx="0">
+            <a:schemeClr val="accent1"/>
+          </a:fillRef>
+          <a:effectRef idx="1">
+            <a:schemeClr val="accent1"/>
+          </a:effectRef>
+          <a:fontRef idx="minor">
+            <a:schemeClr val="tx1"/>
+          </a:fontRef>
+        </p:style>
+      </p:cxnSp>
+      <p:sp>
+        <p:nvSpPr>
+          <p:cNvPr id="12" name="TextBox 11">
+            <a:extLst>
+              <a:ext uri="{FF2B5EF4-FFF2-40B4-BE49-F238E27FC236}">
+                <a16:creationId xmlns:a16="http://schemas.microsoft.com/office/drawing/2014/main" id="{56928301-8A9B-923D-CEB1-97B6DA2915E2}"/>
+              </a:ext>
+            </a:extLst>
+          </p:cNvPr>
+          <p:cNvSpPr txBox="1"/>
+          <p:nvPr/>
+        </p:nvSpPr>
+        <p:spPr>
+          <a:xfrm>
+            <a:off x="6648101" y="3884019"/>
+            <a:ext cx="2183312" cy="369332"/>
+          </a:xfrm>
+          <a:prstGeom prst="rect">
+            <a:avLst/>
+          </a:prstGeom>
+          <a:noFill/>
+          <a:ln>
+            <a:solidFill>
+              <a:schemeClr val="tx1"/>
+            </a:solidFill>
+          </a:ln>
+        </p:spPr>
+        <p:txBody>
+          <a:bodyPr wrap="square" rtlCol="0">
+            <a:spAutoFit/>
+          </a:bodyPr>
+          <a:lstStyle/>
+          <a:p>
+            <a:r>
+              <a:rPr lang="en-US" dirty="0"/>
+              <a:t>Containers on HPC</a:t>
+            </a:r>
+            <a:endParaRPr lang="LID4096" dirty="0"/>
+          </a:p>
+        </p:txBody>
+      </p:sp>
+      <p:sp>
+        <p:nvSpPr>
+          <p:cNvPr id="13" name="TextBox 12">
+            <a:extLst>
+              <a:ext uri="{FF2B5EF4-FFF2-40B4-BE49-F238E27FC236}">
+                <a16:creationId xmlns:a16="http://schemas.microsoft.com/office/drawing/2014/main" id="{67F0FB75-0F3E-6997-248D-F2B526438BCC}"/>
+              </a:ext>
+            </a:extLst>
+          </p:cNvPr>
+          <p:cNvSpPr txBox="1"/>
+          <p:nvPr/>
+        </p:nvSpPr>
+        <p:spPr>
+          <a:xfrm>
+            <a:off x="7022990" y="3169845"/>
+            <a:ext cx="2087929" cy="369332"/>
+          </a:xfrm>
+          <a:prstGeom prst="rect">
+            <a:avLst/>
+          </a:prstGeom>
+          <a:noFill/>
+          <a:ln>
+            <a:solidFill>
+              <a:schemeClr val="tx1"/>
+            </a:solidFill>
+          </a:ln>
+        </p:spPr>
+        <p:txBody>
+          <a:bodyPr wrap="square" rtlCol="0">
+            <a:spAutoFit/>
+          </a:bodyPr>
+          <a:lstStyle/>
+          <a:p>
+            <a:r>
+              <a:rPr lang="en-US" dirty="0"/>
+              <a:t>Workflows on HPC</a:t>
+            </a:r>
+            <a:endParaRPr lang="LID4096" dirty="0"/>
+          </a:p>
+        </p:txBody>
+      </p:sp>
+      <p:cxnSp>
+        <p:nvCxnSpPr>
+          <p:cNvPr id="14" name="Straight Arrow Connector 13">
+            <a:extLst>
+              <a:ext uri="{FF2B5EF4-FFF2-40B4-BE49-F238E27FC236}">
+                <a16:creationId xmlns:a16="http://schemas.microsoft.com/office/drawing/2014/main" id="{3CBD00CD-B06B-802D-671B-CC66BA7C6ED0}"/>
+              </a:ext>
+            </a:extLst>
+          </p:cNvPr>
+          <p:cNvCxnSpPr>
+            <a:cxnSpLocks/>
+            <a:stCxn id="6" idx="3"/>
+            <a:endCxn id="13" idx="1"/>
+          </p:cNvCxnSpPr>
+          <p:nvPr/>
+        </p:nvCxnSpPr>
+        <p:spPr>
+          <a:xfrm>
+            <a:off x="4767186" y="2770721"/>
+            <a:ext cx="2255804" cy="583790"/>
+          </a:xfrm>
+          <a:prstGeom prst="straightConnector1">
+            <a:avLst/>
+          </a:prstGeom>
+          <a:ln>
+            <a:solidFill>
+              <a:schemeClr val="tx1"/>
+            </a:solidFill>
+            <a:tailEnd type="triangle"/>
+          </a:ln>
+        </p:spPr>
+        <p:style>
+          <a:lnRef idx="2">
+            <a:schemeClr val="accent1"/>
+          </a:lnRef>
+          <a:fillRef idx="0">
+            <a:schemeClr val="accent1"/>
+          </a:fillRef>
+          <a:effectRef idx="1">
+            <a:schemeClr val="accent1"/>
+          </a:effectRef>
+          <a:fontRef idx="minor">
+            <a:schemeClr val="tx1"/>
+          </a:fontRef>
+        </p:style>
+      </p:cxnSp>
+      <p:sp>
+        <p:nvSpPr>
+          <p:cNvPr id="22" name="TextBox 21">
+            <a:extLst>
+              <a:ext uri="{FF2B5EF4-FFF2-40B4-BE49-F238E27FC236}">
+                <a16:creationId xmlns:a16="http://schemas.microsoft.com/office/drawing/2014/main" id="{8C999F94-425D-A513-9A62-ABC85739F015}"/>
+              </a:ext>
+            </a:extLst>
+          </p:cNvPr>
+          <p:cNvSpPr txBox="1"/>
+          <p:nvPr/>
+        </p:nvSpPr>
+        <p:spPr>
+          <a:xfrm>
+            <a:off x="6324512" y="4521129"/>
+            <a:ext cx="2183312" cy="369332"/>
+          </a:xfrm>
+          <a:prstGeom prst="rect">
+            <a:avLst/>
+          </a:prstGeom>
+          <a:noFill/>
+          <a:ln>
+            <a:solidFill>
+              <a:schemeClr val="tx1"/>
+            </a:solidFill>
+          </a:ln>
+        </p:spPr>
+        <p:txBody>
+          <a:bodyPr wrap="square" rtlCol="0">
+            <a:spAutoFit/>
+          </a:bodyPr>
+          <a:lstStyle/>
+          <a:p>
+            <a:r>
+              <a:rPr lang="en-US" dirty="0" err="1"/>
+              <a:t>MLOps</a:t>
+            </a:r>
+            <a:r>
+              <a:rPr lang="en-US" dirty="0"/>
+              <a:t> on HPC</a:t>
+            </a:r>
+            <a:endParaRPr lang="LID4096" dirty="0"/>
+          </a:p>
+        </p:txBody>
+      </p:sp>
     </p:spTree>
     <p:extLst>
       <p:ext uri="{BB962C8B-B14F-4D97-AF65-F5344CB8AC3E}">
-        <p14:creationId xmlns:p14="http://schemas.microsoft.com/office/powerpoint/2010/main" val="3002920493"/>
+        <p14:creationId xmlns:p14="http://schemas.microsoft.com/office/powerpoint/2010/main" val="2055886807"/>
       </p:ext>
     </p:extLst>
   </p:cSld>
@@ -6297,7 +7712,7 @@
           <p:cNvPr id="2" name="Title 1">
             <a:extLst>
               <a:ext uri="{FF2B5EF4-FFF2-40B4-BE49-F238E27FC236}">
-                <a16:creationId xmlns:a16="http://schemas.microsoft.com/office/drawing/2014/main" id="{3AFEC573-7F16-F0AE-B691-F38A93515907}"/>
+                <a16:creationId xmlns:a16="http://schemas.microsoft.com/office/drawing/2014/main" id="{589ACBCD-2589-B4BB-1EDD-421FB5BC47EA}"/>
               </a:ext>
             </a:extLst>
           </p:cNvPr>
@@ -6315,7 +7730,7 @@
           <a:p>
             <a:r>
               <a:rPr lang="en-US" dirty="0"/>
-              <a:t>Programming</a:t>
+              <a:t>Using HPC systems</a:t>
             </a:r>
             <a:endParaRPr lang="LID4096" dirty="0"/>
           </a:p>
@@ -6323,10 +7738,10 @@
       </p:sp>
       <p:sp>
         <p:nvSpPr>
-          <p:cNvPr id="5" name="TextBox 4">
-            <a:extLst>
-              <a:ext uri="{FF2B5EF4-FFF2-40B4-BE49-F238E27FC236}">
-                <a16:creationId xmlns:a16="http://schemas.microsoft.com/office/drawing/2014/main" id="{E248E3CD-72E8-8C3A-2154-98BAB158BC1D}"/>
+          <p:cNvPr id="3" name="TextBox 2">
+            <a:extLst>
+              <a:ext uri="{FF2B5EF4-FFF2-40B4-BE49-F238E27FC236}">
+                <a16:creationId xmlns:a16="http://schemas.microsoft.com/office/drawing/2014/main" id="{9FFE3FB8-BA22-8CB9-EFBA-87E681E2BF2E}"/>
               </a:ext>
             </a:extLst>
           </p:cNvPr>
@@ -6335,8 +7750,8 @@
         </p:nvSpPr>
         <p:spPr>
           <a:xfrm>
-            <a:off x="5417574" y="2595851"/>
-            <a:ext cx="344966" cy="369332"/>
+            <a:off x="1001221" y="2266335"/>
+            <a:ext cx="1215461" cy="369332"/>
           </a:xfrm>
           <a:prstGeom prst="rect">
             <a:avLst/>
@@ -6356,7 +7771,7 @@
           <a:p>
             <a:r>
               <a:rPr lang="en-US" dirty="0"/>
-              <a:t>C</a:t>
+              <a:t>Linux intro</a:t>
             </a:r>
             <a:endParaRPr lang="LID4096" dirty="0"/>
           </a:p>
@@ -6364,10 +7779,10 @@
       </p:sp>
       <p:sp>
         <p:nvSpPr>
-          <p:cNvPr id="6" name="TextBox 5">
-            <a:extLst>
-              <a:ext uri="{FF2B5EF4-FFF2-40B4-BE49-F238E27FC236}">
-                <a16:creationId xmlns:a16="http://schemas.microsoft.com/office/drawing/2014/main" id="{61219594-4C08-C860-6E5A-162F6A2A6880}"/>
+          <p:cNvPr id="4" name="TextBox 3">
+            <a:extLst>
+              <a:ext uri="{FF2B5EF4-FFF2-40B4-BE49-F238E27FC236}">
+                <a16:creationId xmlns:a16="http://schemas.microsoft.com/office/drawing/2014/main" id="{A4EB27F5-0093-0A7A-612B-FFF9F0CF34BE}"/>
               </a:ext>
             </a:extLst>
           </p:cNvPr>
@@ -6376,8 +7791,8 @@
         </p:nvSpPr>
         <p:spPr>
           <a:xfrm>
-            <a:off x="5452405" y="3602684"/>
-            <a:ext cx="591829" cy="369332"/>
+            <a:off x="3755780" y="2261418"/>
+            <a:ext cx="1144929" cy="369332"/>
           </a:xfrm>
           <a:prstGeom prst="rect">
             <a:avLst/>
@@ -6397,171 +7812,7 @@
           <a:p>
             <a:r>
               <a:rPr lang="en-US" dirty="0"/>
-              <a:t>C++</a:t>
-            </a:r>
-            <a:endParaRPr lang="LID4096" dirty="0"/>
-          </a:p>
-        </p:txBody>
-      </p:sp>
-      <p:sp>
-        <p:nvSpPr>
-          <p:cNvPr id="7" name="TextBox 6">
-            <a:extLst>
-              <a:ext uri="{FF2B5EF4-FFF2-40B4-BE49-F238E27FC236}">
-                <a16:creationId xmlns:a16="http://schemas.microsoft.com/office/drawing/2014/main" id="{A801CCE2-4151-FEE2-A761-69DA8A7170BB}"/>
-              </a:ext>
-            </a:extLst>
-          </p:cNvPr>
-          <p:cNvSpPr txBox="1"/>
-          <p:nvPr/>
-        </p:nvSpPr>
-        <p:spPr>
-          <a:xfrm>
-            <a:off x="4687438" y="4364521"/>
-            <a:ext cx="902619" cy="369332"/>
-          </a:xfrm>
-          <a:prstGeom prst="rect">
-            <a:avLst/>
-          </a:prstGeom>
-          <a:noFill/>
-          <a:ln>
-            <a:solidFill>
-              <a:schemeClr val="tx1"/>
-            </a:solidFill>
-          </a:ln>
-        </p:spPr>
-        <p:txBody>
-          <a:bodyPr wrap="none" rtlCol="0">
-            <a:spAutoFit/>
-          </a:bodyPr>
-          <a:lstStyle/>
-          <a:p>
-            <a:r>
-              <a:rPr lang="en-US" dirty="0"/>
-              <a:t>Fortran</a:t>
-            </a:r>
-            <a:endParaRPr lang="LID4096" dirty="0"/>
-          </a:p>
-        </p:txBody>
-      </p:sp>
-      <p:sp>
-        <p:nvSpPr>
-          <p:cNvPr id="8" name="TextBox 7">
-            <a:extLst>
-              <a:ext uri="{FF2B5EF4-FFF2-40B4-BE49-F238E27FC236}">
-                <a16:creationId xmlns:a16="http://schemas.microsoft.com/office/drawing/2014/main" id="{432115D6-19EF-5B46-DAA8-E42ED35FEDCC}"/>
-              </a:ext>
-            </a:extLst>
-          </p:cNvPr>
-          <p:cNvSpPr txBox="1"/>
-          <p:nvPr/>
-        </p:nvSpPr>
-        <p:spPr>
-          <a:xfrm>
-            <a:off x="4434180" y="1814917"/>
-            <a:ext cx="877420" cy="369332"/>
-          </a:xfrm>
-          <a:prstGeom prst="rect">
-            <a:avLst/>
-          </a:prstGeom>
-          <a:noFill/>
-          <a:ln>
-            <a:solidFill>
-              <a:schemeClr val="tx1"/>
-            </a:solidFill>
-          </a:ln>
-        </p:spPr>
-        <p:txBody>
-          <a:bodyPr wrap="none" rtlCol="0">
-            <a:spAutoFit/>
-          </a:bodyPr>
-          <a:lstStyle/>
-          <a:p>
-            <a:r>
-              <a:rPr lang="en-US" dirty="0"/>
-              <a:t>Python</a:t>
-            </a:r>
-            <a:endParaRPr lang="LID4096" dirty="0"/>
-          </a:p>
-        </p:txBody>
-      </p:sp>
-      <p:sp>
-        <p:nvSpPr>
-          <p:cNvPr id="9" name="TextBox 8">
-            <a:extLst>
-              <a:ext uri="{FF2B5EF4-FFF2-40B4-BE49-F238E27FC236}">
-                <a16:creationId xmlns:a16="http://schemas.microsoft.com/office/drawing/2014/main" id="{E42D5B2B-1E67-4307-120B-764C7DA8B4BB}"/>
-              </a:ext>
-            </a:extLst>
-          </p:cNvPr>
-          <p:cNvSpPr txBox="1"/>
-          <p:nvPr/>
-        </p:nvSpPr>
-        <p:spPr>
-          <a:xfrm>
-            <a:off x="4068663" y="5172697"/>
-            <a:ext cx="731034" cy="369332"/>
-          </a:xfrm>
-          <a:prstGeom prst="rect">
-            <a:avLst/>
-          </a:prstGeom>
-          <a:noFill/>
-          <a:ln>
-            <a:solidFill>
-              <a:schemeClr val="tx1"/>
-            </a:solidFill>
-          </a:ln>
-        </p:spPr>
-        <p:txBody>
-          <a:bodyPr wrap="none" rtlCol="0">
-            <a:spAutoFit/>
-          </a:bodyPr>
-          <a:lstStyle/>
-          <a:p>
-            <a:r>
-              <a:rPr lang="en-US" dirty="0" err="1"/>
-              <a:t>Juliav</a:t>
-            </a:r>
-            <a:endParaRPr lang="en-US" dirty="0"/>
-          </a:p>
-        </p:txBody>
-      </p:sp>
-      <p:sp>
-        <p:nvSpPr>
-          <p:cNvPr id="3" name="TextBox 2">
-            <a:extLst>
-              <a:ext uri="{FF2B5EF4-FFF2-40B4-BE49-F238E27FC236}">
-                <a16:creationId xmlns:a16="http://schemas.microsoft.com/office/drawing/2014/main" id="{857B91AA-3453-1F2A-428A-3ACE67180339}"/>
-              </a:ext>
-            </a:extLst>
-          </p:cNvPr>
-          <p:cNvSpPr txBox="1"/>
-          <p:nvPr/>
-        </p:nvSpPr>
-        <p:spPr>
-          <a:xfrm>
-            <a:off x="838200" y="3054817"/>
-            <a:ext cx="1509324" cy="369332"/>
-          </a:xfrm>
-          <a:prstGeom prst="rect">
-            <a:avLst/>
-          </a:prstGeom>
-          <a:noFill/>
-          <a:ln>
-            <a:solidFill>
-              <a:schemeClr val="tx1"/>
-            </a:solidFill>
-          </a:ln>
-        </p:spPr>
-        <p:txBody>
-          <a:bodyPr wrap="none" rtlCol="0">
-            <a:spAutoFit/>
-          </a:bodyPr>
-          <a:lstStyle/>
-          <a:p>
-            <a:r>
-              <a:rPr lang="en-US" dirty="0"/>
-              <a:t>Programming</a:t>
+              <a:t>HPC intro</a:t>
             </a:r>
             <a:endParaRPr lang="LID4096" dirty="0"/>
           </a:p>
@@ -6569,24 +7820,23 @@
       </p:sp>
       <p:cxnSp>
         <p:nvCxnSpPr>
-          <p:cNvPr id="11" name="Straight Arrow Connector 10">
-            <a:extLst>
-              <a:ext uri="{FF2B5EF4-FFF2-40B4-BE49-F238E27FC236}">
-                <a16:creationId xmlns:a16="http://schemas.microsoft.com/office/drawing/2014/main" id="{298357E7-1559-D354-751C-750DDC54C30B}"/>
+          <p:cNvPr id="5" name="Straight Arrow Connector 4">
+            <a:extLst>
+              <a:ext uri="{FF2B5EF4-FFF2-40B4-BE49-F238E27FC236}">
+                <a16:creationId xmlns:a16="http://schemas.microsoft.com/office/drawing/2014/main" id="{027B2D53-5924-76D0-5551-642A17FE0F03}"/>
               </a:ext>
             </a:extLst>
           </p:cNvPr>
           <p:cNvCxnSpPr>
-            <a:cxnSpLocks/>
             <a:stCxn id="3" idx="3"/>
-            <a:endCxn id="8" idx="1"/>
+            <a:endCxn id="4" idx="1"/>
           </p:cNvCxnSpPr>
           <p:nvPr/>
         </p:nvCxnSpPr>
         <p:spPr>
           <a:xfrm flipV="1">
-            <a:off x="2347524" y="1999583"/>
-            <a:ext cx="2086656" cy="1239900"/>
+            <a:off x="2216682" y="2446084"/>
+            <a:ext cx="1539098" cy="4917"/>
           </a:xfrm>
           <a:prstGeom prst="straightConnector1">
             <a:avLst/>
@@ -6613,26 +7863,67 @@
           </a:fontRef>
         </p:style>
       </p:cxnSp>
+      <p:sp>
+        <p:nvSpPr>
+          <p:cNvPr id="6" name="TextBox 5">
+            <a:extLst>
+              <a:ext uri="{FF2B5EF4-FFF2-40B4-BE49-F238E27FC236}">
+                <a16:creationId xmlns:a16="http://schemas.microsoft.com/office/drawing/2014/main" id="{359D9F54-CCFE-D1F3-E49F-37B42777BAE4}"/>
+              </a:ext>
+            </a:extLst>
+          </p:cNvPr>
+          <p:cNvSpPr txBox="1"/>
+          <p:nvPr/>
+        </p:nvSpPr>
+        <p:spPr>
+          <a:xfrm>
+            <a:off x="4641649" y="4222334"/>
+            <a:ext cx="1922321" cy="369332"/>
+          </a:xfrm>
+          <a:prstGeom prst="rect">
+            <a:avLst/>
+          </a:prstGeom>
+          <a:noFill/>
+          <a:ln>
+            <a:solidFill>
+              <a:schemeClr val="tx1"/>
+            </a:solidFill>
+          </a:ln>
+        </p:spPr>
+        <p:txBody>
+          <a:bodyPr wrap="none" rtlCol="0">
+            <a:spAutoFit/>
+          </a:bodyPr>
+          <a:lstStyle/>
+          <a:p>
+            <a:r>
+              <a:rPr lang="en-US" dirty="0"/>
+              <a:t>Workflow on HPC</a:t>
+            </a:r>
+            <a:endParaRPr lang="LID4096" dirty="0"/>
+          </a:p>
+        </p:txBody>
+      </p:sp>
       <p:cxnSp>
         <p:nvCxnSpPr>
-          <p:cNvPr id="14" name="Straight Arrow Connector 13">
-            <a:extLst>
-              <a:ext uri="{FF2B5EF4-FFF2-40B4-BE49-F238E27FC236}">
-                <a16:creationId xmlns:a16="http://schemas.microsoft.com/office/drawing/2014/main" id="{1FE3A5F3-061E-058C-482A-2C8EA261AD2F}"/>
+          <p:cNvPr id="7" name="Straight Arrow Connector 6">
+            <a:extLst>
+              <a:ext uri="{FF2B5EF4-FFF2-40B4-BE49-F238E27FC236}">
+                <a16:creationId xmlns:a16="http://schemas.microsoft.com/office/drawing/2014/main" id="{00331554-3711-B47E-8506-3546E7E72A29}"/>
               </a:ext>
             </a:extLst>
           </p:cNvPr>
           <p:cNvCxnSpPr>
             <a:cxnSpLocks/>
-            <a:stCxn id="3" idx="3"/>
-            <a:endCxn id="5" idx="1"/>
+            <a:stCxn id="4" idx="2"/>
+            <a:endCxn id="6" idx="0"/>
           </p:cNvCxnSpPr>
           <p:nvPr/>
         </p:nvCxnSpPr>
         <p:spPr>
-          <a:xfrm flipV="1">
-            <a:off x="2347524" y="2780517"/>
-            <a:ext cx="3070050" cy="458966"/>
+          <a:xfrm>
+            <a:off x="4328245" y="2630750"/>
+            <a:ext cx="1274565" cy="1591584"/>
           </a:xfrm>
           <a:prstGeom prst="straightConnector1">
             <a:avLst/>
@@ -6659,150 +7950,12 @@
           </a:fontRef>
         </p:style>
       </p:cxnSp>
-      <p:cxnSp>
-        <p:nvCxnSpPr>
-          <p:cNvPr id="17" name="Straight Arrow Connector 16">
-            <a:extLst>
-              <a:ext uri="{FF2B5EF4-FFF2-40B4-BE49-F238E27FC236}">
-                <a16:creationId xmlns:a16="http://schemas.microsoft.com/office/drawing/2014/main" id="{8BA31992-7FDA-10F8-98A9-EADFA2573394}"/>
-              </a:ext>
-            </a:extLst>
-          </p:cNvPr>
-          <p:cNvCxnSpPr>
-            <a:cxnSpLocks/>
-            <a:stCxn id="3" idx="3"/>
-            <a:endCxn id="6" idx="1"/>
-          </p:cNvCxnSpPr>
-          <p:nvPr/>
-        </p:nvCxnSpPr>
-        <p:spPr>
-          <a:xfrm>
-            <a:off x="2347524" y="3239483"/>
-            <a:ext cx="3104881" cy="547867"/>
-          </a:xfrm>
-          <a:prstGeom prst="straightConnector1">
-            <a:avLst/>
-          </a:prstGeom>
-          <a:ln>
-            <a:solidFill>
-              <a:schemeClr val="tx1"/>
-            </a:solidFill>
-            <a:tailEnd type="triangle"/>
-          </a:ln>
-        </p:spPr>
-        <p:style>
-          <a:lnRef idx="2">
-            <a:schemeClr val="accent1"/>
-          </a:lnRef>
-          <a:fillRef idx="0">
-            <a:schemeClr val="accent1"/>
-          </a:fillRef>
-          <a:effectRef idx="1">
-            <a:schemeClr val="accent1"/>
-          </a:effectRef>
-          <a:fontRef idx="minor">
-            <a:schemeClr val="tx1"/>
-          </a:fontRef>
-        </p:style>
-      </p:cxnSp>
-      <p:cxnSp>
-        <p:nvCxnSpPr>
-          <p:cNvPr id="20" name="Straight Arrow Connector 19">
-            <a:extLst>
-              <a:ext uri="{FF2B5EF4-FFF2-40B4-BE49-F238E27FC236}">
-                <a16:creationId xmlns:a16="http://schemas.microsoft.com/office/drawing/2014/main" id="{D405BF1F-E2A9-B2BE-65F4-984ACCFF45FA}"/>
-              </a:ext>
-            </a:extLst>
-          </p:cNvPr>
-          <p:cNvCxnSpPr>
-            <a:cxnSpLocks/>
-            <a:stCxn id="3" idx="3"/>
-            <a:endCxn id="7" idx="1"/>
-          </p:cNvCxnSpPr>
-          <p:nvPr/>
-        </p:nvCxnSpPr>
-        <p:spPr>
-          <a:xfrm>
-            <a:off x="2347524" y="3239483"/>
-            <a:ext cx="2339914" cy="1309704"/>
-          </a:xfrm>
-          <a:prstGeom prst="straightConnector1">
-            <a:avLst/>
-          </a:prstGeom>
-          <a:ln>
-            <a:solidFill>
-              <a:schemeClr val="tx1"/>
-            </a:solidFill>
-            <a:tailEnd type="triangle"/>
-          </a:ln>
-        </p:spPr>
-        <p:style>
-          <a:lnRef idx="2">
-            <a:schemeClr val="accent1"/>
-          </a:lnRef>
-          <a:fillRef idx="0">
-            <a:schemeClr val="accent1"/>
-          </a:fillRef>
-          <a:effectRef idx="1">
-            <a:schemeClr val="accent1"/>
-          </a:effectRef>
-          <a:fontRef idx="minor">
-            <a:schemeClr val="tx1"/>
-          </a:fontRef>
-        </p:style>
-      </p:cxnSp>
-      <p:cxnSp>
-        <p:nvCxnSpPr>
-          <p:cNvPr id="23" name="Straight Arrow Connector 22">
-            <a:extLst>
-              <a:ext uri="{FF2B5EF4-FFF2-40B4-BE49-F238E27FC236}">
-                <a16:creationId xmlns:a16="http://schemas.microsoft.com/office/drawing/2014/main" id="{67D0241D-35B8-41BB-E72A-30A30A1161AA}"/>
-              </a:ext>
-            </a:extLst>
-          </p:cNvPr>
-          <p:cNvCxnSpPr>
-            <a:cxnSpLocks/>
-            <a:stCxn id="3" idx="3"/>
-            <a:endCxn id="9" idx="1"/>
-          </p:cNvCxnSpPr>
-          <p:nvPr/>
-        </p:nvCxnSpPr>
-        <p:spPr>
-          <a:xfrm>
-            <a:off x="2347524" y="3239483"/>
-            <a:ext cx="1721139" cy="2117880"/>
-          </a:xfrm>
-          <a:prstGeom prst="straightConnector1">
-            <a:avLst/>
-          </a:prstGeom>
-          <a:ln>
-            <a:solidFill>
-              <a:schemeClr val="tx1"/>
-            </a:solidFill>
-            <a:tailEnd type="triangle"/>
-          </a:ln>
-        </p:spPr>
-        <p:style>
-          <a:lnRef idx="2">
-            <a:schemeClr val="accent1"/>
-          </a:lnRef>
-          <a:fillRef idx="0">
-            <a:schemeClr val="accent1"/>
-          </a:fillRef>
-          <a:effectRef idx="1">
-            <a:schemeClr val="accent1"/>
-          </a:effectRef>
-          <a:fontRef idx="minor">
-            <a:schemeClr val="tx1"/>
-          </a:fontRef>
-        </p:style>
-      </p:cxnSp>
-      <p:sp>
-        <p:nvSpPr>
-          <p:cNvPr id="29" name="TextBox 28">
-            <a:extLst>
-              <a:ext uri="{FF2B5EF4-FFF2-40B4-BE49-F238E27FC236}">
-                <a16:creationId xmlns:a16="http://schemas.microsoft.com/office/drawing/2014/main" id="{592CA7B5-CD30-46A1-61B4-8CED50BC2BBF}"/>
+      <p:sp>
+        <p:nvSpPr>
+          <p:cNvPr id="8" name="TextBox 7">
+            <a:extLst>
+              <a:ext uri="{FF2B5EF4-FFF2-40B4-BE49-F238E27FC236}">
+                <a16:creationId xmlns:a16="http://schemas.microsoft.com/office/drawing/2014/main" id="{67DA0567-2529-6746-7555-46C6C285B366}"/>
               </a:ext>
             </a:extLst>
           </p:cNvPr>
@@ -6811,95 +7964,8 @@
         </p:nvSpPr>
         <p:spPr>
           <a:xfrm>
-            <a:off x="6720253" y="3255316"/>
-            <a:ext cx="2274020" cy="369332"/>
-          </a:xfrm>
-          <a:prstGeom prst="rect">
-            <a:avLst/>
-          </a:prstGeom>
-          <a:noFill/>
-          <a:ln>
-            <a:solidFill>
-              <a:schemeClr val="tx1"/>
-            </a:solidFill>
-          </a:ln>
-        </p:spPr>
-        <p:txBody>
-          <a:bodyPr wrap="none" rtlCol="0">
-            <a:spAutoFit/>
-          </a:bodyPr>
-          <a:lstStyle/>
-          <a:p>
-            <a:r>
-              <a:rPr lang="en-US" dirty="0"/>
-              <a:t>Software engineering</a:t>
-            </a:r>
-            <a:endParaRPr lang="LID4096" dirty="0"/>
-          </a:p>
-        </p:txBody>
-      </p:sp>
-      <p:cxnSp>
-        <p:nvCxnSpPr>
-          <p:cNvPr id="30" name="Straight Arrow Connector 29">
-            <a:extLst>
-              <a:ext uri="{FF2B5EF4-FFF2-40B4-BE49-F238E27FC236}">
-                <a16:creationId xmlns:a16="http://schemas.microsoft.com/office/drawing/2014/main" id="{BCEE50EB-9716-FDDC-9456-F045D789ABA4}"/>
-              </a:ext>
-            </a:extLst>
-          </p:cNvPr>
-          <p:cNvCxnSpPr>
-            <a:cxnSpLocks/>
-            <a:stCxn id="8" idx="3"/>
-            <a:endCxn id="29" idx="1"/>
-          </p:cNvCxnSpPr>
-          <p:nvPr/>
-        </p:nvCxnSpPr>
-        <p:spPr>
-          <a:xfrm>
-            <a:off x="5311600" y="1999583"/>
-            <a:ext cx="1408653" cy="1440399"/>
-          </a:xfrm>
-          <a:prstGeom prst="straightConnector1">
-            <a:avLst/>
-          </a:prstGeom>
-          <a:ln>
-            <a:solidFill>
-              <a:schemeClr val="tx1"/>
-            </a:solidFill>
-            <a:tailEnd type="triangle"/>
-          </a:ln>
-        </p:spPr>
-        <p:style>
-          <a:lnRef idx="2">
-            <a:schemeClr val="accent1"/>
-          </a:lnRef>
-          <a:fillRef idx="0">
-            <a:schemeClr val="accent1"/>
-          </a:fillRef>
-          <a:effectRef idx="1">
-            <a:schemeClr val="accent1"/>
-          </a:effectRef>
-          <a:fontRef idx="minor">
-            <a:schemeClr val="tx1"/>
-          </a:fontRef>
-        </p:style>
-      </p:cxnSp>
-      <p:sp>
-        <p:nvSpPr>
-          <p:cNvPr id="37" name="TextBox 36">
-            <a:extLst>
-              <a:ext uri="{FF2B5EF4-FFF2-40B4-BE49-F238E27FC236}">
-                <a16:creationId xmlns:a16="http://schemas.microsoft.com/office/drawing/2014/main" id="{2713159F-3867-CFA7-882C-4E5D81A41729}"/>
-              </a:ext>
-            </a:extLst>
-          </p:cNvPr>
-          <p:cNvSpPr txBox="1"/>
-          <p:nvPr/>
-        </p:nvSpPr>
-        <p:spPr>
-          <a:xfrm>
-            <a:off x="9497154" y="2893198"/>
-            <a:ext cx="2296847" cy="369332"/>
+            <a:off x="1503645" y="4222334"/>
+            <a:ext cx="2089098" cy="369332"/>
           </a:xfrm>
           <a:prstGeom prst="rect">
             <a:avLst/>
@@ -6919,7 +7985,7 @@
           <a:p>
             <a:r>
               <a:rPr lang="en-US" dirty="0"/>
-              <a:t>Parallel programming</a:t>
+              <a:t>Containers on HPC</a:t>
             </a:r>
             <a:endParaRPr lang="LID4096" dirty="0"/>
           </a:p>
@@ -6927,249 +7993,24 @@
       </p:sp>
       <p:cxnSp>
         <p:nvCxnSpPr>
-          <p:cNvPr id="38" name="Straight Arrow Connector 37">
-            <a:extLst>
-              <a:ext uri="{FF2B5EF4-FFF2-40B4-BE49-F238E27FC236}">
-                <a16:creationId xmlns:a16="http://schemas.microsoft.com/office/drawing/2014/main" id="{102804E3-ABD8-5C44-79CE-D28E89970E19}"/>
+          <p:cNvPr id="9" name="Straight Arrow Connector 8">
+            <a:extLst>
+              <a:ext uri="{FF2B5EF4-FFF2-40B4-BE49-F238E27FC236}">
+                <a16:creationId xmlns:a16="http://schemas.microsoft.com/office/drawing/2014/main" id="{78415717-70CD-D721-2E80-A149AEA27BA1}"/>
               </a:ext>
             </a:extLst>
           </p:cNvPr>
           <p:cNvCxnSpPr>
             <a:cxnSpLocks/>
-            <a:stCxn id="29" idx="3"/>
-            <a:endCxn id="37" idx="1"/>
+            <a:stCxn id="4" idx="2"/>
+            <a:endCxn id="8" idx="0"/>
           </p:cNvCxnSpPr>
           <p:nvPr/>
         </p:nvCxnSpPr>
         <p:spPr>
-          <a:xfrm flipV="1">
-            <a:off x="8994273" y="3077864"/>
-            <a:ext cx="502881" cy="362118"/>
-          </a:xfrm>
-          <a:prstGeom prst="straightConnector1">
-            <a:avLst/>
-          </a:prstGeom>
-          <a:ln>
-            <a:solidFill>
-              <a:schemeClr val="tx1"/>
-            </a:solidFill>
-            <a:tailEnd type="triangle"/>
-          </a:ln>
-        </p:spPr>
-        <p:style>
-          <a:lnRef idx="2">
-            <a:schemeClr val="accent1"/>
-          </a:lnRef>
-          <a:fillRef idx="0">
-            <a:schemeClr val="accent1"/>
-          </a:fillRef>
-          <a:effectRef idx="1">
-            <a:schemeClr val="accent1"/>
-          </a:effectRef>
-          <a:fontRef idx="minor">
-            <a:schemeClr val="tx1"/>
-          </a:fontRef>
-        </p:style>
-      </p:cxnSp>
-      <p:sp>
-        <p:nvSpPr>
-          <p:cNvPr id="42" name="TextBox 41">
-            <a:extLst>
-              <a:ext uri="{FF2B5EF4-FFF2-40B4-BE49-F238E27FC236}">
-                <a16:creationId xmlns:a16="http://schemas.microsoft.com/office/drawing/2014/main" id="{BF9CFD8D-35EE-44C8-6CA3-ED581337460F}"/>
-              </a:ext>
-            </a:extLst>
-          </p:cNvPr>
-          <p:cNvSpPr txBox="1"/>
-          <p:nvPr/>
-        </p:nvSpPr>
-        <p:spPr>
-          <a:xfrm>
-            <a:off x="9570896" y="3722323"/>
-            <a:ext cx="2296847" cy="369332"/>
-          </a:xfrm>
-          <a:prstGeom prst="rect">
-            <a:avLst/>
-          </a:prstGeom>
-          <a:noFill/>
-          <a:ln>
-            <a:solidFill>
-              <a:schemeClr val="tx1"/>
-            </a:solidFill>
-          </a:ln>
-        </p:spPr>
-        <p:txBody>
-          <a:bodyPr wrap="square" rtlCol="0">
-            <a:spAutoFit/>
-          </a:bodyPr>
-          <a:lstStyle/>
-          <a:p>
-            <a:r>
-              <a:rPr lang="en-US" dirty="0"/>
-              <a:t>GPU programming</a:t>
-            </a:r>
-            <a:endParaRPr lang="LID4096" dirty="0"/>
-          </a:p>
-        </p:txBody>
-      </p:sp>
-      <p:cxnSp>
-        <p:nvCxnSpPr>
-          <p:cNvPr id="43" name="Straight Arrow Connector 42">
-            <a:extLst>
-              <a:ext uri="{FF2B5EF4-FFF2-40B4-BE49-F238E27FC236}">
-                <a16:creationId xmlns:a16="http://schemas.microsoft.com/office/drawing/2014/main" id="{67F673E4-E744-3A9F-1350-87879992C530}"/>
-              </a:ext>
-            </a:extLst>
-          </p:cNvPr>
-          <p:cNvCxnSpPr>
-            <a:cxnSpLocks/>
-            <a:stCxn id="29" idx="3"/>
-            <a:endCxn id="42" idx="1"/>
-          </p:cNvCxnSpPr>
-          <p:nvPr/>
-        </p:nvCxnSpPr>
-        <p:spPr>
-          <a:xfrm>
-            <a:off x="8994273" y="3439982"/>
-            <a:ext cx="576623" cy="467007"/>
-          </a:xfrm>
-          <a:prstGeom prst="straightConnector1">
-            <a:avLst/>
-          </a:prstGeom>
-          <a:ln>
-            <a:solidFill>
-              <a:schemeClr val="tx1"/>
-            </a:solidFill>
-            <a:tailEnd type="triangle"/>
-          </a:ln>
-        </p:spPr>
-        <p:style>
-          <a:lnRef idx="2">
-            <a:schemeClr val="accent1"/>
-          </a:lnRef>
-          <a:fillRef idx="0">
-            <a:schemeClr val="accent1"/>
-          </a:fillRef>
-          <a:effectRef idx="1">
-            <a:schemeClr val="accent1"/>
-          </a:effectRef>
-          <a:fontRef idx="minor">
-            <a:schemeClr val="tx1"/>
-          </a:fontRef>
-        </p:style>
-      </p:cxnSp>
-      <p:cxnSp>
-        <p:nvCxnSpPr>
-          <p:cNvPr id="32" name="Straight Arrow Connector 31">
-            <a:extLst>
-              <a:ext uri="{FF2B5EF4-FFF2-40B4-BE49-F238E27FC236}">
-                <a16:creationId xmlns:a16="http://schemas.microsoft.com/office/drawing/2014/main" id="{6C97236C-00C6-2755-37CC-5D5CA46DB6CA}"/>
-              </a:ext>
-            </a:extLst>
-          </p:cNvPr>
-          <p:cNvCxnSpPr>
-            <a:cxnSpLocks/>
-            <a:stCxn id="5" idx="3"/>
-            <a:endCxn id="29" idx="1"/>
-          </p:cNvCxnSpPr>
-          <p:nvPr/>
-        </p:nvCxnSpPr>
-        <p:spPr>
-          <a:xfrm>
-            <a:off x="5762540" y="2780517"/>
-            <a:ext cx="957713" cy="659465"/>
-          </a:xfrm>
-          <a:prstGeom prst="straightConnector1">
-            <a:avLst/>
-          </a:prstGeom>
-          <a:ln>
-            <a:solidFill>
-              <a:schemeClr val="tx1"/>
-            </a:solidFill>
-            <a:tailEnd type="triangle"/>
-          </a:ln>
-        </p:spPr>
-        <p:style>
-          <a:lnRef idx="2">
-            <a:schemeClr val="accent1"/>
-          </a:lnRef>
-          <a:fillRef idx="0">
-            <a:schemeClr val="accent1"/>
-          </a:fillRef>
-          <a:effectRef idx="1">
-            <a:schemeClr val="accent1"/>
-          </a:effectRef>
-          <a:fontRef idx="minor">
-            <a:schemeClr val="tx1"/>
-          </a:fontRef>
-        </p:style>
-      </p:cxnSp>
-      <p:cxnSp>
-        <p:nvCxnSpPr>
-          <p:cNvPr id="35" name="Straight Arrow Connector 34">
-            <a:extLst>
-              <a:ext uri="{FF2B5EF4-FFF2-40B4-BE49-F238E27FC236}">
-                <a16:creationId xmlns:a16="http://schemas.microsoft.com/office/drawing/2014/main" id="{1184B562-8293-F125-47A7-9B4162B88046}"/>
-              </a:ext>
-            </a:extLst>
-          </p:cNvPr>
-          <p:cNvCxnSpPr>
-            <a:cxnSpLocks/>
-            <a:stCxn id="6" idx="3"/>
-            <a:endCxn id="29" idx="1"/>
-          </p:cNvCxnSpPr>
-          <p:nvPr/>
-        </p:nvCxnSpPr>
-        <p:spPr>
-          <a:xfrm flipV="1">
-            <a:off x="6044234" y="3439982"/>
-            <a:ext cx="676019" cy="347368"/>
-          </a:xfrm>
-          <a:prstGeom prst="straightConnector1">
-            <a:avLst/>
-          </a:prstGeom>
-          <a:ln>
-            <a:solidFill>
-              <a:schemeClr val="tx1"/>
-            </a:solidFill>
-            <a:tailEnd type="triangle"/>
-          </a:ln>
-        </p:spPr>
-        <p:style>
-          <a:lnRef idx="2">
-            <a:schemeClr val="accent1"/>
-          </a:lnRef>
-          <a:fillRef idx="0">
-            <a:schemeClr val="accent1"/>
-          </a:fillRef>
-          <a:effectRef idx="1">
-            <a:schemeClr val="accent1"/>
-          </a:effectRef>
-          <a:fontRef idx="minor">
-            <a:schemeClr val="tx1"/>
-          </a:fontRef>
-        </p:style>
-      </p:cxnSp>
-      <p:cxnSp>
-        <p:nvCxnSpPr>
-          <p:cNvPr id="40" name="Straight Arrow Connector 39">
-            <a:extLst>
-              <a:ext uri="{FF2B5EF4-FFF2-40B4-BE49-F238E27FC236}">
-                <a16:creationId xmlns:a16="http://schemas.microsoft.com/office/drawing/2014/main" id="{49999641-BA7F-4AEE-BF99-BFBD26305215}"/>
-              </a:ext>
-            </a:extLst>
-          </p:cNvPr>
-          <p:cNvCxnSpPr>
-            <a:cxnSpLocks/>
-            <a:stCxn id="7" idx="3"/>
-            <a:endCxn id="29" idx="1"/>
-          </p:cNvCxnSpPr>
-          <p:nvPr/>
-        </p:nvCxnSpPr>
-        <p:spPr>
-          <a:xfrm flipV="1">
-            <a:off x="5590057" y="3439982"/>
-            <a:ext cx="1130196" cy="1109205"/>
+          <a:xfrm flipH="1">
+            <a:off x="2548194" y="2630750"/>
+            <a:ext cx="1780051" cy="1591584"/>
           </a:xfrm>
           <a:prstGeom prst="straightConnector1">
             <a:avLst/>
@@ -7199,7 +8040,7 @@
     </p:spTree>
     <p:extLst>
       <p:ext uri="{BB962C8B-B14F-4D97-AF65-F5344CB8AC3E}">
-        <p14:creationId xmlns:p14="http://schemas.microsoft.com/office/powerpoint/2010/main" val="2964700309"/>
+        <p14:creationId xmlns:p14="http://schemas.microsoft.com/office/powerpoint/2010/main" val="3002920493"/>
       </p:ext>
     </p:extLst>
   </p:cSld>
@@ -7231,7 +8072,7 @@
           <p:cNvPr id="2" name="Title 1">
             <a:extLst>
               <a:ext uri="{FF2B5EF4-FFF2-40B4-BE49-F238E27FC236}">
-                <a16:creationId xmlns:a16="http://schemas.microsoft.com/office/drawing/2014/main" id="{99FA5B57-70A4-2B70-5CBB-BB5C5115130E}"/>
+                <a16:creationId xmlns:a16="http://schemas.microsoft.com/office/drawing/2014/main" id="{3AFEC573-7F16-F0AE-B691-F38A93515907}"/>
               </a:ext>
             </a:extLst>
           </p:cNvPr>
@@ -7249,7 +8090,7 @@
           <a:p>
             <a:r>
               <a:rPr lang="en-US" dirty="0"/>
-              <a:t>Programming: Python</a:t>
+              <a:t>Programming</a:t>
             </a:r>
             <a:endParaRPr lang="LID4096" dirty="0"/>
           </a:p>
@@ -7257,10 +8098,10 @@
       </p:sp>
       <p:sp>
         <p:nvSpPr>
-          <p:cNvPr id="3" name="TextBox 2">
-            <a:extLst>
-              <a:ext uri="{FF2B5EF4-FFF2-40B4-BE49-F238E27FC236}">
-                <a16:creationId xmlns:a16="http://schemas.microsoft.com/office/drawing/2014/main" id="{89CB1031-7B2F-67DB-C651-1776F68C22B5}"/>
+          <p:cNvPr id="5" name="TextBox 4">
+            <a:extLst>
+              <a:ext uri="{FF2B5EF4-FFF2-40B4-BE49-F238E27FC236}">
+                <a16:creationId xmlns:a16="http://schemas.microsoft.com/office/drawing/2014/main" id="{E248E3CD-72E8-8C3A-2154-98BAB158BC1D}"/>
               </a:ext>
             </a:extLst>
           </p:cNvPr>
@@ -7269,8 +8110,8 @@
         </p:nvSpPr>
         <p:spPr>
           <a:xfrm>
-            <a:off x="3633020" y="1690688"/>
-            <a:ext cx="2579039" cy="369332"/>
+            <a:off x="5417574" y="2595851"/>
+            <a:ext cx="344966" cy="369332"/>
           </a:xfrm>
           <a:prstGeom prst="rect">
             <a:avLst/>
@@ -7289,31 +8130,19 @@
           <a:lstStyle/>
           <a:p>
             <a:r>
-              <a:rPr lang="en-US" dirty="0">
-                <a:ln>
-                  <a:solidFill>
-                    <a:sysClr val="windowText" lastClr="000000"/>
-                  </a:solidFill>
-                </a:ln>
-              </a:rPr>
-              <a:t>Python for programmers</a:t>
-            </a:r>
-            <a:endParaRPr lang="LID4096" dirty="0">
-              <a:ln>
-                <a:solidFill>
-                  <a:sysClr val="windowText" lastClr="000000"/>
-                </a:solidFill>
-              </a:ln>
-            </a:endParaRPr>
-          </a:p>
-        </p:txBody>
-      </p:sp>
-      <p:sp>
-        <p:nvSpPr>
-          <p:cNvPr id="4" name="TextBox 3">
-            <a:extLst>
-              <a:ext uri="{FF2B5EF4-FFF2-40B4-BE49-F238E27FC236}">
-                <a16:creationId xmlns:a16="http://schemas.microsoft.com/office/drawing/2014/main" id="{D5E7072A-0936-D875-5D5E-7A184EE0FCDE}"/>
+              <a:rPr lang="en-US" dirty="0"/>
+              <a:t>C</a:t>
+            </a:r>
+            <a:endParaRPr lang="LID4096" dirty="0"/>
+          </a:p>
+        </p:txBody>
+      </p:sp>
+      <p:sp>
+        <p:nvSpPr>
+          <p:cNvPr id="6" name="TextBox 5">
+            <a:extLst>
+              <a:ext uri="{FF2B5EF4-FFF2-40B4-BE49-F238E27FC236}">
+                <a16:creationId xmlns:a16="http://schemas.microsoft.com/office/drawing/2014/main" id="{61219594-4C08-C860-6E5A-162F6A2A6880}"/>
               </a:ext>
             </a:extLst>
           </p:cNvPr>
@@ -7322,8 +8151,8 @@
         </p:nvSpPr>
         <p:spPr>
           <a:xfrm>
-            <a:off x="7704118" y="1690227"/>
-            <a:ext cx="2995628" cy="369332"/>
+            <a:off x="5452405" y="3602684"/>
+            <a:ext cx="591829" cy="369332"/>
           </a:xfrm>
           <a:prstGeom prst="rect">
             <a:avLst/>
@@ -7342,31 +8171,19 @@
           <a:lstStyle/>
           <a:p>
             <a:r>
-              <a:rPr lang="en-US" dirty="0">
-                <a:ln>
-                  <a:solidFill>
-                    <a:sysClr val="windowText" lastClr="000000"/>
-                  </a:solidFill>
-                </a:ln>
-              </a:rPr>
-              <a:t>Python software engineering</a:t>
-            </a:r>
-            <a:endParaRPr lang="LID4096" dirty="0">
-              <a:ln>
-                <a:solidFill>
-                  <a:sysClr val="windowText" lastClr="000000"/>
-                </a:solidFill>
-              </a:ln>
-            </a:endParaRPr>
-          </a:p>
-        </p:txBody>
-      </p:sp>
-      <p:sp>
-        <p:nvSpPr>
-          <p:cNvPr id="5" name="TextBox 4">
-            <a:extLst>
-              <a:ext uri="{FF2B5EF4-FFF2-40B4-BE49-F238E27FC236}">
-                <a16:creationId xmlns:a16="http://schemas.microsoft.com/office/drawing/2014/main" id="{09D51D3A-5CDA-DA51-3A01-ECFEE0F2596C}"/>
+              <a:rPr lang="en-US" dirty="0"/>
+              <a:t>C++</a:t>
+            </a:r>
+            <a:endParaRPr lang="LID4096" dirty="0"/>
+          </a:p>
+        </p:txBody>
+      </p:sp>
+      <p:sp>
+        <p:nvSpPr>
+          <p:cNvPr id="7" name="TextBox 6">
+            <a:extLst>
+              <a:ext uri="{FF2B5EF4-FFF2-40B4-BE49-F238E27FC236}">
+                <a16:creationId xmlns:a16="http://schemas.microsoft.com/office/drawing/2014/main" id="{A801CCE2-4151-FEE2-A761-69DA8A7170BB}"/>
               </a:ext>
             </a:extLst>
           </p:cNvPr>
@@ -7375,8 +8192,8 @@
         </p:nvSpPr>
         <p:spPr>
           <a:xfrm>
-            <a:off x="5091791" y="3792156"/>
-            <a:ext cx="2516202" cy="369332"/>
+            <a:off x="4687438" y="4364521"/>
+            <a:ext cx="902619" cy="369332"/>
           </a:xfrm>
           <a:prstGeom prst="rect">
             <a:avLst/>
@@ -7395,31 +8212,19 @@
           <a:lstStyle/>
           <a:p>
             <a:r>
-              <a:rPr lang="en-US" dirty="0">
-                <a:ln>
-                  <a:solidFill>
-                    <a:sysClr val="windowText" lastClr="000000"/>
-                  </a:solidFill>
-                </a:ln>
-              </a:rPr>
-              <a:t>Python for data science</a:t>
-            </a:r>
-            <a:endParaRPr lang="LID4096" dirty="0">
-              <a:ln>
-                <a:solidFill>
-                  <a:sysClr val="windowText" lastClr="000000"/>
-                </a:solidFill>
-              </a:ln>
-            </a:endParaRPr>
-          </a:p>
-        </p:txBody>
-      </p:sp>
-      <p:sp>
-        <p:nvSpPr>
-          <p:cNvPr id="6" name="TextBox 5">
-            <a:extLst>
-              <a:ext uri="{FF2B5EF4-FFF2-40B4-BE49-F238E27FC236}">
-                <a16:creationId xmlns:a16="http://schemas.microsoft.com/office/drawing/2014/main" id="{C5E28178-756F-F501-913C-D716D2EE5FDC}"/>
+              <a:rPr lang="en-US" dirty="0"/>
+              <a:t>Fortran</a:t>
+            </a:r>
+            <a:endParaRPr lang="LID4096" dirty="0"/>
+          </a:p>
+        </p:txBody>
+      </p:sp>
+      <p:sp>
+        <p:nvSpPr>
+          <p:cNvPr id="8" name="TextBox 7">
+            <a:extLst>
+              <a:ext uri="{FF2B5EF4-FFF2-40B4-BE49-F238E27FC236}">
+                <a16:creationId xmlns:a16="http://schemas.microsoft.com/office/drawing/2014/main" id="{432115D6-19EF-5B46-DAA8-E42ED35FEDCC}"/>
               </a:ext>
             </a:extLst>
           </p:cNvPr>
@@ -7428,8 +8233,8 @@
         </p:nvSpPr>
         <p:spPr>
           <a:xfrm>
-            <a:off x="2501800" y="3792156"/>
-            <a:ext cx="1853649" cy="369332"/>
+            <a:off x="4434180" y="1814917"/>
+            <a:ext cx="877420" cy="369332"/>
           </a:xfrm>
           <a:prstGeom prst="rect">
             <a:avLst/>
@@ -7448,31 +8253,19 @@
           <a:lstStyle/>
           <a:p>
             <a:r>
-              <a:rPr lang="en-US" dirty="0">
-                <a:ln>
-                  <a:solidFill>
-                    <a:sysClr val="windowText" lastClr="000000"/>
-                  </a:solidFill>
-                </a:ln>
-              </a:rPr>
-              <a:t>Scientific Python</a:t>
-            </a:r>
-            <a:endParaRPr lang="LID4096" dirty="0">
-              <a:ln>
-                <a:solidFill>
-                  <a:sysClr val="windowText" lastClr="000000"/>
-                </a:solidFill>
-              </a:ln>
-            </a:endParaRPr>
-          </a:p>
-        </p:txBody>
-      </p:sp>
-      <p:sp>
-        <p:nvSpPr>
-          <p:cNvPr id="7" name="TextBox 6">
-            <a:extLst>
-              <a:ext uri="{FF2B5EF4-FFF2-40B4-BE49-F238E27FC236}">
-                <a16:creationId xmlns:a16="http://schemas.microsoft.com/office/drawing/2014/main" id="{0EEA7EFC-F4A7-39BD-7D1D-AB226ED2E463}"/>
+              <a:rPr lang="en-US" dirty="0"/>
+              <a:t>Python</a:t>
+            </a:r>
+            <a:endParaRPr lang="LID4096" dirty="0"/>
+          </a:p>
+        </p:txBody>
+      </p:sp>
+      <p:sp>
+        <p:nvSpPr>
+          <p:cNvPr id="9" name="TextBox 8">
+            <a:extLst>
+              <a:ext uri="{FF2B5EF4-FFF2-40B4-BE49-F238E27FC236}">
+                <a16:creationId xmlns:a16="http://schemas.microsoft.com/office/drawing/2014/main" id="{E42D5B2B-1E67-4307-120B-764C7DA8B4BB}"/>
               </a:ext>
             </a:extLst>
           </p:cNvPr>
@@ -7481,8 +8274,8 @@
         </p:nvSpPr>
         <p:spPr>
           <a:xfrm>
-            <a:off x="225805" y="2746786"/>
-            <a:ext cx="3438634" cy="369332"/>
+            <a:off x="4068663" y="5172697"/>
+            <a:ext cx="731034" cy="369332"/>
           </a:xfrm>
           <a:prstGeom prst="rect">
             <a:avLst/>
@@ -7501,31 +8294,19 @@
           <a:lstStyle/>
           <a:p>
             <a:r>
-              <a:rPr lang="en-US" dirty="0">
-                <a:ln>
-                  <a:solidFill>
-                    <a:sysClr val="windowText" lastClr="000000"/>
-                  </a:solidFill>
-                </a:ln>
-              </a:rPr>
-              <a:t>Python for systems programming</a:t>
-            </a:r>
-            <a:endParaRPr lang="LID4096" dirty="0">
-              <a:ln>
-                <a:solidFill>
-                  <a:sysClr val="windowText" lastClr="000000"/>
-                </a:solidFill>
-              </a:ln>
-            </a:endParaRPr>
-          </a:p>
-        </p:txBody>
-      </p:sp>
-      <p:sp>
-        <p:nvSpPr>
-          <p:cNvPr id="8" name="TextBox 7">
-            <a:extLst>
-              <a:ext uri="{FF2B5EF4-FFF2-40B4-BE49-F238E27FC236}">
-                <a16:creationId xmlns:a16="http://schemas.microsoft.com/office/drawing/2014/main" id="{6064AF85-2464-E702-9894-338D2F0BF001}"/>
+              <a:rPr lang="en-US" dirty="0" err="1"/>
+              <a:t>Juliav</a:t>
+            </a:r>
+            <a:endParaRPr lang="en-US" dirty="0"/>
+          </a:p>
+        </p:txBody>
+      </p:sp>
+      <p:sp>
+        <p:nvSpPr>
+          <p:cNvPr id="3" name="TextBox 2">
+            <a:extLst>
+              <a:ext uri="{FF2B5EF4-FFF2-40B4-BE49-F238E27FC236}">
+                <a16:creationId xmlns:a16="http://schemas.microsoft.com/office/drawing/2014/main" id="{857B91AA-3453-1F2A-428A-3ACE67180339}"/>
               </a:ext>
             </a:extLst>
           </p:cNvPr>
@@ -7534,8 +8315,8 @@
         </p:nvSpPr>
         <p:spPr>
           <a:xfrm>
-            <a:off x="2222915" y="5473492"/>
-            <a:ext cx="2012859" cy="369332"/>
+            <a:off x="838200" y="3054817"/>
+            <a:ext cx="1509324" cy="369332"/>
           </a:xfrm>
           <a:prstGeom prst="rect">
             <a:avLst/>
@@ -7554,224 +8335,171 @@
           <a:lstStyle/>
           <a:p>
             <a:r>
-              <a:rPr lang="en-US" dirty="0">
-                <a:ln>
-                  <a:solidFill>
-                    <a:sysClr val="windowText" lastClr="000000"/>
-                  </a:solidFill>
-                </a:ln>
-              </a:rPr>
-              <a:t>Python for </a:t>
-            </a:r>
-            <a:r>
-              <a:rPr lang="en-US" dirty="0" err="1">
-                <a:ln>
-                  <a:solidFill>
-                    <a:sysClr val="windowText" lastClr="000000"/>
-                  </a:solidFill>
-                </a:ln>
-              </a:rPr>
-              <a:t>for</a:t>
-            </a:r>
-            <a:r>
-              <a:rPr lang="en-US" dirty="0">
-                <a:ln>
-                  <a:solidFill>
-                    <a:sysClr val="windowText" lastClr="000000"/>
-                  </a:solidFill>
-                </a:ln>
-              </a:rPr>
-              <a:t> HPC</a:t>
-            </a:r>
-            <a:endParaRPr lang="LID4096" dirty="0">
-              <a:ln>
-                <a:solidFill>
-                  <a:sysClr val="windowText" lastClr="000000"/>
-                </a:solidFill>
-              </a:ln>
-            </a:endParaRPr>
-          </a:p>
-        </p:txBody>
-      </p:sp>
-      <p:sp>
-        <p:nvSpPr>
-          <p:cNvPr id="9" name="TextBox 8">
-            <a:extLst>
-              <a:ext uri="{FF2B5EF4-FFF2-40B4-BE49-F238E27FC236}">
-                <a16:creationId xmlns:a16="http://schemas.microsoft.com/office/drawing/2014/main" id="{EEE7B7CC-2785-9CBB-E6F0-74BE19998629}"/>
-              </a:ext>
-            </a:extLst>
-          </p:cNvPr>
-          <p:cNvSpPr txBox="1"/>
-          <p:nvPr/>
-        </p:nvSpPr>
-        <p:spPr>
-          <a:xfrm>
-            <a:off x="8552316" y="3792156"/>
-            <a:ext cx="3099182" cy="369332"/>
-          </a:xfrm>
-          <a:prstGeom prst="rect">
-            <a:avLst/>
-          </a:prstGeom>
-          <a:noFill/>
-          <a:ln>
-            <a:solidFill>
-              <a:schemeClr val="tx1"/>
-            </a:solidFill>
-          </a:ln>
-        </p:spPr>
-        <p:txBody>
-          <a:bodyPr wrap="none" rtlCol="0">
-            <a:spAutoFit/>
-          </a:bodyPr>
-          <a:lstStyle/>
-          <a:p>
-            <a:r>
-              <a:rPr lang="en-US" dirty="0">
-                <a:ln>
-                  <a:solidFill>
-                    <a:sysClr val="windowText" lastClr="000000"/>
-                  </a:solidFill>
-                </a:ln>
-              </a:rPr>
-              <a:t>Machine learning with Python</a:t>
-            </a:r>
-            <a:endParaRPr lang="LID4096" dirty="0">
-              <a:ln>
-                <a:solidFill>
-                  <a:sysClr val="windowText" lastClr="000000"/>
-                </a:solidFill>
-              </a:ln>
-            </a:endParaRPr>
-          </a:p>
-        </p:txBody>
-      </p:sp>
-      <p:sp>
-        <p:nvSpPr>
-          <p:cNvPr id="10" name="TextBox 9">
-            <a:extLst>
-              <a:ext uri="{FF2B5EF4-FFF2-40B4-BE49-F238E27FC236}">
-                <a16:creationId xmlns:a16="http://schemas.microsoft.com/office/drawing/2014/main" id="{0E6E2FE1-C817-DEEF-9A49-BCCBF4CB21CC}"/>
-              </a:ext>
-            </a:extLst>
-          </p:cNvPr>
-          <p:cNvSpPr txBox="1"/>
-          <p:nvPr/>
-        </p:nvSpPr>
-        <p:spPr>
-          <a:xfrm>
-            <a:off x="5544032" y="5473492"/>
-            <a:ext cx="1789272" cy="369332"/>
-          </a:xfrm>
-          <a:prstGeom prst="rect">
-            <a:avLst/>
-          </a:prstGeom>
-          <a:noFill/>
-          <a:ln>
-            <a:solidFill>
-              <a:schemeClr val="tx1"/>
-            </a:solidFill>
-          </a:ln>
-        </p:spPr>
-        <p:txBody>
-          <a:bodyPr wrap="none" rtlCol="0">
-            <a:spAutoFit/>
-          </a:bodyPr>
-          <a:lstStyle/>
-          <a:p>
-            <a:r>
-              <a:rPr lang="en-US" dirty="0">
-                <a:ln>
-                  <a:solidFill>
-                    <a:sysClr val="windowText" lastClr="000000"/>
-                  </a:solidFill>
-                </a:ln>
-              </a:rPr>
-              <a:t>Python on GPUs</a:t>
-            </a:r>
-            <a:endParaRPr lang="LID4096" dirty="0">
-              <a:ln>
-                <a:solidFill>
-                  <a:sysClr val="windowText" lastClr="000000"/>
-                </a:solidFill>
-              </a:ln>
-            </a:endParaRPr>
-          </a:p>
-        </p:txBody>
-      </p:sp>
-      <p:sp>
-        <p:nvSpPr>
-          <p:cNvPr id="11" name="TextBox 10">
-            <a:extLst>
-              <a:ext uri="{FF2B5EF4-FFF2-40B4-BE49-F238E27FC236}">
-                <a16:creationId xmlns:a16="http://schemas.microsoft.com/office/drawing/2014/main" id="{9CDCA53D-ABB8-B34B-5DDB-D9E5F5CDA77D}"/>
-              </a:ext>
-            </a:extLst>
-          </p:cNvPr>
-          <p:cNvSpPr txBox="1"/>
-          <p:nvPr/>
-        </p:nvSpPr>
-        <p:spPr>
-          <a:xfrm>
-            <a:off x="7229862" y="4581475"/>
-            <a:ext cx="2111797" cy="369332"/>
-          </a:xfrm>
-          <a:prstGeom prst="rect">
-            <a:avLst/>
-          </a:prstGeom>
-          <a:noFill/>
-          <a:ln>
-            <a:solidFill>
-              <a:schemeClr val="tx1"/>
-            </a:solidFill>
-          </a:ln>
-        </p:spPr>
-        <p:txBody>
-          <a:bodyPr wrap="none" rtlCol="0">
-            <a:spAutoFit/>
-          </a:bodyPr>
-          <a:lstStyle/>
-          <a:p>
-            <a:r>
-              <a:rPr lang="en-US" dirty="0">
-                <a:ln>
-                  <a:solidFill>
-                    <a:sysClr val="windowText" lastClr="000000"/>
-                  </a:solidFill>
-                </a:ln>
-              </a:rPr>
-              <a:t>Python dashboards</a:t>
-            </a:r>
-            <a:endParaRPr lang="LID4096" dirty="0">
-              <a:ln>
-                <a:solidFill>
-                  <a:sysClr val="windowText" lastClr="000000"/>
-                </a:solidFill>
-              </a:ln>
-            </a:endParaRPr>
+              <a:rPr lang="en-US" dirty="0"/>
+              <a:t>Programming</a:t>
+            </a:r>
+            <a:endParaRPr lang="LID4096" dirty="0"/>
           </a:p>
         </p:txBody>
       </p:sp>
       <p:cxnSp>
         <p:nvCxnSpPr>
-          <p:cNvPr id="13" name="Straight Arrow Connector 12">
-            <a:extLst>
-              <a:ext uri="{FF2B5EF4-FFF2-40B4-BE49-F238E27FC236}">
-                <a16:creationId xmlns:a16="http://schemas.microsoft.com/office/drawing/2014/main" id="{E50E9312-F69A-648D-D548-6C8D5D8FE3E1}"/>
+          <p:cNvPr id="11" name="Straight Arrow Connector 10">
+            <a:extLst>
+              <a:ext uri="{FF2B5EF4-FFF2-40B4-BE49-F238E27FC236}">
+                <a16:creationId xmlns:a16="http://schemas.microsoft.com/office/drawing/2014/main" id="{298357E7-1559-D354-751C-750DDC54C30B}"/>
               </a:ext>
             </a:extLst>
           </p:cNvPr>
           <p:cNvCxnSpPr>
             <a:cxnSpLocks/>
             <a:stCxn id="3" idx="3"/>
-            <a:endCxn id="4" idx="1"/>
+            <a:endCxn id="8" idx="1"/>
           </p:cNvCxnSpPr>
           <p:nvPr/>
         </p:nvCxnSpPr>
         <p:spPr>
           <a:xfrm flipV="1">
-            <a:off x="6212059" y="1874893"/>
-            <a:ext cx="1492059" cy="461"/>
+            <a:off x="2347524" y="1999583"/>
+            <a:ext cx="2086656" cy="1239900"/>
+          </a:xfrm>
+          <a:prstGeom prst="straightConnector1">
+            <a:avLst/>
+          </a:prstGeom>
+          <a:ln>
+            <a:solidFill>
+              <a:schemeClr val="tx1"/>
+            </a:solidFill>
+            <a:tailEnd type="triangle"/>
+          </a:ln>
+        </p:spPr>
+        <p:style>
+          <a:lnRef idx="2">
+            <a:schemeClr val="accent1"/>
+          </a:lnRef>
+          <a:fillRef idx="0">
+            <a:schemeClr val="accent1"/>
+          </a:fillRef>
+          <a:effectRef idx="1">
+            <a:schemeClr val="accent1"/>
+          </a:effectRef>
+          <a:fontRef idx="minor">
+            <a:schemeClr val="tx1"/>
+          </a:fontRef>
+        </p:style>
+      </p:cxnSp>
+      <p:cxnSp>
+        <p:nvCxnSpPr>
+          <p:cNvPr id="14" name="Straight Arrow Connector 13">
+            <a:extLst>
+              <a:ext uri="{FF2B5EF4-FFF2-40B4-BE49-F238E27FC236}">
+                <a16:creationId xmlns:a16="http://schemas.microsoft.com/office/drawing/2014/main" id="{1FE3A5F3-061E-058C-482A-2C8EA261AD2F}"/>
+              </a:ext>
+            </a:extLst>
+          </p:cNvPr>
+          <p:cNvCxnSpPr>
+            <a:cxnSpLocks/>
+            <a:stCxn id="3" idx="3"/>
+            <a:endCxn id="5" idx="1"/>
+          </p:cNvCxnSpPr>
+          <p:nvPr/>
+        </p:nvCxnSpPr>
+        <p:spPr>
+          <a:xfrm flipV="1">
+            <a:off x="2347524" y="2780517"/>
+            <a:ext cx="3070050" cy="458966"/>
+          </a:xfrm>
+          <a:prstGeom prst="straightConnector1">
+            <a:avLst/>
+          </a:prstGeom>
+          <a:ln>
+            <a:solidFill>
+              <a:schemeClr val="tx1"/>
+            </a:solidFill>
+            <a:tailEnd type="triangle"/>
+          </a:ln>
+        </p:spPr>
+        <p:style>
+          <a:lnRef idx="2">
+            <a:schemeClr val="accent1"/>
+          </a:lnRef>
+          <a:fillRef idx="0">
+            <a:schemeClr val="accent1"/>
+          </a:fillRef>
+          <a:effectRef idx="1">
+            <a:schemeClr val="accent1"/>
+          </a:effectRef>
+          <a:fontRef idx="minor">
+            <a:schemeClr val="tx1"/>
+          </a:fontRef>
+        </p:style>
+      </p:cxnSp>
+      <p:cxnSp>
+        <p:nvCxnSpPr>
+          <p:cNvPr id="17" name="Straight Arrow Connector 16">
+            <a:extLst>
+              <a:ext uri="{FF2B5EF4-FFF2-40B4-BE49-F238E27FC236}">
+                <a16:creationId xmlns:a16="http://schemas.microsoft.com/office/drawing/2014/main" id="{8BA31992-7FDA-10F8-98A9-EADFA2573394}"/>
+              </a:ext>
+            </a:extLst>
+          </p:cNvPr>
+          <p:cNvCxnSpPr>
+            <a:cxnSpLocks/>
+            <a:stCxn id="3" idx="3"/>
+            <a:endCxn id="6" idx="1"/>
+          </p:cNvCxnSpPr>
+          <p:nvPr/>
+        </p:nvCxnSpPr>
+        <p:spPr>
+          <a:xfrm>
+            <a:off x="2347524" y="3239483"/>
+            <a:ext cx="3104881" cy="547867"/>
+          </a:xfrm>
+          <a:prstGeom prst="straightConnector1">
+            <a:avLst/>
+          </a:prstGeom>
+          <a:ln>
+            <a:solidFill>
+              <a:schemeClr val="tx1"/>
+            </a:solidFill>
+            <a:tailEnd type="triangle"/>
+          </a:ln>
+        </p:spPr>
+        <p:style>
+          <a:lnRef idx="2">
+            <a:schemeClr val="accent1"/>
+          </a:lnRef>
+          <a:fillRef idx="0">
+            <a:schemeClr val="accent1"/>
+          </a:fillRef>
+          <a:effectRef idx="1">
+            <a:schemeClr val="accent1"/>
+          </a:effectRef>
+          <a:fontRef idx="minor">
+            <a:schemeClr val="tx1"/>
+          </a:fontRef>
+        </p:style>
+      </p:cxnSp>
+      <p:cxnSp>
+        <p:nvCxnSpPr>
+          <p:cNvPr id="20" name="Straight Arrow Connector 19">
+            <a:extLst>
+              <a:ext uri="{FF2B5EF4-FFF2-40B4-BE49-F238E27FC236}">
+                <a16:creationId xmlns:a16="http://schemas.microsoft.com/office/drawing/2014/main" id="{D405BF1F-E2A9-B2BE-65F4-984ACCFF45FA}"/>
+              </a:ext>
+            </a:extLst>
+          </p:cNvPr>
+          <p:cNvCxnSpPr>
+            <a:cxnSpLocks/>
+            <a:stCxn id="3" idx="3"/>
+            <a:endCxn id="7" idx="1"/>
+          </p:cNvCxnSpPr>
+          <p:nvPr/>
+        </p:nvCxnSpPr>
+        <p:spPr>
+          <a:xfrm>
+            <a:off x="2347524" y="3239483"/>
+            <a:ext cx="2339914" cy="1309704"/>
           </a:xfrm>
           <a:prstGeom prst="straightConnector1">
             <a:avLst/>
@@ -7803,21 +8531,282 @@
           <p:cNvPr id="23" name="Straight Arrow Connector 22">
             <a:extLst>
               <a:ext uri="{FF2B5EF4-FFF2-40B4-BE49-F238E27FC236}">
-                <a16:creationId xmlns:a16="http://schemas.microsoft.com/office/drawing/2014/main" id="{AACA1090-254A-5749-B3C5-532B48962D3B}"/>
+                <a16:creationId xmlns:a16="http://schemas.microsoft.com/office/drawing/2014/main" id="{67D0241D-35B8-41BB-E72A-30A30A1161AA}"/>
               </a:ext>
             </a:extLst>
           </p:cNvPr>
           <p:cNvCxnSpPr>
             <a:cxnSpLocks/>
-            <a:stCxn id="5" idx="2"/>
-            <a:endCxn id="11" idx="0"/>
+            <a:stCxn id="3" idx="3"/>
+            <a:endCxn id="9" idx="1"/>
           </p:cNvCxnSpPr>
           <p:nvPr/>
         </p:nvCxnSpPr>
         <p:spPr>
           <a:xfrm>
-            <a:off x="6349892" y="4161488"/>
-            <a:ext cx="1935869" cy="419987"/>
+            <a:off x="2347524" y="3239483"/>
+            <a:ext cx="1721139" cy="2117880"/>
+          </a:xfrm>
+          <a:prstGeom prst="straightConnector1">
+            <a:avLst/>
+          </a:prstGeom>
+          <a:ln>
+            <a:solidFill>
+              <a:schemeClr val="tx1"/>
+            </a:solidFill>
+            <a:tailEnd type="triangle"/>
+          </a:ln>
+        </p:spPr>
+        <p:style>
+          <a:lnRef idx="2">
+            <a:schemeClr val="accent1"/>
+          </a:lnRef>
+          <a:fillRef idx="0">
+            <a:schemeClr val="accent1"/>
+          </a:fillRef>
+          <a:effectRef idx="1">
+            <a:schemeClr val="accent1"/>
+          </a:effectRef>
+          <a:fontRef idx="minor">
+            <a:schemeClr val="tx1"/>
+          </a:fontRef>
+        </p:style>
+      </p:cxnSp>
+      <p:sp>
+        <p:nvSpPr>
+          <p:cNvPr id="29" name="TextBox 28">
+            <a:extLst>
+              <a:ext uri="{FF2B5EF4-FFF2-40B4-BE49-F238E27FC236}">
+                <a16:creationId xmlns:a16="http://schemas.microsoft.com/office/drawing/2014/main" id="{592CA7B5-CD30-46A1-61B4-8CED50BC2BBF}"/>
+              </a:ext>
+            </a:extLst>
+          </p:cNvPr>
+          <p:cNvSpPr txBox="1"/>
+          <p:nvPr/>
+        </p:nvSpPr>
+        <p:spPr>
+          <a:xfrm>
+            <a:off x="6720253" y="3255316"/>
+            <a:ext cx="2274020" cy="369332"/>
+          </a:xfrm>
+          <a:prstGeom prst="rect">
+            <a:avLst/>
+          </a:prstGeom>
+          <a:noFill/>
+          <a:ln>
+            <a:solidFill>
+              <a:schemeClr val="tx1"/>
+            </a:solidFill>
+          </a:ln>
+        </p:spPr>
+        <p:txBody>
+          <a:bodyPr wrap="none" rtlCol="0">
+            <a:spAutoFit/>
+          </a:bodyPr>
+          <a:lstStyle/>
+          <a:p>
+            <a:r>
+              <a:rPr lang="en-US" dirty="0"/>
+              <a:t>Software engineering</a:t>
+            </a:r>
+            <a:endParaRPr lang="LID4096" dirty="0"/>
+          </a:p>
+        </p:txBody>
+      </p:sp>
+      <p:cxnSp>
+        <p:nvCxnSpPr>
+          <p:cNvPr id="30" name="Straight Arrow Connector 29">
+            <a:extLst>
+              <a:ext uri="{FF2B5EF4-FFF2-40B4-BE49-F238E27FC236}">
+                <a16:creationId xmlns:a16="http://schemas.microsoft.com/office/drawing/2014/main" id="{BCEE50EB-9716-FDDC-9456-F045D789ABA4}"/>
+              </a:ext>
+            </a:extLst>
+          </p:cNvPr>
+          <p:cNvCxnSpPr>
+            <a:cxnSpLocks/>
+            <a:stCxn id="8" idx="3"/>
+            <a:endCxn id="29" idx="1"/>
+          </p:cNvCxnSpPr>
+          <p:nvPr/>
+        </p:nvCxnSpPr>
+        <p:spPr>
+          <a:xfrm>
+            <a:off x="5311600" y="1999583"/>
+            <a:ext cx="1408653" cy="1440399"/>
+          </a:xfrm>
+          <a:prstGeom prst="straightConnector1">
+            <a:avLst/>
+          </a:prstGeom>
+          <a:ln>
+            <a:solidFill>
+              <a:schemeClr val="tx1"/>
+            </a:solidFill>
+            <a:tailEnd type="triangle"/>
+          </a:ln>
+        </p:spPr>
+        <p:style>
+          <a:lnRef idx="2">
+            <a:schemeClr val="accent1"/>
+          </a:lnRef>
+          <a:fillRef idx="0">
+            <a:schemeClr val="accent1"/>
+          </a:fillRef>
+          <a:effectRef idx="1">
+            <a:schemeClr val="accent1"/>
+          </a:effectRef>
+          <a:fontRef idx="minor">
+            <a:schemeClr val="tx1"/>
+          </a:fontRef>
+        </p:style>
+      </p:cxnSp>
+      <p:sp>
+        <p:nvSpPr>
+          <p:cNvPr id="37" name="TextBox 36">
+            <a:extLst>
+              <a:ext uri="{FF2B5EF4-FFF2-40B4-BE49-F238E27FC236}">
+                <a16:creationId xmlns:a16="http://schemas.microsoft.com/office/drawing/2014/main" id="{2713159F-3867-CFA7-882C-4E5D81A41729}"/>
+              </a:ext>
+            </a:extLst>
+          </p:cNvPr>
+          <p:cNvSpPr txBox="1"/>
+          <p:nvPr/>
+        </p:nvSpPr>
+        <p:spPr>
+          <a:xfrm>
+            <a:off x="9497154" y="2893198"/>
+            <a:ext cx="2296847" cy="369332"/>
+          </a:xfrm>
+          <a:prstGeom prst="rect">
+            <a:avLst/>
+          </a:prstGeom>
+          <a:noFill/>
+          <a:ln>
+            <a:solidFill>
+              <a:schemeClr val="tx1"/>
+            </a:solidFill>
+          </a:ln>
+        </p:spPr>
+        <p:txBody>
+          <a:bodyPr wrap="square" rtlCol="0">
+            <a:spAutoFit/>
+          </a:bodyPr>
+          <a:lstStyle/>
+          <a:p>
+            <a:r>
+              <a:rPr lang="en-US" dirty="0"/>
+              <a:t>Parallel programming</a:t>
+            </a:r>
+            <a:endParaRPr lang="LID4096" dirty="0"/>
+          </a:p>
+        </p:txBody>
+      </p:sp>
+      <p:cxnSp>
+        <p:nvCxnSpPr>
+          <p:cNvPr id="38" name="Straight Arrow Connector 37">
+            <a:extLst>
+              <a:ext uri="{FF2B5EF4-FFF2-40B4-BE49-F238E27FC236}">
+                <a16:creationId xmlns:a16="http://schemas.microsoft.com/office/drawing/2014/main" id="{102804E3-ABD8-5C44-79CE-D28E89970E19}"/>
+              </a:ext>
+            </a:extLst>
+          </p:cNvPr>
+          <p:cNvCxnSpPr>
+            <a:cxnSpLocks/>
+            <a:stCxn id="29" idx="3"/>
+            <a:endCxn id="37" idx="1"/>
+          </p:cNvCxnSpPr>
+          <p:nvPr/>
+        </p:nvCxnSpPr>
+        <p:spPr>
+          <a:xfrm flipV="1">
+            <a:off x="8994273" y="3077864"/>
+            <a:ext cx="502881" cy="362118"/>
+          </a:xfrm>
+          <a:prstGeom prst="straightConnector1">
+            <a:avLst/>
+          </a:prstGeom>
+          <a:ln>
+            <a:solidFill>
+              <a:schemeClr val="tx1"/>
+            </a:solidFill>
+            <a:tailEnd type="triangle"/>
+          </a:ln>
+        </p:spPr>
+        <p:style>
+          <a:lnRef idx="2">
+            <a:schemeClr val="accent1"/>
+          </a:lnRef>
+          <a:fillRef idx="0">
+            <a:schemeClr val="accent1"/>
+          </a:fillRef>
+          <a:effectRef idx="1">
+            <a:schemeClr val="accent1"/>
+          </a:effectRef>
+          <a:fontRef idx="minor">
+            <a:schemeClr val="tx1"/>
+          </a:fontRef>
+        </p:style>
+      </p:cxnSp>
+      <p:sp>
+        <p:nvSpPr>
+          <p:cNvPr id="42" name="TextBox 41">
+            <a:extLst>
+              <a:ext uri="{FF2B5EF4-FFF2-40B4-BE49-F238E27FC236}">
+                <a16:creationId xmlns:a16="http://schemas.microsoft.com/office/drawing/2014/main" id="{BF9CFD8D-35EE-44C8-6CA3-ED581337460F}"/>
+              </a:ext>
+            </a:extLst>
+          </p:cNvPr>
+          <p:cNvSpPr txBox="1"/>
+          <p:nvPr/>
+        </p:nvSpPr>
+        <p:spPr>
+          <a:xfrm>
+            <a:off x="9570896" y="3722323"/>
+            <a:ext cx="2296847" cy="369332"/>
+          </a:xfrm>
+          <a:prstGeom prst="rect">
+            <a:avLst/>
+          </a:prstGeom>
+          <a:noFill/>
+          <a:ln>
+            <a:solidFill>
+              <a:schemeClr val="tx1"/>
+            </a:solidFill>
+          </a:ln>
+        </p:spPr>
+        <p:txBody>
+          <a:bodyPr wrap="square" rtlCol="0">
+            <a:spAutoFit/>
+          </a:bodyPr>
+          <a:lstStyle/>
+          <a:p>
+            <a:r>
+              <a:rPr lang="en-US" dirty="0"/>
+              <a:t>GPU programming</a:t>
+            </a:r>
+            <a:endParaRPr lang="LID4096" dirty="0"/>
+          </a:p>
+        </p:txBody>
+      </p:sp>
+      <p:cxnSp>
+        <p:nvCxnSpPr>
+          <p:cNvPr id="43" name="Straight Arrow Connector 42">
+            <a:extLst>
+              <a:ext uri="{FF2B5EF4-FFF2-40B4-BE49-F238E27FC236}">
+                <a16:creationId xmlns:a16="http://schemas.microsoft.com/office/drawing/2014/main" id="{67F673E4-E744-3A9F-1350-87879992C530}"/>
+              </a:ext>
+            </a:extLst>
+          </p:cNvPr>
+          <p:cNvCxnSpPr>
+            <a:cxnSpLocks/>
+            <a:stCxn id="29" idx="3"/>
+            <a:endCxn id="42" idx="1"/>
+          </p:cNvCxnSpPr>
+          <p:nvPr/>
+        </p:nvCxnSpPr>
+        <p:spPr>
+          <a:xfrm>
+            <a:off x="8994273" y="3439982"/>
+            <a:ext cx="576623" cy="467007"/>
           </a:xfrm>
           <a:prstGeom prst="straightConnector1">
             <a:avLst/>
@@ -7846,23 +8835,24 @@
       </p:cxnSp>
       <p:cxnSp>
         <p:nvCxnSpPr>
-          <p:cNvPr id="26" name="Straight Arrow Connector 25">
-            <a:extLst>
-              <a:ext uri="{FF2B5EF4-FFF2-40B4-BE49-F238E27FC236}">
-                <a16:creationId xmlns:a16="http://schemas.microsoft.com/office/drawing/2014/main" id="{DE051BA6-D6D7-3A2B-BEFE-21E00FA0E406}"/>
+          <p:cNvPr id="32" name="Straight Arrow Connector 31">
+            <a:extLst>
+              <a:ext uri="{FF2B5EF4-FFF2-40B4-BE49-F238E27FC236}">
+                <a16:creationId xmlns:a16="http://schemas.microsoft.com/office/drawing/2014/main" id="{6C97236C-00C6-2755-37CC-5D5CA46DB6CA}"/>
               </a:ext>
             </a:extLst>
           </p:cNvPr>
           <p:cNvCxnSpPr>
-            <a:stCxn id="5" idx="2"/>
-            <a:endCxn id="8" idx="0"/>
+            <a:cxnSpLocks/>
+            <a:stCxn id="5" idx="3"/>
+            <a:endCxn id="29" idx="1"/>
           </p:cNvCxnSpPr>
           <p:nvPr/>
         </p:nvCxnSpPr>
         <p:spPr>
-          <a:xfrm flipH="1">
-            <a:off x="3229345" y="4161488"/>
-            <a:ext cx="3120547" cy="1312004"/>
+          <a:xfrm>
+            <a:off x="5762540" y="2780517"/>
+            <a:ext cx="957713" cy="659465"/>
           </a:xfrm>
           <a:prstGeom prst="straightConnector1">
             <a:avLst/>
@@ -7891,24 +8881,24 @@
       </p:cxnSp>
       <p:cxnSp>
         <p:nvCxnSpPr>
-          <p:cNvPr id="28" name="Straight Arrow Connector 27">
-            <a:extLst>
-              <a:ext uri="{FF2B5EF4-FFF2-40B4-BE49-F238E27FC236}">
-                <a16:creationId xmlns:a16="http://schemas.microsoft.com/office/drawing/2014/main" id="{92325F86-AC96-1386-1869-E914F2F13A34}"/>
+          <p:cNvPr id="35" name="Straight Arrow Connector 34">
+            <a:extLst>
+              <a:ext uri="{FF2B5EF4-FFF2-40B4-BE49-F238E27FC236}">
+                <a16:creationId xmlns:a16="http://schemas.microsoft.com/office/drawing/2014/main" id="{1184B562-8293-F125-47A7-9B4162B88046}"/>
               </a:ext>
             </a:extLst>
           </p:cNvPr>
           <p:cNvCxnSpPr>
             <a:cxnSpLocks/>
-            <a:stCxn id="9" idx="2"/>
-            <a:endCxn id="11" idx="0"/>
+            <a:stCxn id="6" idx="3"/>
+            <a:endCxn id="29" idx="1"/>
           </p:cNvCxnSpPr>
           <p:nvPr/>
         </p:nvCxnSpPr>
         <p:spPr>
-          <a:xfrm flipH="1">
-            <a:off x="8285761" y="4161488"/>
-            <a:ext cx="1816146" cy="419987"/>
+          <a:xfrm flipV="1">
+            <a:off x="6044234" y="3439982"/>
+            <a:ext cx="676019" cy="347368"/>
           </a:xfrm>
           <a:prstGeom prst="straightConnector1">
             <a:avLst/>
@@ -7937,467 +8927,24 @@
       </p:cxnSp>
       <p:cxnSp>
         <p:nvCxnSpPr>
-          <p:cNvPr id="31" name="Straight Arrow Connector 30">
-            <a:extLst>
-              <a:ext uri="{FF2B5EF4-FFF2-40B4-BE49-F238E27FC236}">
-                <a16:creationId xmlns:a16="http://schemas.microsoft.com/office/drawing/2014/main" id="{2B81FCAD-6222-7E7F-EB77-4910855A53C7}"/>
-              </a:ext>
-            </a:extLst>
-          </p:cNvPr>
-          <p:cNvCxnSpPr>
-            <a:stCxn id="6" idx="2"/>
-            <a:endCxn id="8" idx="0"/>
-          </p:cNvCxnSpPr>
-          <p:nvPr/>
-        </p:nvCxnSpPr>
-        <p:spPr>
-          <a:xfrm flipH="1">
-            <a:off x="3229345" y="4161488"/>
-            <a:ext cx="199280" cy="1312004"/>
-          </a:xfrm>
-          <a:prstGeom prst="straightConnector1">
-            <a:avLst/>
-          </a:prstGeom>
-          <a:ln>
-            <a:solidFill>
-              <a:schemeClr val="tx1"/>
-            </a:solidFill>
-            <a:tailEnd type="triangle"/>
-          </a:ln>
-        </p:spPr>
-        <p:style>
-          <a:lnRef idx="2">
-            <a:schemeClr val="accent1"/>
-          </a:lnRef>
-          <a:fillRef idx="0">
-            <a:schemeClr val="accent1"/>
-          </a:fillRef>
-          <a:effectRef idx="1">
-            <a:schemeClr val="accent1"/>
-          </a:effectRef>
-          <a:fontRef idx="minor">
-            <a:schemeClr val="tx1"/>
-          </a:fontRef>
-        </p:style>
-      </p:cxnSp>
-      <p:cxnSp>
-        <p:nvCxnSpPr>
-          <p:cNvPr id="33" name="Straight Arrow Connector 32">
-            <a:extLst>
-              <a:ext uri="{FF2B5EF4-FFF2-40B4-BE49-F238E27FC236}">
-                <a16:creationId xmlns:a16="http://schemas.microsoft.com/office/drawing/2014/main" id="{69E25692-3729-E313-396F-E2116A3020A1}"/>
-              </a:ext>
-            </a:extLst>
-          </p:cNvPr>
-          <p:cNvCxnSpPr>
-            <a:stCxn id="6" idx="2"/>
-            <a:endCxn id="10" idx="0"/>
-          </p:cNvCxnSpPr>
-          <p:nvPr/>
-        </p:nvCxnSpPr>
-        <p:spPr>
-          <a:xfrm>
-            <a:off x="3428625" y="4161488"/>
-            <a:ext cx="3010043" cy="1312004"/>
-          </a:xfrm>
-          <a:prstGeom prst="straightConnector1">
-            <a:avLst/>
-          </a:prstGeom>
-          <a:ln>
-            <a:solidFill>
-              <a:schemeClr val="tx1"/>
-            </a:solidFill>
-            <a:tailEnd type="triangle"/>
-          </a:ln>
-        </p:spPr>
-        <p:style>
-          <a:lnRef idx="2">
-            <a:schemeClr val="accent1"/>
-          </a:lnRef>
-          <a:fillRef idx="0">
-            <a:schemeClr val="accent1"/>
-          </a:fillRef>
-          <a:effectRef idx="1">
-            <a:schemeClr val="accent1"/>
-          </a:effectRef>
-          <a:fontRef idx="minor">
-            <a:schemeClr val="tx1"/>
-          </a:fontRef>
-        </p:style>
-      </p:cxnSp>
-      <p:cxnSp>
-        <p:nvCxnSpPr>
-          <p:cNvPr id="65" name="Straight Arrow Connector 64">
-            <a:extLst>
-              <a:ext uri="{FF2B5EF4-FFF2-40B4-BE49-F238E27FC236}">
-                <a16:creationId xmlns:a16="http://schemas.microsoft.com/office/drawing/2014/main" id="{3EF60CF3-3702-EAD6-0E27-48ECE032693A}"/>
+          <p:cNvPr id="40" name="Straight Arrow Connector 39">
+            <a:extLst>
+              <a:ext uri="{FF2B5EF4-FFF2-40B4-BE49-F238E27FC236}">
+                <a16:creationId xmlns:a16="http://schemas.microsoft.com/office/drawing/2014/main" id="{49999641-BA7F-4AEE-BF99-BFBD26305215}"/>
               </a:ext>
             </a:extLst>
           </p:cNvPr>
           <p:cNvCxnSpPr>
             <a:cxnSpLocks/>
+            <a:stCxn id="7" idx="3"/>
+            <a:endCxn id="29" idx="1"/>
           </p:cNvCxnSpPr>
           <p:nvPr/>
         </p:nvCxnSpPr>
         <p:spPr>
-          <a:xfrm>
-            <a:off x="4355449" y="3971359"/>
-            <a:ext cx="736342" cy="0"/>
-          </a:xfrm>
-          <a:prstGeom prst="straightConnector1">
-            <a:avLst/>
-          </a:prstGeom>
-          <a:ln>
-            <a:solidFill>
-              <a:schemeClr val="tx1"/>
-            </a:solidFill>
-            <a:tailEnd type="triangle"/>
-          </a:ln>
-        </p:spPr>
-        <p:style>
-          <a:lnRef idx="2">
-            <a:schemeClr val="accent1"/>
-          </a:lnRef>
-          <a:fillRef idx="0">
-            <a:schemeClr val="accent1"/>
-          </a:fillRef>
-          <a:effectRef idx="1">
-            <a:schemeClr val="accent1"/>
-          </a:effectRef>
-          <a:fontRef idx="minor">
-            <a:schemeClr val="tx1"/>
-          </a:fontRef>
-        </p:style>
-      </p:cxnSp>
-      <p:cxnSp>
-        <p:nvCxnSpPr>
-          <p:cNvPr id="74" name="Straight Arrow Connector 73">
-            <a:extLst>
-              <a:ext uri="{FF2B5EF4-FFF2-40B4-BE49-F238E27FC236}">
-                <a16:creationId xmlns:a16="http://schemas.microsoft.com/office/drawing/2014/main" id="{6377D112-C0B3-488C-0565-2296A4E22223}"/>
-              </a:ext>
-            </a:extLst>
-          </p:cNvPr>
-          <p:cNvCxnSpPr>
-            <a:stCxn id="8" idx="3"/>
-            <a:endCxn id="10" idx="1"/>
-          </p:cNvCxnSpPr>
-          <p:nvPr/>
-        </p:nvCxnSpPr>
-        <p:spPr>
-          <a:xfrm>
-            <a:off x="4235774" y="5658158"/>
-            <a:ext cx="1308258" cy="0"/>
-          </a:xfrm>
-          <a:prstGeom prst="straightConnector1">
-            <a:avLst/>
-          </a:prstGeom>
-          <a:ln>
-            <a:solidFill>
-              <a:schemeClr val="tx1"/>
-            </a:solidFill>
-            <a:tailEnd type="triangle"/>
-          </a:ln>
-        </p:spPr>
-        <p:style>
-          <a:lnRef idx="2">
-            <a:schemeClr val="accent1"/>
-          </a:lnRef>
-          <a:fillRef idx="0">
-            <a:schemeClr val="accent1"/>
-          </a:fillRef>
-          <a:effectRef idx="1">
-            <a:schemeClr val="accent1"/>
-          </a:effectRef>
-          <a:fontRef idx="minor">
-            <a:schemeClr val="tx1"/>
-          </a:fontRef>
-        </p:style>
-      </p:cxnSp>
-      <p:cxnSp>
-        <p:nvCxnSpPr>
-          <p:cNvPr id="78" name="Straight Arrow Connector 77">
-            <a:extLst>
-              <a:ext uri="{FF2B5EF4-FFF2-40B4-BE49-F238E27FC236}">
-                <a16:creationId xmlns:a16="http://schemas.microsoft.com/office/drawing/2014/main" id="{A876F3BB-7F99-F5A3-ED07-EB05B0D380C1}"/>
-              </a:ext>
-            </a:extLst>
-          </p:cNvPr>
-          <p:cNvCxnSpPr>
-            <a:cxnSpLocks/>
-          </p:cNvCxnSpPr>
-          <p:nvPr/>
-        </p:nvCxnSpPr>
-        <p:spPr>
-          <a:xfrm>
-            <a:off x="7607993" y="3976822"/>
-            <a:ext cx="944323" cy="0"/>
-          </a:xfrm>
-          <a:prstGeom prst="straightConnector1">
-            <a:avLst/>
-          </a:prstGeom>
-          <a:ln>
-            <a:solidFill>
-              <a:schemeClr val="tx1"/>
-            </a:solidFill>
-            <a:tailEnd type="triangle"/>
-          </a:ln>
-        </p:spPr>
-        <p:style>
-          <a:lnRef idx="2">
-            <a:schemeClr val="accent1"/>
-          </a:lnRef>
-          <a:fillRef idx="0">
-            <a:schemeClr val="accent1"/>
-          </a:fillRef>
-          <a:effectRef idx="1">
-            <a:schemeClr val="accent1"/>
-          </a:effectRef>
-          <a:fontRef idx="minor">
-            <a:schemeClr val="tx1"/>
-          </a:fontRef>
-        </p:style>
-      </p:cxnSp>
-      <p:cxnSp>
-        <p:nvCxnSpPr>
-          <p:cNvPr id="95" name="Straight Arrow Connector 94">
-            <a:extLst>
-              <a:ext uri="{FF2B5EF4-FFF2-40B4-BE49-F238E27FC236}">
-                <a16:creationId xmlns:a16="http://schemas.microsoft.com/office/drawing/2014/main" id="{19B74D43-DB26-078E-CB27-50C55AE2758D}"/>
-              </a:ext>
-            </a:extLst>
-          </p:cNvPr>
-          <p:cNvCxnSpPr>
-            <a:stCxn id="3" idx="2"/>
-            <a:endCxn id="7" idx="0"/>
-          </p:cNvCxnSpPr>
-          <p:nvPr/>
-        </p:nvCxnSpPr>
-        <p:spPr>
-          <a:xfrm flipH="1">
-            <a:off x="1945122" y="2060020"/>
-            <a:ext cx="2977418" cy="686766"/>
-          </a:xfrm>
-          <a:prstGeom prst="straightConnector1">
-            <a:avLst/>
-          </a:prstGeom>
-          <a:ln>
-            <a:solidFill>
-              <a:schemeClr val="tx1"/>
-            </a:solidFill>
-            <a:tailEnd type="triangle"/>
-          </a:ln>
-        </p:spPr>
-        <p:style>
-          <a:lnRef idx="2">
-            <a:schemeClr val="accent1"/>
-          </a:lnRef>
-          <a:fillRef idx="0">
-            <a:schemeClr val="accent1"/>
-          </a:fillRef>
-          <a:effectRef idx="1">
-            <a:schemeClr val="accent1"/>
-          </a:effectRef>
-          <a:fontRef idx="minor">
-            <a:schemeClr val="tx1"/>
-          </a:fontRef>
-        </p:style>
-      </p:cxnSp>
-      <p:cxnSp>
-        <p:nvCxnSpPr>
-          <p:cNvPr id="97" name="Straight Arrow Connector 96">
-            <a:extLst>
-              <a:ext uri="{FF2B5EF4-FFF2-40B4-BE49-F238E27FC236}">
-                <a16:creationId xmlns:a16="http://schemas.microsoft.com/office/drawing/2014/main" id="{1CAEA487-40F0-5A7B-77E3-D043092AFE0F}"/>
-              </a:ext>
-            </a:extLst>
-          </p:cNvPr>
-          <p:cNvCxnSpPr>
-            <a:stCxn id="3" idx="2"/>
-            <a:endCxn id="6" idx="0"/>
-          </p:cNvCxnSpPr>
-          <p:nvPr/>
-        </p:nvCxnSpPr>
-        <p:spPr>
-          <a:xfrm flipH="1">
-            <a:off x="3428625" y="2060020"/>
-            <a:ext cx="1493915" cy="1732136"/>
-          </a:xfrm>
-          <a:prstGeom prst="straightConnector1">
-            <a:avLst/>
-          </a:prstGeom>
-          <a:ln>
-            <a:solidFill>
-              <a:schemeClr val="tx1"/>
-            </a:solidFill>
-            <a:tailEnd type="triangle"/>
-          </a:ln>
-        </p:spPr>
-        <p:style>
-          <a:lnRef idx="2">
-            <a:schemeClr val="accent1"/>
-          </a:lnRef>
-          <a:fillRef idx="0">
-            <a:schemeClr val="accent1"/>
-          </a:fillRef>
-          <a:effectRef idx="1">
-            <a:schemeClr val="accent1"/>
-          </a:effectRef>
-          <a:fontRef idx="minor">
-            <a:schemeClr val="tx1"/>
-          </a:fontRef>
-        </p:style>
-      </p:cxnSp>
-      <p:cxnSp>
-        <p:nvCxnSpPr>
-          <p:cNvPr id="99" name="Straight Arrow Connector 98">
-            <a:extLst>
-              <a:ext uri="{FF2B5EF4-FFF2-40B4-BE49-F238E27FC236}">
-                <a16:creationId xmlns:a16="http://schemas.microsoft.com/office/drawing/2014/main" id="{C262378B-1FD1-D870-43FD-C8CF18AB15A6}"/>
-              </a:ext>
-            </a:extLst>
-          </p:cNvPr>
-          <p:cNvCxnSpPr>
-            <a:stCxn id="3" idx="2"/>
-            <a:endCxn id="5" idx="0"/>
-          </p:cNvCxnSpPr>
-          <p:nvPr/>
-        </p:nvCxnSpPr>
-        <p:spPr>
-          <a:xfrm>
-            <a:off x="4922540" y="2060020"/>
-            <a:ext cx="1427352" cy="1732136"/>
-          </a:xfrm>
-          <a:prstGeom prst="straightConnector1">
-            <a:avLst/>
-          </a:prstGeom>
-          <a:ln>
-            <a:solidFill>
-              <a:schemeClr val="tx1"/>
-            </a:solidFill>
-            <a:tailEnd type="triangle"/>
-          </a:ln>
-        </p:spPr>
-        <p:style>
-          <a:lnRef idx="2">
-            <a:schemeClr val="accent1"/>
-          </a:lnRef>
-          <a:fillRef idx="0">
-            <a:schemeClr val="accent1"/>
-          </a:fillRef>
-          <a:effectRef idx="1">
-            <a:schemeClr val="accent1"/>
-          </a:effectRef>
-          <a:fontRef idx="minor">
-            <a:schemeClr val="tx1"/>
-          </a:fontRef>
-        </p:style>
-      </p:cxnSp>
-      <p:cxnSp>
-        <p:nvCxnSpPr>
-          <p:cNvPr id="101" name="Straight Arrow Connector 100">
-            <a:extLst>
-              <a:ext uri="{FF2B5EF4-FFF2-40B4-BE49-F238E27FC236}">
-                <a16:creationId xmlns:a16="http://schemas.microsoft.com/office/drawing/2014/main" id="{CC186D1F-46A2-3FC9-DCAF-8ADEBC1B083F}"/>
-              </a:ext>
-            </a:extLst>
-          </p:cNvPr>
-          <p:cNvCxnSpPr>
-            <a:stCxn id="3" idx="2"/>
-            <a:endCxn id="9" idx="0"/>
-          </p:cNvCxnSpPr>
-          <p:nvPr/>
-        </p:nvCxnSpPr>
-        <p:spPr>
-          <a:xfrm>
-            <a:off x="4922540" y="2060020"/>
-            <a:ext cx="5179367" cy="1732136"/>
-          </a:xfrm>
-          <a:prstGeom prst="straightConnector1">
-            <a:avLst/>
-          </a:prstGeom>
-          <a:ln>
-            <a:solidFill>
-              <a:schemeClr val="tx1"/>
-            </a:solidFill>
-            <a:tailEnd type="triangle"/>
-          </a:ln>
-        </p:spPr>
-        <p:style>
-          <a:lnRef idx="2">
-            <a:schemeClr val="accent1"/>
-          </a:lnRef>
-          <a:fillRef idx="0">
-            <a:schemeClr val="accent1"/>
-          </a:fillRef>
-          <a:effectRef idx="1">
-            <a:schemeClr val="accent1"/>
-          </a:effectRef>
-          <a:fontRef idx="minor">
-            <a:schemeClr val="tx1"/>
-          </a:fontRef>
-        </p:style>
-      </p:cxnSp>
-      <p:sp>
-        <p:nvSpPr>
-          <p:cNvPr id="104" name="TextBox 103">
-            <a:extLst>
-              <a:ext uri="{FF2B5EF4-FFF2-40B4-BE49-F238E27FC236}">
-                <a16:creationId xmlns:a16="http://schemas.microsoft.com/office/drawing/2014/main" id="{1ABC5CCB-0479-9440-0BAE-29099ABB1A2B}"/>
-              </a:ext>
-            </a:extLst>
-          </p:cNvPr>
-          <p:cNvSpPr txBox="1"/>
-          <p:nvPr/>
-        </p:nvSpPr>
-        <p:spPr>
-          <a:xfrm>
-            <a:off x="4844609" y="6027490"/>
-            <a:ext cx="3188117" cy="369332"/>
-          </a:xfrm>
-          <a:prstGeom prst="rect">
-            <a:avLst/>
-          </a:prstGeom>
-          <a:noFill/>
-          <a:ln>
-            <a:solidFill>
-              <a:schemeClr val="tx1"/>
-            </a:solidFill>
-          </a:ln>
-        </p:spPr>
-        <p:txBody>
-          <a:bodyPr wrap="none" rtlCol="0">
-            <a:spAutoFit/>
-          </a:bodyPr>
-          <a:lstStyle/>
-          <a:p>
-            <a:r>
-              <a:rPr lang="en-US" dirty="0"/>
-              <a:t>Parallel programming with MPI</a:t>
-            </a:r>
-            <a:endParaRPr lang="LID4096" dirty="0"/>
-          </a:p>
-        </p:txBody>
-      </p:sp>
-      <p:cxnSp>
-        <p:nvCxnSpPr>
-          <p:cNvPr id="115" name="Straight Arrow Connector 114">
-            <a:extLst>
-              <a:ext uri="{FF2B5EF4-FFF2-40B4-BE49-F238E27FC236}">
-                <a16:creationId xmlns:a16="http://schemas.microsoft.com/office/drawing/2014/main" id="{F2678CF9-474A-A9A2-CCE1-EE20A411F370}"/>
-              </a:ext>
-            </a:extLst>
-          </p:cNvPr>
-          <p:cNvCxnSpPr>
-            <a:stCxn id="8" idx="3"/>
-            <a:endCxn id="104" idx="1"/>
-          </p:cNvCxnSpPr>
-          <p:nvPr/>
-        </p:nvCxnSpPr>
-        <p:spPr>
-          <a:xfrm>
-            <a:off x="4235774" y="5658158"/>
-            <a:ext cx="608835" cy="553998"/>
+          <a:xfrm flipV="1">
+            <a:off x="5590057" y="3439982"/>
+            <a:ext cx="1130196" cy="1109205"/>
           </a:xfrm>
           <a:prstGeom prst="straightConnector1">
             <a:avLst/>
@@ -8427,7 +8974,7 @@
     </p:spTree>
     <p:extLst>
       <p:ext uri="{BB962C8B-B14F-4D97-AF65-F5344CB8AC3E}">
-        <p14:creationId xmlns:p14="http://schemas.microsoft.com/office/powerpoint/2010/main" val="1108261746"/>
+        <p14:creationId xmlns:p14="http://schemas.microsoft.com/office/powerpoint/2010/main" val="2964700309"/>
       </p:ext>
     </p:extLst>
   </p:cSld>
@@ -8459,7 +9006,7 @@
           <p:cNvPr id="2" name="Title 1">
             <a:extLst>
               <a:ext uri="{FF2B5EF4-FFF2-40B4-BE49-F238E27FC236}">
-                <a16:creationId xmlns:a16="http://schemas.microsoft.com/office/drawing/2014/main" id="{A5DAA1BB-341A-A290-29B8-A7B3F4AB4CA8}"/>
+                <a16:creationId xmlns:a16="http://schemas.microsoft.com/office/drawing/2014/main" id="{99FA5B57-70A4-2B70-5CBB-BB5C5115130E}"/>
               </a:ext>
             </a:extLst>
           </p:cNvPr>
@@ -8477,7 +9024,7 @@
           <a:p>
             <a:r>
               <a:rPr lang="en-US" dirty="0"/>
-              <a:t>Programming: C++</a:t>
+              <a:t>Programming: Python</a:t>
             </a:r>
             <a:endParaRPr lang="LID4096" dirty="0"/>
           </a:p>
@@ -8488,7 +9035,7 @@
           <p:cNvPr id="3" name="TextBox 2">
             <a:extLst>
               <a:ext uri="{FF2B5EF4-FFF2-40B4-BE49-F238E27FC236}">
-                <a16:creationId xmlns:a16="http://schemas.microsoft.com/office/drawing/2014/main" id="{10DFE626-3894-0F4A-B1C3-95A7751AE222}"/>
+                <a16:creationId xmlns:a16="http://schemas.microsoft.com/office/drawing/2014/main" id="{89CB1031-7B2F-67DB-C651-1776F68C22B5}"/>
               </a:ext>
             </a:extLst>
           </p:cNvPr>
@@ -8497,8 +9044,8 @@
         </p:nvSpPr>
         <p:spPr>
           <a:xfrm>
-            <a:off x="2977505" y="1912374"/>
-            <a:ext cx="1513556" cy="369332"/>
+            <a:off x="3633020" y="1885760"/>
+            <a:ext cx="2579039" cy="369332"/>
           </a:xfrm>
           <a:prstGeom prst="rect">
             <a:avLst/>
@@ -8517,14 +9064,22 @@
           <a:lstStyle/>
           <a:p>
             <a:r>
-              <a:rPr lang="en-US" dirty="0" err="1"/>
-              <a:t>Scientfic</a:t>
-            </a:r>
-            <a:r>
-              <a:rPr lang="en-US" dirty="0"/>
-              <a:t> C++</a:t>
-            </a:r>
-            <a:endParaRPr lang="LID4096" dirty="0"/>
+              <a:rPr lang="en-US" dirty="0">
+                <a:ln>
+                  <a:solidFill>
+                    <a:sysClr val="windowText" lastClr="000000"/>
+                  </a:solidFill>
+                </a:ln>
+              </a:rPr>
+              <a:t>Python for programmers</a:t>
+            </a:r>
+            <a:endParaRPr lang="LID4096" dirty="0">
+              <a:ln>
+                <a:solidFill>
+                  <a:sysClr val="windowText" lastClr="000000"/>
+                </a:solidFill>
+              </a:ln>
+            </a:endParaRPr>
           </a:p>
         </p:txBody>
       </p:sp>
@@ -8533,7 +9088,7 @@
           <p:cNvPr id="4" name="TextBox 3">
             <a:extLst>
               <a:ext uri="{FF2B5EF4-FFF2-40B4-BE49-F238E27FC236}">
-                <a16:creationId xmlns:a16="http://schemas.microsoft.com/office/drawing/2014/main" id="{DDD639C0-9511-7DBC-2D8A-35A626164ADF}"/>
+                <a16:creationId xmlns:a16="http://schemas.microsoft.com/office/drawing/2014/main" id="{D5E7072A-0936-D875-5D5E-7A184EE0FCDE}"/>
               </a:ext>
             </a:extLst>
           </p:cNvPr>
@@ -8542,8 +9097,8 @@
         </p:nvSpPr>
         <p:spPr>
           <a:xfrm>
-            <a:off x="5732064" y="1907457"/>
-            <a:ext cx="2710037" cy="369332"/>
+            <a:off x="7704118" y="1885299"/>
+            <a:ext cx="2995628" cy="369332"/>
           </a:xfrm>
           <a:prstGeom prst="rect">
             <a:avLst/>
@@ -8562,10 +9117,22 @@
           <a:lstStyle/>
           <a:p>
             <a:r>
-              <a:rPr lang="en-US" dirty="0"/>
-              <a:t>C++ software engineering</a:t>
-            </a:r>
-            <a:endParaRPr lang="LID4096" dirty="0"/>
+              <a:rPr lang="en-US" dirty="0">
+                <a:ln>
+                  <a:solidFill>
+                    <a:sysClr val="windowText" lastClr="000000"/>
+                  </a:solidFill>
+                </a:ln>
+              </a:rPr>
+              <a:t>Python software engineering</a:t>
+            </a:r>
+            <a:endParaRPr lang="LID4096" dirty="0">
+              <a:ln>
+                <a:solidFill>
+                  <a:sysClr val="windowText" lastClr="000000"/>
+                </a:solidFill>
+              </a:ln>
+            </a:endParaRPr>
           </a:p>
         </p:txBody>
       </p:sp>
@@ -8574,7 +9141,7 @@
           <p:cNvPr id="5" name="TextBox 4">
             <a:extLst>
               <a:ext uri="{FF2B5EF4-FFF2-40B4-BE49-F238E27FC236}">
-                <a16:creationId xmlns:a16="http://schemas.microsoft.com/office/drawing/2014/main" id="{2C6E1007-3BA4-C64A-DA35-7AFAF5BCB083}"/>
+                <a16:creationId xmlns:a16="http://schemas.microsoft.com/office/drawing/2014/main" id="{09D51D3A-5CDA-DA51-3A01-ECFEE0F2596C}"/>
               </a:ext>
             </a:extLst>
           </p:cNvPr>
@@ -8583,8 +9150,8 @@
         </p:nvSpPr>
         <p:spPr>
           <a:xfrm>
-            <a:off x="7230767" y="3490156"/>
-            <a:ext cx="2012089" cy="369332"/>
+            <a:off x="5091791" y="3792156"/>
+            <a:ext cx="2516202" cy="369332"/>
           </a:xfrm>
           <a:prstGeom prst="rect">
             <a:avLst/>
@@ -8603,10 +9170,22 @@
           <a:lstStyle/>
           <a:p>
             <a:r>
-              <a:rPr lang="en-US" dirty="0"/>
-              <a:t>Code optimization</a:t>
-            </a:r>
-            <a:endParaRPr lang="LID4096" dirty="0"/>
+              <a:rPr lang="en-US" dirty="0">
+                <a:ln>
+                  <a:solidFill>
+                    <a:sysClr val="windowText" lastClr="000000"/>
+                  </a:solidFill>
+                </a:ln>
+              </a:rPr>
+              <a:t>Python for data science</a:t>
+            </a:r>
+            <a:endParaRPr lang="LID4096" dirty="0">
+              <a:ln>
+                <a:solidFill>
+                  <a:sysClr val="windowText" lastClr="000000"/>
+                </a:solidFill>
+              </a:ln>
+            </a:endParaRPr>
           </a:p>
         </p:txBody>
       </p:sp>
@@ -8615,7 +9194,7 @@
           <p:cNvPr id="6" name="TextBox 5">
             <a:extLst>
               <a:ext uri="{FF2B5EF4-FFF2-40B4-BE49-F238E27FC236}">
-                <a16:creationId xmlns:a16="http://schemas.microsoft.com/office/drawing/2014/main" id="{81F6E4A0-BE23-C19C-9994-D5AE0163F906}"/>
+                <a16:creationId xmlns:a16="http://schemas.microsoft.com/office/drawing/2014/main" id="{C5E28178-756F-F501-913C-D716D2EE5FDC}"/>
               </a:ext>
             </a:extLst>
           </p:cNvPr>
@@ -8624,8 +9203,8 @@
         </p:nvSpPr>
         <p:spPr>
           <a:xfrm>
-            <a:off x="1347553" y="3490156"/>
-            <a:ext cx="3809889" cy="369332"/>
+            <a:off x="2501800" y="3792156"/>
+            <a:ext cx="1853649" cy="369332"/>
           </a:xfrm>
           <a:prstGeom prst="rect">
             <a:avLst/>
@@ -8644,10 +9223,22 @@
           <a:lstStyle/>
           <a:p>
             <a:r>
-              <a:rPr lang="en-US" dirty="0"/>
-              <a:t>Defensive programming &amp; debugging</a:t>
-            </a:r>
-            <a:endParaRPr lang="LID4096" dirty="0"/>
+              <a:rPr lang="en-US" dirty="0">
+                <a:ln>
+                  <a:solidFill>
+                    <a:sysClr val="windowText" lastClr="000000"/>
+                  </a:solidFill>
+                </a:ln>
+              </a:rPr>
+              <a:t>Scientific Python</a:t>
+            </a:r>
+            <a:endParaRPr lang="LID4096" dirty="0">
+              <a:ln>
+                <a:solidFill>
+                  <a:sysClr val="windowText" lastClr="000000"/>
+                </a:solidFill>
+              </a:ln>
+            </a:endParaRPr>
           </a:p>
         </p:txBody>
       </p:sp>
@@ -8656,7 +9247,7 @@
           <p:cNvPr id="7" name="TextBox 6">
             <a:extLst>
               <a:ext uri="{FF2B5EF4-FFF2-40B4-BE49-F238E27FC236}">
-                <a16:creationId xmlns:a16="http://schemas.microsoft.com/office/drawing/2014/main" id="{1710158B-A69A-B0E1-2D98-6B607E7513D3}"/>
+                <a16:creationId xmlns:a16="http://schemas.microsoft.com/office/drawing/2014/main" id="{0EEA7EFC-F4A7-39BD-7D1D-AB226ED2E463}"/>
               </a:ext>
             </a:extLst>
           </p:cNvPr>
@@ -8665,8 +9256,8 @@
         </p:nvSpPr>
         <p:spPr>
           <a:xfrm>
-            <a:off x="5732064" y="4883272"/>
-            <a:ext cx="3188117" cy="369332"/>
+            <a:off x="225805" y="2746786"/>
+            <a:ext cx="3486019" cy="369332"/>
           </a:xfrm>
           <a:prstGeom prst="rect">
             <a:avLst/>
@@ -8685,10 +9276,22 @@
           <a:lstStyle/>
           <a:p>
             <a:r>
-              <a:rPr lang="en-US" dirty="0"/>
-              <a:t>Parallel programming with MPI</a:t>
-            </a:r>
-            <a:endParaRPr lang="LID4096" dirty="0"/>
+              <a:rPr lang="en-US" dirty="0">
+                <a:ln>
+                  <a:solidFill>
+                    <a:sysClr val="windowText" lastClr="000000"/>
+                  </a:solidFill>
+                </a:ln>
+              </a:rPr>
+              <a:t>Python for systems programming</a:t>
+            </a:r>
+            <a:endParaRPr lang="LID4096" dirty="0">
+              <a:ln>
+                <a:solidFill>
+                  <a:sysClr val="windowText" lastClr="000000"/>
+                </a:solidFill>
+              </a:ln>
+            </a:endParaRPr>
           </a:p>
         </p:txBody>
       </p:sp>
@@ -8697,7 +9300,7 @@
           <p:cNvPr id="8" name="TextBox 7">
             <a:extLst>
               <a:ext uri="{FF2B5EF4-FFF2-40B4-BE49-F238E27FC236}">
-                <a16:creationId xmlns:a16="http://schemas.microsoft.com/office/drawing/2014/main" id="{13A1CC24-74CA-03B1-CB8D-7E2954779B7B}"/>
+                <a16:creationId xmlns:a16="http://schemas.microsoft.com/office/drawing/2014/main" id="{6064AF85-2464-E702-9894-338D2F0BF001}"/>
               </a:ext>
             </a:extLst>
           </p:cNvPr>
@@ -8706,8 +9309,8 @@
         </p:nvSpPr>
         <p:spPr>
           <a:xfrm>
-            <a:off x="1833440" y="5254768"/>
-            <a:ext cx="3675430" cy="369332"/>
+            <a:off x="2222915" y="5473492"/>
+            <a:ext cx="1696811" cy="369332"/>
           </a:xfrm>
           <a:prstGeom prst="rect">
             <a:avLst/>
@@ -8726,10 +9329,22 @@
           <a:lstStyle/>
           <a:p>
             <a:r>
-              <a:rPr lang="en-US" dirty="0"/>
-              <a:t>Parallel programming with OpenMP</a:t>
-            </a:r>
-            <a:endParaRPr lang="LID4096" dirty="0"/>
+              <a:rPr lang="en-US" dirty="0">
+                <a:ln>
+                  <a:solidFill>
+                    <a:sysClr val="windowText" lastClr="000000"/>
+                  </a:solidFill>
+                </a:ln>
+              </a:rPr>
+              <a:t>Python for HPC</a:t>
+            </a:r>
+            <a:endParaRPr lang="LID4096" dirty="0">
+              <a:ln>
+                <a:solidFill>
+                  <a:sysClr val="windowText" lastClr="000000"/>
+                </a:solidFill>
+              </a:ln>
+            </a:endParaRPr>
           </a:p>
         </p:txBody>
       </p:sp>
@@ -8738,7 +9353,7 @@
           <p:cNvPr id="9" name="TextBox 8">
             <a:extLst>
               <a:ext uri="{FF2B5EF4-FFF2-40B4-BE49-F238E27FC236}">
-                <a16:creationId xmlns:a16="http://schemas.microsoft.com/office/drawing/2014/main" id="{271086E7-C268-B2E7-53C7-E44A9FE384F3}"/>
+                <a16:creationId xmlns:a16="http://schemas.microsoft.com/office/drawing/2014/main" id="{EEE7B7CC-2785-9CBB-E6F0-74BE19998629}"/>
               </a:ext>
             </a:extLst>
           </p:cNvPr>
@@ -8747,8 +9362,8 @@
         </p:nvSpPr>
         <p:spPr>
           <a:xfrm>
-            <a:off x="8781696" y="5624100"/>
-            <a:ext cx="2008499" cy="369332"/>
+            <a:off x="8552316" y="3792156"/>
+            <a:ext cx="3099182" cy="369332"/>
           </a:xfrm>
           <a:prstGeom prst="rect">
             <a:avLst/>
@@ -8767,32 +9382,151 @@
           <a:lstStyle/>
           <a:p>
             <a:r>
-              <a:rPr lang="en-US" dirty="0"/>
-              <a:t>GPU programming</a:t>
-            </a:r>
-            <a:endParaRPr lang="LID4096" dirty="0"/>
+              <a:rPr lang="en-US" dirty="0">
+                <a:ln>
+                  <a:solidFill>
+                    <a:sysClr val="windowText" lastClr="000000"/>
+                  </a:solidFill>
+                </a:ln>
+              </a:rPr>
+              <a:t>Machine learning with Python</a:t>
+            </a:r>
+            <a:endParaRPr lang="LID4096" dirty="0">
+              <a:ln>
+                <a:solidFill>
+                  <a:sysClr val="windowText" lastClr="000000"/>
+                </a:solidFill>
+              </a:ln>
+            </a:endParaRPr>
+          </a:p>
+        </p:txBody>
+      </p:sp>
+      <p:sp>
+        <p:nvSpPr>
+          <p:cNvPr id="10" name="TextBox 9">
+            <a:extLst>
+              <a:ext uri="{FF2B5EF4-FFF2-40B4-BE49-F238E27FC236}">
+                <a16:creationId xmlns:a16="http://schemas.microsoft.com/office/drawing/2014/main" id="{0E6E2FE1-C817-DEEF-9A49-BCCBF4CB21CC}"/>
+              </a:ext>
+            </a:extLst>
+          </p:cNvPr>
+          <p:cNvSpPr txBox="1"/>
+          <p:nvPr/>
+        </p:nvSpPr>
+        <p:spPr>
+          <a:xfrm>
+            <a:off x="5544032" y="5473492"/>
+            <a:ext cx="1789272" cy="369332"/>
+          </a:xfrm>
+          <a:prstGeom prst="rect">
+            <a:avLst/>
+          </a:prstGeom>
+          <a:noFill/>
+          <a:ln>
+            <a:solidFill>
+              <a:schemeClr val="tx1"/>
+            </a:solidFill>
+          </a:ln>
+        </p:spPr>
+        <p:txBody>
+          <a:bodyPr wrap="none" rtlCol="0">
+            <a:spAutoFit/>
+          </a:bodyPr>
+          <a:lstStyle/>
+          <a:p>
+            <a:r>
+              <a:rPr lang="en-US" dirty="0">
+                <a:ln>
+                  <a:solidFill>
+                    <a:sysClr val="windowText" lastClr="000000"/>
+                  </a:solidFill>
+                </a:ln>
+              </a:rPr>
+              <a:t>Python on GPUs</a:t>
+            </a:r>
+            <a:endParaRPr lang="LID4096" dirty="0">
+              <a:ln>
+                <a:solidFill>
+                  <a:sysClr val="windowText" lastClr="000000"/>
+                </a:solidFill>
+              </a:ln>
+            </a:endParaRPr>
+          </a:p>
+        </p:txBody>
+      </p:sp>
+      <p:sp>
+        <p:nvSpPr>
+          <p:cNvPr id="11" name="TextBox 10">
+            <a:extLst>
+              <a:ext uri="{FF2B5EF4-FFF2-40B4-BE49-F238E27FC236}">
+                <a16:creationId xmlns:a16="http://schemas.microsoft.com/office/drawing/2014/main" id="{9CDCA53D-ABB8-B34B-5DDB-D9E5F5CDA77D}"/>
+              </a:ext>
+            </a:extLst>
+          </p:cNvPr>
+          <p:cNvSpPr txBox="1"/>
+          <p:nvPr/>
+        </p:nvSpPr>
+        <p:spPr>
+          <a:xfrm>
+            <a:off x="7229862" y="4581475"/>
+            <a:ext cx="2111797" cy="369332"/>
+          </a:xfrm>
+          <a:prstGeom prst="rect">
+            <a:avLst/>
+          </a:prstGeom>
+          <a:noFill/>
+          <a:ln>
+            <a:solidFill>
+              <a:schemeClr val="tx1"/>
+            </a:solidFill>
+          </a:ln>
+        </p:spPr>
+        <p:txBody>
+          <a:bodyPr wrap="none" rtlCol="0">
+            <a:spAutoFit/>
+          </a:bodyPr>
+          <a:lstStyle/>
+          <a:p>
+            <a:r>
+              <a:rPr lang="en-US" dirty="0">
+                <a:ln>
+                  <a:solidFill>
+                    <a:sysClr val="windowText" lastClr="000000"/>
+                  </a:solidFill>
+                </a:ln>
+              </a:rPr>
+              <a:t>Python dashboards</a:t>
+            </a:r>
+            <a:endParaRPr lang="LID4096" dirty="0">
+              <a:ln>
+                <a:solidFill>
+                  <a:sysClr val="windowText" lastClr="000000"/>
+                </a:solidFill>
+              </a:ln>
+            </a:endParaRPr>
           </a:p>
         </p:txBody>
       </p:sp>
       <p:cxnSp>
         <p:nvCxnSpPr>
-          <p:cNvPr id="11" name="Straight Arrow Connector 10">
-            <a:extLst>
-              <a:ext uri="{FF2B5EF4-FFF2-40B4-BE49-F238E27FC236}">
-                <a16:creationId xmlns:a16="http://schemas.microsoft.com/office/drawing/2014/main" id="{9D5669AB-E293-6E49-E6B1-B2CCD8DAF479}"/>
+          <p:cNvPr id="13" name="Straight Arrow Connector 12">
+            <a:extLst>
+              <a:ext uri="{FF2B5EF4-FFF2-40B4-BE49-F238E27FC236}">
+                <a16:creationId xmlns:a16="http://schemas.microsoft.com/office/drawing/2014/main" id="{E50E9312-F69A-648D-D548-6C8D5D8FE3E1}"/>
               </a:ext>
             </a:extLst>
           </p:cNvPr>
           <p:cNvCxnSpPr>
-            <a:stCxn id="3" idx="2"/>
-            <a:endCxn id="6" idx="0"/>
+            <a:cxnSpLocks/>
+            <a:stCxn id="3" idx="3"/>
+            <a:endCxn id="4" idx="1"/>
           </p:cNvCxnSpPr>
           <p:nvPr/>
         </p:nvCxnSpPr>
         <p:spPr>
-          <a:xfrm flipH="1">
-            <a:off x="3252498" y="2281706"/>
-            <a:ext cx="481785" cy="1208450"/>
+          <a:xfrm flipV="1">
+            <a:off x="6212059" y="2069965"/>
+            <a:ext cx="1492059" cy="461"/>
           </a:xfrm>
           <a:prstGeom prst="straightConnector1">
             <a:avLst/>
@@ -8821,23 +9555,24 @@
       </p:cxnSp>
       <p:cxnSp>
         <p:nvCxnSpPr>
-          <p:cNvPr id="13" name="Straight Arrow Connector 12">
-            <a:extLst>
-              <a:ext uri="{FF2B5EF4-FFF2-40B4-BE49-F238E27FC236}">
-                <a16:creationId xmlns:a16="http://schemas.microsoft.com/office/drawing/2014/main" id="{314F1627-A9E6-4271-EFEC-B3629CA683EA}"/>
+          <p:cNvPr id="23" name="Straight Arrow Connector 22">
+            <a:extLst>
+              <a:ext uri="{FF2B5EF4-FFF2-40B4-BE49-F238E27FC236}">
+                <a16:creationId xmlns:a16="http://schemas.microsoft.com/office/drawing/2014/main" id="{AACA1090-254A-5749-B3C5-532B48962D3B}"/>
               </a:ext>
             </a:extLst>
           </p:cNvPr>
           <p:cNvCxnSpPr>
-            <a:stCxn id="3" idx="2"/>
-            <a:endCxn id="5" idx="0"/>
+            <a:cxnSpLocks/>
+            <a:stCxn id="5" idx="2"/>
+            <a:endCxn id="11" idx="0"/>
           </p:cNvCxnSpPr>
           <p:nvPr/>
         </p:nvCxnSpPr>
         <p:spPr>
           <a:xfrm>
-            <a:off x="3734283" y="2281706"/>
-            <a:ext cx="4502529" cy="1208450"/>
+            <a:off x="6349892" y="4161488"/>
+            <a:ext cx="1935869" cy="419987"/>
           </a:xfrm>
           <a:prstGeom prst="straightConnector1">
             <a:avLst/>
@@ -8866,23 +9601,23 @@
       </p:cxnSp>
       <p:cxnSp>
         <p:nvCxnSpPr>
-          <p:cNvPr id="15" name="Straight Arrow Connector 14">
-            <a:extLst>
-              <a:ext uri="{FF2B5EF4-FFF2-40B4-BE49-F238E27FC236}">
-                <a16:creationId xmlns:a16="http://schemas.microsoft.com/office/drawing/2014/main" id="{720760C3-C392-36F8-F7DC-C3AD82C6E1D2}"/>
+          <p:cNvPr id="26" name="Straight Arrow Connector 25">
+            <a:extLst>
+              <a:ext uri="{FF2B5EF4-FFF2-40B4-BE49-F238E27FC236}">
+                <a16:creationId xmlns:a16="http://schemas.microsoft.com/office/drawing/2014/main" id="{DE051BA6-D6D7-3A2B-BEFE-21E00FA0E406}"/>
               </a:ext>
             </a:extLst>
           </p:cNvPr>
           <p:cNvCxnSpPr>
-            <a:stCxn id="3" idx="3"/>
-            <a:endCxn id="4" idx="1"/>
+            <a:stCxn id="5" idx="2"/>
+            <a:endCxn id="8" idx="0"/>
           </p:cNvCxnSpPr>
           <p:nvPr/>
         </p:nvCxnSpPr>
         <p:spPr>
-          <a:xfrm flipV="1">
-            <a:off x="4491061" y="2092123"/>
-            <a:ext cx="1241003" cy="4917"/>
+          <a:xfrm flipH="1">
+            <a:off x="3071321" y="4161488"/>
+            <a:ext cx="3278571" cy="1312004"/>
           </a:xfrm>
           <a:prstGeom prst="straightConnector1">
             <a:avLst/>
@@ -8911,68 +9646,24 @@
       </p:cxnSp>
       <p:cxnSp>
         <p:nvCxnSpPr>
-          <p:cNvPr id="17" name="Straight Arrow Connector 16">
-            <a:extLst>
-              <a:ext uri="{FF2B5EF4-FFF2-40B4-BE49-F238E27FC236}">
-                <a16:creationId xmlns:a16="http://schemas.microsoft.com/office/drawing/2014/main" id="{C8F4FDE1-D4AB-AEE8-CCD3-C2AA54109089}"/>
+          <p:cNvPr id="28" name="Straight Arrow Connector 27">
+            <a:extLst>
+              <a:ext uri="{FF2B5EF4-FFF2-40B4-BE49-F238E27FC236}">
+                <a16:creationId xmlns:a16="http://schemas.microsoft.com/office/drawing/2014/main" id="{92325F86-AC96-1386-1869-E914F2F13A34}"/>
               </a:ext>
             </a:extLst>
           </p:cNvPr>
           <p:cNvCxnSpPr>
-            <a:stCxn id="6" idx="3"/>
-            <a:endCxn id="5" idx="1"/>
+            <a:cxnSpLocks/>
+            <a:stCxn id="9" idx="2"/>
+            <a:endCxn id="11" idx="0"/>
           </p:cNvCxnSpPr>
           <p:nvPr/>
         </p:nvCxnSpPr>
         <p:spPr>
-          <a:xfrm>
-            <a:off x="5157442" y="3674822"/>
-            <a:ext cx="2073325" cy="0"/>
-          </a:xfrm>
-          <a:prstGeom prst="straightConnector1">
-            <a:avLst/>
-          </a:prstGeom>
-          <a:ln>
-            <a:solidFill>
-              <a:schemeClr val="tx1"/>
-            </a:solidFill>
-            <a:tailEnd type="triangle"/>
-          </a:ln>
-        </p:spPr>
-        <p:style>
-          <a:lnRef idx="2">
-            <a:schemeClr val="accent1"/>
-          </a:lnRef>
-          <a:fillRef idx="0">
-            <a:schemeClr val="accent1"/>
-          </a:fillRef>
-          <a:effectRef idx="1">
-            <a:schemeClr val="accent1"/>
-          </a:effectRef>
-          <a:fontRef idx="minor">
-            <a:schemeClr val="tx1"/>
-          </a:fontRef>
-        </p:style>
-      </p:cxnSp>
-      <p:cxnSp>
-        <p:nvCxnSpPr>
-          <p:cNvPr id="21" name="Straight Arrow Connector 20">
-            <a:extLst>
-              <a:ext uri="{FF2B5EF4-FFF2-40B4-BE49-F238E27FC236}">
-                <a16:creationId xmlns:a16="http://schemas.microsoft.com/office/drawing/2014/main" id="{6F3263CC-6E77-CC45-0F99-4D2CA8AEDFBC}"/>
-              </a:ext>
-            </a:extLst>
-          </p:cNvPr>
-          <p:cNvCxnSpPr>
-            <a:stCxn id="5" idx="2"/>
-            <a:endCxn id="7" idx="0"/>
-          </p:cNvCxnSpPr>
-          <p:nvPr/>
-        </p:nvCxnSpPr>
-        <p:spPr>
           <a:xfrm flipH="1">
-            <a:off x="7326123" y="3859488"/>
-            <a:ext cx="910689" cy="1023784"/>
+            <a:off x="8285761" y="4161488"/>
+            <a:ext cx="1816146" cy="419987"/>
           </a:xfrm>
           <a:prstGeom prst="straightConnector1">
             <a:avLst/>
@@ -9004,20 +9695,20 @@
           <p:cNvPr id="31" name="Straight Arrow Connector 30">
             <a:extLst>
               <a:ext uri="{FF2B5EF4-FFF2-40B4-BE49-F238E27FC236}">
-                <a16:creationId xmlns:a16="http://schemas.microsoft.com/office/drawing/2014/main" id="{F9B33659-6119-0EEB-891D-08E1A8EA2DEA}"/>
+                <a16:creationId xmlns:a16="http://schemas.microsoft.com/office/drawing/2014/main" id="{2B81FCAD-6222-7E7F-EB77-4910855A53C7}"/>
               </a:ext>
             </a:extLst>
           </p:cNvPr>
           <p:cNvCxnSpPr>
-            <a:stCxn id="5" idx="2"/>
+            <a:stCxn id="6" idx="2"/>
             <a:endCxn id="8" idx="0"/>
           </p:cNvCxnSpPr>
           <p:nvPr/>
         </p:nvCxnSpPr>
         <p:spPr>
           <a:xfrm flipH="1">
-            <a:off x="3671155" y="3859488"/>
-            <a:ext cx="4565657" cy="1395280"/>
+            <a:off x="3071321" y="4161488"/>
+            <a:ext cx="357304" cy="1312004"/>
           </a:xfrm>
           <a:prstGeom prst="straightConnector1">
             <a:avLst/>
@@ -9049,20 +9740,20 @@
           <p:cNvPr id="33" name="Straight Arrow Connector 32">
             <a:extLst>
               <a:ext uri="{FF2B5EF4-FFF2-40B4-BE49-F238E27FC236}">
-                <a16:creationId xmlns:a16="http://schemas.microsoft.com/office/drawing/2014/main" id="{AB8D73FF-B681-7FED-59DF-CA16589BBA1A}"/>
+                <a16:creationId xmlns:a16="http://schemas.microsoft.com/office/drawing/2014/main" id="{69E25692-3729-E313-396F-E2116A3020A1}"/>
               </a:ext>
             </a:extLst>
           </p:cNvPr>
           <p:cNvCxnSpPr>
-            <a:stCxn id="8" idx="3"/>
-            <a:endCxn id="7" idx="1"/>
+            <a:stCxn id="6" idx="2"/>
+            <a:endCxn id="10" idx="0"/>
           </p:cNvCxnSpPr>
           <p:nvPr/>
         </p:nvCxnSpPr>
         <p:spPr>
-          <a:xfrm flipV="1">
-            <a:off x="5508870" y="5067938"/>
-            <a:ext cx="223194" cy="371496"/>
+          <a:xfrm>
+            <a:off x="3428625" y="4161488"/>
+            <a:ext cx="3010043" cy="1312004"/>
           </a:xfrm>
           <a:prstGeom prst="straightConnector1">
             <a:avLst/>
@@ -9091,23 +9782,22 @@
       </p:cxnSp>
       <p:cxnSp>
         <p:nvCxnSpPr>
-          <p:cNvPr id="35" name="Straight Arrow Connector 34">
-            <a:extLst>
-              <a:ext uri="{FF2B5EF4-FFF2-40B4-BE49-F238E27FC236}">
-                <a16:creationId xmlns:a16="http://schemas.microsoft.com/office/drawing/2014/main" id="{C2542DA2-2763-3BD1-D202-2E04AD34D314}"/>
+          <p:cNvPr id="65" name="Straight Arrow Connector 64">
+            <a:extLst>
+              <a:ext uri="{FF2B5EF4-FFF2-40B4-BE49-F238E27FC236}">
+                <a16:creationId xmlns:a16="http://schemas.microsoft.com/office/drawing/2014/main" id="{3EF60CF3-3702-EAD6-0E27-48ECE032693A}"/>
               </a:ext>
             </a:extLst>
           </p:cNvPr>
           <p:cNvCxnSpPr>
-            <a:stCxn id="8" idx="3"/>
-            <a:endCxn id="9" idx="1"/>
+            <a:cxnSpLocks/>
           </p:cNvCxnSpPr>
           <p:nvPr/>
         </p:nvCxnSpPr>
         <p:spPr>
           <a:xfrm>
-            <a:off x="5508870" y="5439434"/>
-            <a:ext cx="3272826" cy="369332"/>
+            <a:off x="4355449" y="3971359"/>
+            <a:ext cx="736342" cy="0"/>
           </a:xfrm>
           <a:prstGeom prst="straightConnector1">
             <a:avLst/>
@@ -9136,23 +9826,23 @@
       </p:cxnSp>
       <p:cxnSp>
         <p:nvCxnSpPr>
-          <p:cNvPr id="37" name="Straight Arrow Connector 36">
-            <a:extLst>
-              <a:ext uri="{FF2B5EF4-FFF2-40B4-BE49-F238E27FC236}">
-                <a16:creationId xmlns:a16="http://schemas.microsoft.com/office/drawing/2014/main" id="{A056DE7D-CD22-F4CF-84B9-038D634B2D28}"/>
+          <p:cNvPr id="74" name="Straight Arrow Connector 73">
+            <a:extLst>
+              <a:ext uri="{FF2B5EF4-FFF2-40B4-BE49-F238E27FC236}">
+                <a16:creationId xmlns:a16="http://schemas.microsoft.com/office/drawing/2014/main" id="{6377D112-C0B3-488C-0565-2296A4E22223}"/>
               </a:ext>
             </a:extLst>
           </p:cNvPr>
           <p:cNvCxnSpPr>
-            <a:stCxn id="5" idx="2"/>
-            <a:endCxn id="9" idx="0"/>
+            <a:stCxn id="8" idx="3"/>
+            <a:endCxn id="10" idx="1"/>
           </p:cNvCxnSpPr>
           <p:nvPr/>
         </p:nvCxnSpPr>
         <p:spPr>
           <a:xfrm>
-            <a:off x="8236812" y="3859488"/>
-            <a:ext cx="1549134" cy="1764612"/>
+            <a:off x="3919726" y="5658158"/>
+            <a:ext cx="1624306" cy="0"/>
           </a:xfrm>
           <a:prstGeom prst="straightConnector1">
             <a:avLst/>
@@ -9179,12 +9869,236 @@
           </a:fontRef>
         </p:style>
       </p:cxnSp>
-      <p:sp>
-        <p:nvSpPr>
-          <p:cNvPr id="45" name="TextBox 44">
-            <a:extLst>
-              <a:ext uri="{FF2B5EF4-FFF2-40B4-BE49-F238E27FC236}">
-                <a16:creationId xmlns:a16="http://schemas.microsoft.com/office/drawing/2014/main" id="{A7A752C5-6A44-91DA-D3E6-259E27DC0382}"/>
+      <p:cxnSp>
+        <p:nvCxnSpPr>
+          <p:cNvPr id="78" name="Straight Arrow Connector 77">
+            <a:extLst>
+              <a:ext uri="{FF2B5EF4-FFF2-40B4-BE49-F238E27FC236}">
+                <a16:creationId xmlns:a16="http://schemas.microsoft.com/office/drawing/2014/main" id="{A876F3BB-7F99-F5A3-ED07-EB05B0D380C1}"/>
+              </a:ext>
+            </a:extLst>
+          </p:cNvPr>
+          <p:cNvCxnSpPr>
+            <a:cxnSpLocks/>
+          </p:cNvCxnSpPr>
+          <p:nvPr/>
+        </p:nvCxnSpPr>
+        <p:spPr>
+          <a:xfrm>
+            <a:off x="7607993" y="3976822"/>
+            <a:ext cx="944323" cy="0"/>
+          </a:xfrm>
+          <a:prstGeom prst="straightConnector1">
+            <a:avLst/>
+          </a:prstGeom>
+          <a:ln>
+            <a:solidFill>
+              <a:schemeClr val="tx1"/>
+            </a:solidFill>
+            <a:tailEnd type="triangle"/>
+          </a:ln>
+        </p:spPr>
+        <p:style>
+          <a:lnRef idx="2">
+            <a:schemeClr val="accent1"/>
+          </a:lnRef>
+          <a:fillRef idx="0">
+            <a:schemeClr val="accent1"/>
+          </a:fillRef>
+          <a:effectRef idx="1">
+            <a:schemeClr val="accent1"/>
+          </a:effectRef>
+          <a:fontRef idx="minor">
+            <a:schemeClr val="tx1"/>
+          </a:fontRef>
+        </p:style>
+      </p:cxnSp>
+      <p:cxnSp>
+        <p:nvCxnSpPr>
+          <p:cNvPr id="95" name="Straight Arrow Connector 94">
+            <a:extLst>
+              <a:ext uri="{FF2B5EF4-FFF2-40B4-BE49-F238E27FC236}">
+                <a16:creationId xmlns:a16="http://schemas.microsoft.com/office/drawing/2014/main" id="{19B74D43-DB26-078E-CB27-50C55AE2758D}"/>
+              </a:ext>
+            </a:extLst>
+          </p:cNvPr>
+          <p:cNvCxnSpPr>
+            <a:stCxn id="3" idx="2"/>
+            <a:endCxn id="7" idx="0"/>
+          </p:cNvCxnSpPr>
+          <p:nvPr/>
+        </p:nvCxnSpPr>
+        <p:spPr>
+          <a:xfrm flipH="1">
+            <a:off x="1968815" y="2255092"/>
+            <a:ext cx="2953725" cy="491694"/>
+          </a:xfrm>
+          <a:prstGeom prst="straightConnector1">
+            <a:avLst/>
+          </a:prstGeom>
+          <a:ln>
+            <a:solidFill>
+              <a:schemeClr val="tx1"/>
+            </a:solidFill>
+            <a:tailEnd type="triangle"/>
+          </a:ln>
+        </p:spPr>
+        <p:style>
+          <a:lnRef idx="2">
+            <a:schemeClr val="accent1"/>
+          </a:lnRef>
+          <a:fillRef idx="0">
+            <a:schemeClr val="accent1"/>
+          </a:fillRef>
+          <a:effectRef idx="1">
+            <a:schemeClr val="accent1"/>
+          </a:effectRef>
+          <a:fontRef idx="minor">
+            <a:schemeClr val="tx1"/>
+          </a:fontRef>
+        </p:style>
+      </p:cxnSp>
+      <p:cxnSp>
+        <p:nvCxnSpPr>
+          <p:cNvPr id="97" name="Straight Arrow Connector 96">
+            <a:extLst>
+              <a:ext uri="{FF2B5EF4-FFF2-40B4-BE49-F238E27FC236}">
+                <a16:creationId xmlns:a16="http://schemas.microsoft.com/office/drawing/2014/main" id="{1CAEA487-40F0-5A7B-77E3-D043092AFE0F}"/>
+              </a:ext>
+            </a:extLst>
+          </p:cNvPr>
+          <p:cNvCxnSpPr>
+            <a:stCxn id="3" idx="2"/>
+            <a:endCxn id="6" idx="0"/>
+          </p:cNvCxnSpPr>
+          <p:nvPr/>
+        </p:nvCxnSpPr>
+        <p:spPr>
+          <a:xfrm flipH="1">
+            <a:off x="3428625" y="2255092"/>
+            <a:ext cx="1493915" cy="1537064"/>
+          </a:xfrm>
+          <a:prstGeom prst="straightConnector1">
+            <a:avLst/>
+          </a:prstGeom>
+          <a:ln>
+            <a:solidFill>
+              <a:schemeClr val="tx1"/>
+            </a:solidFill>
+            <a:tailEnd type="triangle"/>
+          </a:ln>
+        </p:spPr>
+        <p:style>
+          <a:lnRef idx="2">
+            <a:schemeClr val="accent1"/>
+          </a:lnRef>
+          <a:fillRef idx="0">
+            <a:schemeClr val="accent1"/>
+          </a:fillRef>
+          <a:effectRef idx="1">
+            <a:schemeClr val="accent1"/>
+          </a:effectRef>
+          <a:fontRef idx="minor">
+            <a:schemeClr val="tx1"/>
+          </a:fontRef>
+        </p:style>
+      </p:cxnSp>
+      <p:cxnSp>
+        <p:nvCxnSpPr>
+          <p:cNvPr id="99" name="Straight Arrow Connector 98">
+            <a:extLst>
+              <a:ext uri="{FF2B5EF4-FFF2-40B4-BE49-F238E27FC236}">
+                <a16:creationId xmlns:a16="http://schemas.microsoft.com/office/drawing/2014/main" id="{C262378B-1FD1-D870-43FD-C8CF18AB15A6}"/>
+              </a:ext>
+            </a:extLst>
+          </p:cNvPr>
+          <p:cNvCxnSpPr>
+            <a:stCxn id="3" idx="2"/>
+            <a:endCxn id="5" idx="0"/>
+          </p:cNvCxnSpPr>
+          <p:nvPr/>
+        </p:nvCxnSpPr>
+        <p:spPr>
+          <a:xfrm>
+            <a:off x="4922540" y="2255092"/>
+            <a:ext cx="1427352" cy="1537064"/>
+          </a:xfrm>
+          <a:prstGeom prst="straightConnector1">
+            <a:avLst/>
+          </a:prstGeom>
+          <a:ln>
+            <a:solidFill>
+              <a:schemeClr val="tx1"/>
+            </a:solidFill>
+            <a:tailEnd type="triangle"/>
+          </a:ln>
+        </p:spPr>
+        <p:style>
+          <a:lnRef idx="2">
+            <a:schemeClr val="accent1"/>
+          </a:lnRef>
+          <a:fillRef idx="0">
+            <a:schemeClr val="accent1"/>
+          </a:fillRef>
+          <a:effectRef idx="1">
+            <a:schemeClr val="accent1"/>
+          </a:effectRef>
+          <a:fontRef idx="minor">
+            <a:schemeClr val="tx1"/>
+          </a:fontRef>
+        </p:style>
+      </p:cxnSp>
+      <p:cxnSp>
+        <p:nvCxnSpPr>
+          <p:cNvPr id="101" name="Straight Arrow Connector 100">
+            <a:extLst>
+              <a:ext uri="{FF2B5EF4-FFF2-40B4-BE49-F238E27FC236}">
+                <a16:creationId xmlns:a16="http://schemas.microsoft.com/office/drawing/2014/main" id="{CC186D1F-46A2-3FC9-DCAF-8ADEBC1B083F}"/>
+              </a:ext>
+            </a:extLst>
+          </p:cNvPr>
+          <p:cNvCxnSpPr>
+            <a:stCxn id="3" idx="2"/>
+            <a:endCxn id="9" idx="0"/>
+          </p:cNvCxnSpPr>
+          <p:nvPr/>
+        </p:nvCxnSpPr>
+        <p:spPr>
+          <a:xfrm>
+            <a:off x="4922540" y="2255092"/>
+            <a:ext cx="5179367" cy="1537064"/>
+          </a:xfrm>
+          <a:prstGeom prst="straightConnector1">
+            <a:avLst/>
+          </a:prstGeom>
+          <a:ln>
+            <a:solidFill>
+              <a:schemeClr val="tx1"/>
+            </a:solidFill>
+            <a:tailEnd type="triangle"/>
+          </a:ln>
+        </p:spPr>
+        <p:style>
+          <a:lnRef idx="2">
+            <a:schemeClr val="accent1"/>
+          </a:lnRef>
+          <a:fillRef idx="0">
+            <a:schemeClr val="accent1"/>
+          </a:fillRef>
+          <a:effectRef idx="1">
+            <a:schemeClr val="accent1"/>
+          </a:effectRef>
+          <a:fontRef idx="minor">
+            <a:schemeClr val="tx1"/>
+          </a:fontRef>
+        </p:style>
+      </p:cxnSp>
+      <p:sp>
+        <p:nvSpPr>
+          <p:cNvPr id="104" name="TextBox 103">
+            <a:extLst>
+              <a:ext uri="{FF2B5EF4-FFF2-40B4-BE49-F238E27FC236}">
+                <a16:creationId xmlns:a16="http://schemas.microsoft.com/office/drawing/2014/main" id="{1ABC5CCB-0479-9440-0BAE-29099ABB1A2B}"/>
               </a:ext>
             </a:extLst>
           </p:cNvPr>
@@ -9193,8 +10107,8 @@
         </p:nvSpPr>
         <p:spPr>
           <a:xfrm>
-            <a:off x="405345" y="4513940"/>
-            <a:ext cx="4026872" cy="369332"/>
+            <a:off x="4844609" y="6027490"/>
+            <a:ext cx="3188117" cy="369332"/>
           </a:xfrm>
           <a:prstGeom prst="rect">
             <a:avLst/>
@@ -9214,7 +10128,7 @@
           <a:p>
             <a:r>
               <a:rPr lang="en-US" dirty="0"/>
-              <a:t>Parallel programming with STL and TBB</a:t>
+              <a:t>Parallel programming with MPI</a:t>
             </a:r>
             <a:endParaRPr lang="LID4096" dirty="0"/>
           </a:p>
@@ -9222,24 +10136,23 @@
       </p:sp>
       <p:cxnSp>
         <p:nvCxnSpPr>
-          <p:cNvPr id="46" name="Straight Arrow Connector 45">
-            <a:extLst>
-              <a:ext uri="{FF2B5EF4-FFF2-40B4-BE49-F238E27FC236}">
-                <a16:creationId xmlns:a16="http://schemas.microsoft.com/office/drawing/2014/main" id="{DB2636E9-BA8E-ED28-9112-22F565901035}"/>
+          <p:cNvPr id="115" name="Straight Arrow Connector 114">
+            <a:extLst>
+              <a:ext uri="{FF2B5EF4-FFF2-40B4-BE49-F238E27FC236}">
+                <a16:creationId xmlns:a16="http://schemas.microsoft.com/office/drawing/2014/main" id="{F2678CF9-474A-A9A2-CCE1-EE20A411F370}"/>
               </a:ext>
             </a:extLst>
           </p:cNvPr>
           <p:cNvCxnSpPr>
-            <a:cxnSpLocks/>
-            <a:stCxn id="5" idx="2"/>
-            <a:endCxn id="45" idx="3"/>
+            <a:stCxn id="8" idx="3"/>
+            <a:endCxn id="104" idx="1"/>
           </p:cNvCxnSpPr>
           <p:nvPr/>
         </p:nvCxnSpPr>
         <p:spPr>
-          <a:xfrm flipH="1">
-            <a:off x="4432217" y="3859488"/>
-            <a:ext cx="3804595" cy="839118"/>
+          <a:xfrm>
+            <a:off x="3919726" y="5658158"/>
+            <a:ext cx="924883" cy="553998"/>
           </a:xfrm>
           <a:prstGeom prst="straightConnector1">
             <a:avLst/>
@@ -9249,6 +10162,105 @@
               <a:schemeClr val="tx1"/>
             </a:solidFill>
             <a:tailEnd type="triangle"/>
+          </a:ln>
+        </p:spPr>
+        <p:style>
+          <a:lnRef idx="2">
+            <a:schemeClr val="accent1"/>
+          </a:lnRef>
+          <a:fillRef idx="0">
+            <a:schemeClr val="accent1"/>
+          </a:fillRef>
+          <a:effectRef idx="1">
+            <a:schemeClr val="accent1"/>
+          </a:effectRef>
+          <a:fontRef idx="minor">
+            <a:schemeClr val="tx1"/>
+          </a:fontRef>
+        </p:style>
+      </p:cxnSp>
+      <p:sp>
+        <p:nvSpPr>
+          <p:cNvPr id="12" name="TextBox 11">
+            <a:extLst>
+              <a:ext uri="{FF2B5EF4-FFF2-40B4-BE49-F238E27FC236}">
+                <a16:creationId xmlns:a16="http://schemas.microsoft.com/office/drawing/2014/main" id="{C255E564-C6C1-2411-070B-B2091CE39D6E}"/>
+              </a:ext>
+            </a:extLst>
+          </p:cNvPr>
+          <p:cNvSpPr txBox="1"/>
+          <p:nvPr/>
+        </p:nvSpPr>
+        <p:spPr>
+          <a:xfrm>
+            <a:off x="530156" y="1579054"/>
+            <a:ext cx="2220351" cy="369332"/>
+          </a:xfrm>
+          <a:prstGeom prst="rect">
+            <a:avLst/>
+          </a:prstGeom>
+          <a:noFill/>
+          <a:ln>
+            <a:solidFill>
+              <a:schemeClr val="tx1"/>
+            </a:solidFill>
+          </a:ln>
+        </p:spPr>
+        <p:txBody>
+          <a:bodyPr wrap="none" rtlCol="0">
+            <a:spAutoFit/>
+          </a:bodyPr>
+          <a:lstStyle/>
+          <a:p>
+            <a:r>
+              <a:rPr lang="en-US" dirty="0">
+                <a:ln>
+                  <a:solidFill>
+                    <a:sysClr val="windowText" lastClr="000000"/>
+                  </a:solidFill>
+                </a:ln>
+              </a:rPr>
+              <a:t>Python for beginners</a:t>
+            </a:r>
+            <a:endParaRPr lang="LID4096" dirty="0">
+              <a:ln>
+                <a:solidFill>
+                  <a:sysClr val="windowText" lastClr="000000"/>
+                </a:solidFill>
+              </a:ln>
+            </a:endParaRPr>
+          </a:p>
+        </p:txBody>
+      </p:sp>
+      <p:cxnSp>
+        <p:nvCxnSpPr>
+          <p:cNvPr id="15" name="Straight Arrow Connector 14">
+            <a:extLst>
+              <a:ext uri="{FF2B5EF4-FFF2-40B4-BE49-F238E27FC236}">
+                <a16:creationId xmlns:a16="http://schemas.microsoft.com/office/drawing/2014/main" id="{17B8CE05-A30C-CF37-40B9-CC80B6987250}"/>
+              </a:ext>
+            </a:extLst>
+          </p:cNvPr>
+          <p:cNvCxnSpPr>
+            <a:stCxn id="12" idx="3"/>
+            <a:endCxn id="3" idx="1"/>
+          </p:cNvCxnSpPr>
+          <p:nvPr/>
+        </p:nvCxnSpPr>
+        <p:spPr>
+          <a:xfrm>
+            <a:off x="2750507" y="1763720"/>
+            <a:ext cx="882513" cy="306706"/>
+          </a:xfrm>
+          <a:prstGeom prst="straightConnector1">
+            <a:avLst/>
+          </a:prstGeom>
+          <a:ln>
+            <a:solidFill>
+              <a:schemeClr val="tx1"/>
+            </a:solidFill>
+            <a:headEnd w="lg" len="lg"/>
+            <a:tailEnd type="triangle" w="med" len="sm"/>
           </a:ln>
         </p:spPr>
         <p:style>
@@ -9269,7 +10281,7 @@
     </p:spTree>
     <p:extLst>
       <p:ext uri="{BB962C8B-B14F-4D97-AF65-F5344CB8AC3E}">
-        <p14:creationId xmlns:p14="http://schemas.microsoft.com/office/powerpoint/2010/main" val="769492150"/>
+        <p14:creationId xmlns:p14="http://schemas.microsoft.com/office/powerpoint/2010/main" val="1108261746"/>
       </p:ext>
     </p:extLst>
   </p:cSld>
@@ -9319,7 +10331,7 @@
           <a:p>
             <a:r>
               <a:rPr lang="en-US" dirty="0"/>
-              <a:t>Programming: C</a:t>
+              <a:t>Programming: C++</a:t>
             </a:r>
             <a:endParaRPr lang="LID4096" dirty="0"/>
           </a:p>
@@ -9340,7 +10352,7 @@
         <p:spPr>
           <a:xfrm>
             <a:off x="2977505" y="1912374"/>
-            <a:ext cx="1266693" cy="369332"/>
+            <a:ext cx="1513556" cy="369332"/>
           </a:xfrm>
           <a:prstGeom prst="rect">
             <a:avLst/>
@@ -9364,7 +10376,7 @@
             </a:r>
             <a:r>
               <a:rPr lang="en-US" dirty="0"/>
-              <a:t> C</a:t>
+              <a:t> C++</a:t>
             </a:r>
             <a:endParaRPr lang="LID4096" dirty="0"/>
           </a:p>
@@ -9372,10 +10384,10 @@
       </p:sp>
       <p:sp>
         <p:nvSpPr>
-          <p:cNvPr id="5" name="TextBox 4">
-            <a:extLst>
-              <a:ext uri="{FF2B5EF4-FFF2-40B4-BE49-F238E27FC236}">
-                <a16:creationId xmlns:a16="http://schemas.microsoft.com/office/drawing/2014/main" id="{2C6E1007-3BA4-C64A-DA35-7AFAF5BCB083}"/>
+          <p:cNvPr id="4" name="TextBox 3">
+            <a:extLst>
+              <a:ext uri="{FF2B5EF4-FFF2-40B4-BE49-F238E27FC236}">
+                <a16:creationId xmlns:a16="http://schemas.microsoft.com/office/drawing/2014/main" id="{DDD639C0-9511-7DBC-2D8A-35A626164ADF}"/>
               </a:ext>
             </a:extLst>
           </p:cNvPr>
@@ -9384,8 +10396,8 @@
         </p:nvSpPr>
         <p:spPr>
           <a:xfrm>
-            <a:off x="7230767" y="3490156"/>
-            <a:ext cx="2012089" cy="369332"/>
+            <a:off x="5732064" y="1907457"/>
+            <a:ext cx="2710037" cy="369332"/>
           </a:xfrm>
           <a:prstGeom prst="rect">
             <a:avLst/>
@@ -9405,7 +10417,7 @@
           <a:p>
             <a:r>
               <a:rPr lang="en-US" dirty="0"/>
-              <a:t>Code optimization</a:t>
+              <a:t>C++ software engineering</a:t>
             </a:r>
             <a:endParaRPr lang="LID4096" dirty="0"/>
           </a:p>
@@ -9413,10 +10425,10 @@
       </p:sp>
       <p:sp>
         <p:nvSpPr>
-          <p:cNvPr id="6" name="TextBox 5">
-            <a:extLst>
-              <a:ext uri="{FF2B5EF4-FFF2-40B4-BE49-F238E27FC236}">
-                <a16:creationId xmlns:a16="http://schemas.microsoft.com/office/drawing/2014/main" id="{81F6E4A0-BE23-C19C-9994-D5AE0163F906}"/>
+          <p:cNvPr id="5" name="TextBox 4">
+            <a:extLst>
+              <a:ext uri="{FF2B5EF4-FFF2-40B4-BE49-F238E27FC236}">
+                <a16:creationId xmlns:a16="http://schemas.microsoft.com/office/drawing/2014/main" id="{2C6E1007-3BA4-C64A-DA35-7AFAF5BCB083}"/>
               </a:ext>
             </a:extLst>
           </p:cNvPr>
@@ -9425,8 +10437,8 @@
         </p:nvSpPr>
         <p:spPr>
           <a:xfrm>
-            <a:off x="1347553" y="3490156"/>
-            <a:ext cx="3809889" cy="369332"/>
+            <a:off x="6729727" y="3490156"/>
+            <a:ext cx="2012089" cy="369332"/>
           </a:xfrm>
           <a:prstGeom prst="rect">
             <a:avLst/>
@@ -9446,7 +10458,7 @@
           <a:p>
             <a:r>
               <a:rPr lang="en-US" dirty="0"/>
-              <a:t>Defensive programming &amp; debugging</a:t>
+              <a:t>Code optimization</a:t>
             </a:r>
             <a:endParaRPr lang="LID4096" dirty="0"/>
           </a:p>
@@ -9454,10 +10466,10 @@
       </p:sp>
       <p:sp>
         <p:nvSpPr>
-          <p:cNvPr id="7" name="TextBox 6">
-            <a:extLst>
-              <a:ext uri="{FF2B5EF4-FFF2-40B4-BE49-F238E27FC236}">
-                <a16:creationId xmlns:a16="http://schemas.microsoft.com/office/drawing/2014/main" id="{1710158B-A69A-B0E1-2D98-6B607E7513D3}"/>
+          <p:cNvPr id="6" name="TextBox 5">
+            <a:extLst>
+              <a:ext uri="{FF2B5EF4-FFF2-40B4-BE49-F238E27FC236}">
+                <a16:creationId xmlns:a16="http://schemas.microsoft.com/office/drawing/2014/main" id="{81F6E4A0-BE23-C19C-9994-D5AE0163F906}"/>
               </a:ext>
             </a:extLst>
           </p:cNvPr>
@@ -9466,8 +10478,8 @@
         </p:nvSpPr>
         <p:spPr>
           <a:xfrm>
-            <a:off x="5046718" y="4745606"/>
-            <a:ext cx="3188117" cy="369332"/>
+            <a:off x="533363" y="3490156"/>
+            <a:ext cx="3809889" cy="369332"/>
           </a:xfrm>
           <a:prstGeom prst="rect">
             <a:avLst/>
@@ -9487,7 +10499,7 @@
           <a:p>
             <a:r>
               <a:rPr lang="en-US" dirty="0"/>
-              <a:t>Parallel programming with MPI</a:t>
+              <a:t>Defensive programming &amp; debugging</a:t>
             </a:r>
             <a:endParaRPr lang="LID4096" dirty="0"/>
           </a:p>
@@ -9495,10 +10507,10 @@
       </p:sp>
       <p:sp>
         <p:nvSpPr>
-          <p:cNvPr id="8" name="TextBox 7">
-            <a:extLst>
-              <a:ext uri="{FF2B5EF4-FFF2-40B4-BE49-F238E27FC236}">
-                <a16:creationId xmlns:a16="http://schemas.microsoft.com/office/drawing/2014/main" id="{13A1CC24-74CA-03B1-CB8D-7E2954779B7B}"/>
+          <p:cNvPr id="7" name="TextBox 6">
+            <a:extLst>
+              <a:ext uri="{FF2B5EF4-FFF2-40B4-BE49-F238E27FC236}">
+                <a16:creationId xmlns:a16="http://schemas.microsoft.com/office/drawing/2014/main" id="{1710158B-A69A-B0E1-2D98-6B607E7513D3}"/>
               </a:ext>
             </a:extLst>
           </p:cNvPr>
@@ -9507,8 +10519,8 @@
         </p:nvSpPr>
         <p:spPr>
           <a:xfrm>
-            <a:off x="784158" y="5117102"/>
-            <a:ext cx="3675430" cy="369332"/>
+            <a:off x="5732064" y="4883272"/>
+            <a:ext cx="3188117" cy="369332"/>
           </a:xfrm>
           <a:prstGeom prst="rect">
             <a:avLst/>
@@ -9528,7 +10540,7 @@
           <a:p>
             <a:r>
               <a:rPr lang="en-US" dirty="0"/>
-              <a:t>Parallel programming with OpenMP</a:t>
+              <a:t>Parallel programming with MPI</a:t>
             </a:r>
             <a:endParaRPr lang="LID4096" dirty="0"/>
           </a:p>
@@ -9536,10 +10548,10 @@
       </p:sp>
       <p:sp>
         <p:nvSpPr>
-          <p:cNvPr id="9" name="TextBox 8">
-            <a:extLst>
-              <a:ext uri="{FF2B5EF4-FFF2-40B4-BE49-F238E27FC236}">
-                <a16:creationId xmlns:a16="http://schemas.microsoft.com/office/drawing/2014/main" id="{271086E7-C268-B2E7-53C7-E44A9FE384F3}"/>
+          <p:cNvPr id="8" name="TextBox 7">
+            <a:extLst>
+              <a:ext uri="{FF2B5EF4-FFF2-40B4-BE49-F238E27FC236}">
+                <a16:creationId xmlns:a16="http://schemas.microsoft.com/office/drawing/2014/main" id="{13A1CC24-74CA-03B1-CB8D-7E2954779B7B}"/>
               </a:ext>
             </a:extLst>
           </p:cNvPr>
@@ -9548,8 +10560,8 @@
         </p:nvSpPr>
         <p:spPr>
           <a:xfrm>
-            <a:off x="7732414" y="5486434"/>
-            <a:ext cx="2008499" cy="369332"/>
+            <a:off x="1833440" y="5254768"/>
+            <a:ext cx="3675430" cy="369332"/>
           </a:xfrm>
           <a:prstGeom prst="rect">
             <a:avLst/>
@@ -9569,7 +10581,48 @@
           <a:p>
             <a:r>
               <a:rPr lang="en-US" dirty="0"/>
-              <a:t>GPU programming</a:t>
+              <a:t>Parallel programming with OpenMP</a:t>
+            </a:r>
+            <a:endParaRPr lang="LID4096" dirty="0"/>
+          </a:p>
+        </p:txBody>
+      </p:sp>
+      <p:sp>
+        <p:nvSpPr>
+          <p:cNvPr id="9" name="TextBox 8">
+            <a:extLst>
+              <a:ext uri="{FF2B5EF4-FFF2-40B4-BE49-F238E27FC236}">
+                <a16:creationId xmlns:a16="http://schemas.microsoft.com/office/drawing/2014/main" id="{271086E7-C268-B2E7-53C7-E44A9FE384F3}"/>
+              </a:ext>
+            </a:extLst>
+          </p:cNvPr>
+          <p:cNvSpPr txBox="1"/>
+          <p:nvPr/>
+        </p:nvSpPr>
+        <p:spPr>
+          <a:xfrm>
+            <a:off x="8920181" y="5624100"/>
+            <a:ext cx="2590774" cy="369332"/>
+          </a:xfrm>
+          <a:prstGeom prst="rect">
+            <a:avLst/>
+          </a:prstGeom>
+          <a:noFill/>
+          <a:ln>
+            <a:solidFill>
+              <a:schemeClr val="tx1"/>
+            </a:solidFill>
+          </a:ln>
+        </p:spPr>
+        <p:txBody>
+          <a:bodyPr wrap="none" rtlCol="0">
+            <a:spAutoFit/>
+          </a:bodyPr>
+          <a:lstStyle/>
+          <a:p>
+            <a:r>
+              <a:rPr lang="en-US" dirty="0"/>
+              <a:t>OpenMP GPU offloading</a:t>
             </a:r>
             <a:endParaRPr lang="LID4096" dirty="0"/>
           </a:p>
@@ -9592,8 +10645,8 @@
         </p:nvCxnSpPr>
         <p:spPr>
           <a:xfrm flipH="1">
-            <a:off x="3252498" y="2281706"/>
-            <a:ext cx="358354" cy="1208450"/>
+            <a:off x="2438308" y="2281706"/>
+            <a:ext cx="1295975" cy="1208450"/>
           </a:xfrm>
           <a:prstGeom prst="straightConnector1">
             <a:avLst/>
@@ -9637,8 +10690,53 @@
         </p:nvCxnSpPr>
         <p:spPr>
           <a:xfrm>
-            <a:off x="3610852" y="2281706"/>
-            <a:ext cx="4625960" cy="1208450"/>
+            <a:off x="3734283" y="2281706"/>
+            <a:ext cx="4001489" cy="1208450"/>
+          </a:xfrm>
+          <a:prstGeom prst="straightConnector1">
+            <a:avLst/>
+          </a:prstGeom>
+          <a:ln>
+            <a:solidFill>
+              <a:schemeClr val="tx1"/>
+            </a:solidFill>
+            <a:tailEnd type="triangle"/>
+          </a:ln>
+        </p:spPr>
+        <p:style>
+          <a:lnRef idx="2">
+            <a:schemeClr val="accent1"/>
+          </a:lnRef>
+          <a:fillRef idx="0">
+            <a:schemeClr val="accent1"/>
+          </a:fillRef>
+          <a:effectRef idx="1">
+            <a:schemeClr val="accent1"/>
+          </a:effectRef>
+          <a:fontRef idx="minor">
+            <a:schemeClr val="tx1"/>
+          </a:fontRef>
+        </p:style>
+      </p:cxnSp>
+      <p:cxnSp>
+        <p:nvCxnSpPr>
+          <p:cNvPr id="15" name="Straight Arrow Connector 14">
+            <a:extLst>
+              <a:ext uri="{FF2B5EF4-FFF2-40B4-BE49-F238E27FC236}">
+                <a16:creationId xmlns:a16="http://schemas.microsoft.com/office/drawing/2014/main" id="{720760C3-C392-36F8-F7DC-C3AD82C6E1D2}"/>
+              </a:ext>
+            </a:extLst>
+          </p:cNvPr>
+          <p:cNvCxnSpPr>
+            <a:stCxn id="3" idx="3"/>
+            <a:endCxn id="4" idx="1"/>
+          </p:cNvCxnSpPr>
+          <p:nvPr/>
+        </p:nvCxnSpPr>
+        <p:spPr>
+          <a:xfrm flipV="1">
+            <a:off x="4491061" y="2092123"/>
+            <a:ext cx="1241003" cy="4917"/>
           </a:xfrm>
           <a:prstGeom prst="straightConnector1">
             <a:avLst/>
@@ -9682,53 +10780,8 @@
         </p:nvCxnSpPr>
         <p:spPr>
           <a:xfrm>
-            <a:off x="5157442" y="3674822"/>
-            <a:ext cx="2073325" cy="0"/>
-          </a:xfrm>
-          <a:prstGeom prst="straightConnector1">
-            <a:avLst/>
-          </a:prstGeom>
-          <a:ln>
-            <a:solidFill>
-              <a:schemeClr val="tx1"/>
-            </a:solidFill>
-            <a:tailEnd type="triangle"/>
-          </a:ln>
-        </p:spPr>
-        <p:style>
-          <a:lnRef idx="2">
-            <a:schemeClr val="accent1"/>
-          </a:lnRef>
-          <a:fillRef idx="0">
-            <a:schemeClr val="accent1"/>
-          </a:fillRef>
-          <a:effectRef idx="1">
-            <a:schemeClr val="accent1"/>
-          </a:effectRef>
-          <a:fontRef idx="minor">
-            <a:schemeClr val="tx1"/>
-          </a:fontRef>
-        </p:style>
-      </p:cxnSp>
-      <p:cxnSp>
-        <p:nvCxnSpPr>
-          <p:cNvPr id="19" name="Straight Arrow Connector 18">
-            <a:extLst>
-              <a:ext uri="{FF2B5EF4-FFF2-40B4-BE49-F238E27FC236}">
-                <a16:creationId xmlns:a16="http://schemas.microsoft.com/office/drawing/2014/main" id="{8814EA6F-F173-187D-676B-D744D18676C3}"/>
-              </a:ext>
-            </a:extLst>
-          </p:cNvPr>
-          <p:cNvCxnSpPr>
-            <a:stCxn id="6" idx="2"/>
-            <a:endCxn id="7" idx="0"/>
-          </p:cNvCxnSpPr>
-          <p:nvPr/>
-        </p:nvCxnSpPr>
-        <p:spPr>
-          <a:xfrm>
-            <a:off x="3252498" y="3859488"/>
-            <a:ext cx="3388279" cy="886118"/>
+            <a:off x="4343252" y="3674822"/>
+            <a:ext cx="2386475" cy="0"/>
           </a:xfrm>
           <a:prstGeom prst="straightConnector1">
             <a:avLst/>
@@ -9772,53 +10825,8 @@
         </p:nvCxnSpPr>
         <p:spPr>
           <a:xfrm flipH="1">
-            <a:off x="6640777" y="3859488"/>
-            <a:ext cx="1596035" cy="886118"/>
-          </a:xfrm>
-          <a:prstGeom prst="straightConnector1">
-            <a:avLst/>
-          </a:prstGeom>
-          <a:ln>
-            <a:solidFill>
-              <a:schemeClr val="tx1"/>
-            </a:solidFill>
-            <a:tailEnd type="triangle"/>
-          </a:ln>
-        </p:spPr>
-        <p:style>
-          <a:lnRef idx="2">
-            <a:schemeClr val="accent1"/>
-          </a:lnRef>
-          <a:fillRef idx="0">
-            <a:schemeClr val="accent1"/>
-          </a:fillRef>
-          <a:effectRef idx="1">
-            <a:schemeClr val="accent1"/>
-          </a:effectRef>
-          <a:fontRef idx="minor">
-            <a:schemeClr val="tx1"/>
-          </a:fontRef>
-        </p:style>
-      </p:cxnSp>
-      <p:cxnSp>
-        <p:nvCxnSpPr>
-          <p:cNvPr id="29" name="Straight Arrow Connector 28">
-            <a:extLst>
-              <a:ext uri="{FF2B5EF4-FFF2-40B4-BE49-F238E27FC236}">
-                <a16:creationId xmlns:a16="http://schemas.microsoft.com/office/drawing/2014/main" id="{1A87395B-5003-BECC-D73C-3EBB76F22C3B}"/>
-              </a:ext>
-            </a:extLst>
-          </p:cNvPr>
-          <p:cNvCxnSpPr>
-            <a:stCxn id="6" idx="2"/>
-            <a:endCxn id="8" idx="0"/>
-          </p:cNvCxnSpPr>
-          <p:nvPr/>
-        </p:nvCxnSpPr>
-        <p:spPr>
-          <a:xfrm flipH="1">
-            <a:off x="2621873" y="3859488"/>
-            <a:ext cx="630625" cy="1257614"/>
+            <a:off x="7326123" y="3859488"/>
+            <a:ext cx="409649" cy="1023784"/>
           </a:xfrm>
           <a:prstGeom prst="straightConnector1">
             <a:avLst/>
@@ -9862,8 +10870,8 @@
         </p:nvCxnSpPr>
         <p:spPr>
           <a:xfrm flipH="1">
-            <a:off x="2621873" y="3859488"/>
-            <a:ext cx="5614939" cy="1257614"/>
+            <a:off x="3671155" y="3859488"/>
+            <a:ext cx="4064617" cy="1395280"/>
           </a:xfrm>
           <a:prstGeom prst="straightConnector1">
             <a:avLst/>
@@ -9907,8 +10915,8 @@
         </p:nvCxnSpPr>
         <p:spPr>
           <a:xfrm flipV="1">
-            <a:off x="4459588" y="4930272"/>
-            <a:ext cx="587130" cy="371496"/>
+            <a:off x="5508870" y="5067938"/>
+            <a:ext cx="223194" cy="371496"/>
           </a:xfrm>
           <a:prstGeom prst="straightConnector1">
             <a:avLst/>
@@ -9952,8 +10960,8 @@
         </p:nvCxnSpPr>
         <p:spPr>
           <a:xfrm>
-            <a:off x="4459588" y="5301768"/>
-            <a:ext cx="3272826" cy="369332"/>
+            <a:off x="5508870" y="5439434"/>
+            <a:ext cx="3411311" cy="369332"/>
           </a:xfrm>
           <a:prstGeom prst="straightConnector1">
             <a:avLst/>
@@ -9997,8 +11005,194 @@
         </p:nvCxnSpPr>
         <p:spPr>
           <a:xfrm>
-            <a:off x="8236812" y="3859488"/>
-            <a:ext cx="499852" cy="1626946"/>
+            <a:off x="7735772" y="3859488"/>
+            <a:ext cx="2479796" cy="1764612"/>
+          </a:xfrm>
+          <a:prstGeom prst="straightConnector1">
+            <a:avLst/>
+          </a:prstGeom>
+          <a:ln>
+            <a:solidFill>
+              <a:schemeClr val="tx1"/>
+            </a:solidFill>
+            <a:tailEnd type="triangle"/>
+          </a:ln>
+        </p:spPr>
+        <p:style>
+          <a:lnRef idx="2">
+            <a:schemeClr val="accent1"/>
+          </a:lnRef>
+          <a:fillRef idx="0">
+            <a:schemeClr val="accent1"/>
+          </a:fillRef>
+          <a:effectRef idx="1">
+            <a:schemeClr val="accent1"/>
+          </a:effectRef>
+          <a:fontRef idx="minor">
+            <a:schemeClr val="tx1"/>
+          </a:fontRef>
+        </p:style>
+      </p:cxnSp>
+      <p:sp>
+        <p:nvSpPr>
+          <p:cNvPr id="45" name="TextBox 44">
+            <a:extLst>
+              <a:ext uri="{FF2B5EF4-FFF2-40B4-BE49-F238E27FC236}">
+                <a16:creationId xmlns:a16="http://schemas.microsoft.com/office/drawing/2014/main" id="{A7A752C5-6A44-91DA-D3E6-259E27DC0382}"/>
+              </a:ext>
+            </a:extLst>
+          </p:cNvPr>
+          <p:cNvSpPr txBox="1"/>
+          <p:nvPr/>
+        </p:nvSpPr>
+        <p:spPr>
+          <a:xfrm>
+            <a:off x="405345" y="4513940"/>
+            <a:ext cx="4026872" cy="369332"/>
+          </a:xfrm>
+          <a:prstGeom prst="rect">
+            <a:avLst/>
+          </a:prstGeom>
+          <a:noFill/>
+          <a:ln>
+            <a:solidFill>
+              <a:schemeClr val="tx1"/>
+            </a:solidFill>
+          </a:ln>
+        </p:spPr>
+        <p:txBody>
+          <a:bodyPr wrap="none" rtlCol="0">
+            <a:spAutoFit/>
+          </a:bodyPr>
+          <a:lstStyle/>
+          <a:p>
+            <a:r>
+              <a:rPr lang="en-US" dirty="0"/>
+              <a:t>Parallel programming with STL and TBB</a:t>
+            </a:r>
+            <a:endParaRPr lang="LID4096" dirty="0"/>
+          </a:p>
+        </p:txBody>
+      </p:sp>
+      <p:cxnSp>
+        <p:nvCxnSpPr>
+          <p:cNvPr id="46" name="Straight Arrow Connector 45">
+            <a:extLst>
+              <a:ext uri="{FF2B5EF4-FFF2-40B4-BE49-F238E27FC236}">
+                <a16:creationId xmlns:a16="http://schemas.microsoft.com/office/drawing/2014/main" id="{DB2636E9-BA8E-ED28-9112-22F565901035}"/>
+              </a:ext>
+            </a:extLst>
+          </p:cNvPr>
+          <p:cNvCxnSpPr>
+            <a:cxnSpLocks/>
+            <a:stCxn id="5" idx="2"/>
+            <a:endCxn id="45" idx="3"/>
+          </p:cNvCxnSpPr>
+          <p:nvPr/>
+        </p:nvCxnSpPr>
+        <p:spPr>
+          <a:xfrm flipH="1">
+            <a:off x="4432217" y="3859488"/>
+            <a:ext cx="3303555" cy="839118"/>
+          </a:xfrm>
+          <a:prstGeom prst="straightConnector1">
+            <a:avLst/>
+          </a:prstGeom>
+          <a:ln>
+            <a:solidFill>
+              <a:schemeClr val="tx1"/>
+            </a:solidFill>
+            <a:tailEnd type="triangle"/>
+          </a:ln>
+        </p:spPr>
+        <p:style>
+          <a:lnRef idx="2">
+            <a:schemeClr val="accent1"/>
+          </a:lnRef>
+          <a:fillRef idx="0">
+            <a:schemeClr val="accent1"/>
+          </a:fillRef>
+          <a:effectRef idx="1">
+            <a:schemeClr val="accent1"/>
+          </a:effectRef>
+          <a:fontRef idx="minor">
+            <a:schemeClr val="tx1"/>
+          </a:fontRef>
+        </p:style>
+      </p:cxnSp>
+      <p:sp>
+        <p:nvSpPr>
+          <p:cNvPr id="10" name="TextBox 9">
+            <a:extLst>
+              <a:ext uri="{FF2B5EF4-FFF2-40B4-BE49-F238E27FC236}">
+                <a16:creationId xmlns:a16="http://schemas.microsoft.com/office/drawing/2014/main" id="{7C78D52D-7E32-BFD2-5F9B-25BF9F47DA1C}"/>
+              </a:ext>
+            </a:extLst>
+          </p:cNvPr>
+          <p:cNvSpPr txBox="1"/>
+          <p:nvPr/>
+        </p:nvSpPr>
+        <p:spPr>
+          <a:xfrm>
+            <a:off x="8920181" y="3955881"/>
+            <a:ext cx="3084562" cy="646331"/>
+          </a:xfrm>
+          <a:prstGeom prst="rect">
+            <a:avLst/>
+          </a:prstGeom>
+          <a:noFill/>
+          <a:ln>
+            <a:solidFill>
+              <a:schemeClr val="tx1"/>
+            </a:solidFill>
+          </a:ln>
+        </p:spPr>
+        <p:txBody>
+          <a:bodyPr wrap="none" rtlCol="0">
+            <a:spAutoFit/>
+          </a:bodyPr>
+          <a:lstStyle/>
+          <a:p>
+            <a:pPr algn="ctr"/>
+            <a:r>
+              <a:rPr lang="en-US" dirty="0"/>
+              <a:t>Heterogeneous programming</a:t>
+            </a:r>
+            <a:br>
+              <a:rPr lang="en-US" dirty="0"/>
+            </a:br>
+            <a:r>
+              <a:rPr lang="en-US" dirty="0"/>
+              <a:t>with </a:t>
+            </a:r>
+            <a:r>
+              <a:rPr lang="en-US" dirty="0" err="1"/>
+              <a:t>Kokkos</a:t>
+            </a:r>
+            <a:endParaRPr lang="LID4096" dirty="0"/>
+          </a:p>
+        </p:txBody>
+      </p:sp>
+      <p:cxnSp>
+        <p:nvCxnSpPr>
+          <p:cNvPr id="16" name="Straight Arrow Connector 15">
+            <a:extLst>
+              <a:ext uri="{FF2B5EF4-FFF2-40B4-BE49-F238E27FC236}">
+                <a16:creationId xmlns:a16="http://schemas.microsoft.com/office/drawing/2014/main" id="{0F5896FC-1A60-978A-E2F3-694895F6D344}"/>
+              </a:ext>
+            </a:extLst>
+          </p:cNvPr>
+          <p:cNvCxnSpPr>
+            <a:cxnSpLocks/>
+            <a:stCxn id="5" idx="2"/>
+            <a:endCxn id="10" idx="1"/>
+          </p:cNvCxnSpPr>
+          <p:nvPr/>
+        </p:nvCxnSpPr>
+        <p:spPr>
+          <a:xfrm>
+            <a:off x="7735772" y="3859488"/>
+            <a:ext cx="1184409" cy="419559"/>
           </a:xfrm>
           <a:prstGeom prst="straightConnector1">
             <a:avLst/>
@@ -10028,7 +11222,7 @@
     </p:spTree>
     <p:extLst>
       <p:ext uri="{BB962C8B-B14F-4D97-AF65-F5344CB8AC3E}">
-        <p14:creationId xmlns:p14="http://schemas.microsoft.com/office/powerpoint/2010/main" val="2325511528"/>
+        <p14:creationId xmlns:p14="http://schemas.microsoft.com/office/powerpoint/2010/main" val="769492150"/>
       </p:ext>
     </p:extLst>
   </p:cSld>
@@ -10078,7 +11272,7 @@
           <a:p>
             <a:r>
               <a:rPr lang="en-US" dirty="0"/>
-              <a:t>Programming: Fortran</a:t>
+              <a:t>Programming: C</a:t>
             </a:r>
             <a:endParaRPr lang="LID4096" dirty="0"/>
           </a:p>
@@ -10099,7 +11293,7 @@
         <p:spPr>
           <a:xfrm>
             <a:off x="2977505" y="1912374"/>
-            <a:ext cx="2604239" cy="369332"/>
+            <a:ext cx="1266693" cy="369332"/>
           </a:xfrm>
           <a:prstGeom prst="rect">
             <a:avLst/>
@@ -10118,8 +11312,12 @@
           <a:lstStyle/>
           <a:p>
             <a:r>
+              <a:rPr lang="en-US" dirty="0" err="1"/>
+              <a:t>Scientfic</a:t>
+            </a:r>
+            <a:r>
               <a:rPr lang="en-US" dirty="0"/>
-              <a:t>Fortran for programmers</a:t>
+              <a:t> C</a:t>
             </a:r>
             <a:endParaRPr lang="LID4096" dirty="0"/>
           </a:p>
@@ -10304,7 +11502,7 @@
         <p:spPr>
           <a:xfrm>
             <a:off x="7732414" y="5486434"/>
-            <a:ext cx="2008499" cy="369332"/>
+            <a:ext cx="2590774" cy="369332"/>
           </a:xfrm>
           <a:prstGeom prst="rect">
             <a:avLst/>
@@ -10324,7 +11522,7 @@
           <a:p>
             <a:r>
               <a:rPr lang="en-US" dirty="0"/>
-              <a:t>GPU programming</a:t>
+              <a:t>OpenMP GPU offloading</a:t>
             </a:r>
             <a:endParaRPr lang="LID4096" dirty="0"/>
           </a:p>
@@ -10348,7 +11546,7 @@
         <p:spPr>
           <a:xfrm flipH="1">
             <a:off x="3252498" y="2281706"/>
-            <a:ext cx="1027127" cy="1208450"/>
+            <a:ext cx="358354" cy="1208450"/>
           </a:xfrm>
           <a:prstGeom prst="straightConnector1">
             <a:avLst/>
@@ -10392,8 +11590,8 @@
         </p:nvCxnSpPr>
         <p:spPr>
           <a:xfrm>
-            <a:off x="4279625" y="2281706"/>
-            <a:ext cx="3957187" cy="1208450"/>
+            <a:off x="3610852" y="2281706"/>
+            <a:ext cx="4625960" cy="1208450"/>
           </a:xfrm>
           <a:prstGeom prst="straightConnector1">
             <a:avLst/>
@@ -10753,7 +11951,7 @@
         <p:spPr>
           <a:xfrm>
             <a:off x="8236812" y="3859488"/>
-            <a:ext cx="499852" cy="1626946"/>
+            <a:ext cx="790989" cy="1626946"/>
           </a:xfrm>
           <a:prstGeom prst="straightConnector1">
             <a:avLst/>
@@ -10783,7 +11981,7 @@
     </p:spTree>
     <p:extLst>
       <p:ext uri="{BB962C8B-B14F-4D97-AF65-F5344CB8AC3E}">
-        <p14:creationId xmlns:p14="http://schemas.microsoft.com/office/powerpoint/2010/main" val="2036772656"/>
+        <p14:creationId xmlns:p14="http://schemas.microsoft.com/office/powerpoint/2010/main" val="2325511528"/>
       </p:ext>
     </p:extLst>
   </p:cSld>
